--- a/slides/k8 workshop deck-Day-2 -v 1.0.pptx
+++ b/slides/k8 workshop deck-Day-2 -v 1.0.pptx
@@ -18,18 +18,18 @@
     <p:sldId id="1946" r:id="rId9"/>
     <p:sldId id="1948" r:id="rId10"/>
     <p:sldId id="1951" r:id="rId11"/>
-    <p:sldId id="1959" r:id="rId12"/>
-    <p:sldId id="382" r:id="rId13"/>
-    <p:sldId id="1952" r:id="rId14"/>
-    <p:sldId id="1810" r:id="rId15"/>
-    <p:sldId id="1953" r:id="rId16"/>
-    <p:sldId id="1814" r:id="rId17"/>
-    <p:sldId id="1815" r:id="rId18"/>
-    <p:sldId id="1955" r:id="rId19"/>
-    <p:sldId id="1819" r:id="rId20"/>
-    <p:sldId id="1956" r:id="rId21"/>
-    <p:sldId id="1957" r:id="rId22"/>
-    <p:sldId id="1958" r:id="rId23"/>
+    <p:sldId id="382" r:id="rId12"/>
+    <p:sldId id="1952" r:id="rId13"/>
+    <p:sldId id="1810" r:id="rId14"/>
+    <p:sldId id="1953" r:id="rId15"/>
+    <p:sldId id="1814" r:id="rId16"/>
+    <p:sldId id="1815" r:id="rId17"/>
+    <p:sldId id="1955" r:id="rId18"/>
+    <p:sldId id="1819" r:id="rId19"/>
+    <p:sldId id="1956" r:id="rId20"/>
+    <p:sldId id="1957" r:id="rId21"/>
+    <p:sldId id="1958" r:id="rId22"/>
+    <p:sldId id="1959" r:id="rId23"/>
     <p:sldId id="1961" r:id="rId24"/>
     <p:sldId id="1960" r:id="rId25"/>
     <p:sldId id="1964" r:id="rId26"/>
@@ -229,7 +229,7 @@
           <a:p>
             <a:fld id="{914410B8-601C-4E61-B505-CE0949F47A19}" type="datetimeFigureOut">
               <a:rPr lang="en-US" smtClean="0"/>
-              <a:t>7/8/2020</a:t>
+              <a:t>7/9/2020</a:t>
             </a:fld>
             <a:endParaRPr lang="en-US"/>
           </a:p>
@@ -745,7 +745,7 @@
                 <a:tabLst/>
                 <a:defRPr/>
               </a:pPr>
-              <a:t>08-07-2020</a:t>
+              <a:t>09-07-2020</a:t>
             </a:fld>
             <a:endParaRPr kumimoji="0" lang="en-IN" sz="1800" b="0" i="0" u="none" strike="noStrike" kern="1200" cap="none" spc="-1" normalizeH="0" baseline="0" noProof="0">
               <a:ln>
@@ -1143,7 +1143,7 @@
                 <a:tabLst/>
                 <a:defRPr/>
               </a:pPr>
-              <a:t>08-07-2020</a:t>
+              <a:t>09-07-2020</a:t>
             </a:fld>
             <a:endParaRPr kumimoji="0" lang="en-IN" sz="1800" b="0" i="0" u="none" strike="noStrike" kern="1200" cap="none" spc="-1" normalizeH="0" baseline="0" noProof="0">
               <a:ln>
@@ -1422,7 +1422,7 @@
                 <a:tabLst/>
                 <a:defRPr/>
               </a:pPr>
-              <a:t>08-07-2020</a:t>
+              <a:t>09-07-2020</a:t>
             </a:fld>
             <a:endParaRPr kumimoji="0" lang="en-IN" sz="1800" b="0" i="0" u="none" strike="noStrike" kern="1200" cap="none" spc="-1" normalizeH="0" baseline="0" noProof="0">
               <a:ln>
@@ -1701,7 +1701,7 @@
                 <a:tabLst/>
                 <a:defRPr/>
               </a:pPr>
-              <a:t>08-07-2020</a:t>
+              <a:t>09-07-2020</a:t>
             </a:fld>
             <a:endParaRPr kumimoji="0" lang="en-IN" sz="1800" b="0" i="0" u="none" strike="noStrike" kern="1200" cap="none" spc="-1" normalizeH="0" baseline="0" noProof="0">
               <a:ln>
@@ -1980,7 +1980,7 @@
                 <a:tabLst/>
                 <a:defRPr/>
               </a:pPr>
-              <a:t>08-07-2020</a:t>
+              <a:t>09-07-2020</a:t>
             </a:fld>
             <a:endParaRPr kumimoji="0" lang="en-IN" sz="1800" b="0" i="0" u="none" strike="noStrike" kern="1200" cap="none" spc="-1" normalizeH="0" baseline="0" noProof="0">
               <a:ln>
@@ -2157,7 +2157,7 @@
           <a:p>
             <a:fld id="{117C3FC8-6780-4A2D-8B66-3B225C38EB6B}" type="datetimeFigureOut">
               <a:rPr lang="en-US" smtClean="0"/>
-              <a:t>7/8/2020</a:t>
+              <a:t>7/9/2020</a:t>
             </a:fld>
             <a:endParaRPr lang="en-US"/>
           </a:p>
@@ -2355,7 +2355,7 @@
           <a:p>
             <a:fld id="{117C3FC8-6780-4A2D-8B66-3B225C38EB6B}" type="datetimeFigureOut">
               <a:rPr lang="en-US" smtClean="0"/>
-              <a:t>7/8/2020</a:t>
+              <a:t>7/9/2020</a:t>
             </a:fld>
             <a:endParaRPr lang="en-US"/>
           </a:p>
@@ -2563,7 +2563,7 @@
           <a:p>
             <a:fld id="{117C3FC8-6780-4A2D-8B66-3B225C38EB6B}" type="datetimeFigureOut">
               <a:rPr lang="en-US" smtClean="0"/>
-              <a:t>7/8/2020</a:t>
+              <a:t>7/9/2020</a:t>
             </a:fld>
             <a:endParaRPr lang="en-US"/>
           </a:p>
@@ -3665,7 +3665,7 @@
           <a:p>
             <a:fld id="{117C3FC8-6780-4A2D-8B66-3B225C38EB6B}" type="datetimeFigureOut">
               <a:rPr lang="en-US" smtClean="0"/>
-              <a:t>7/8/2020</a:t>
+              <a:t>7/9/2020</a:t>
             </a:fld>
             <a:endParaRPr lang="en-US"/>
           </a:p>
@@ -5191,7 +5191,7 @@
           <a:p>
             <a:fld id="{117C3FC8-6780-4A2D-8B66-3B225C38EB6B}" type="datetimeFigureOut">
               <a:rPr lang="en-US" smtClean="0"/>
-              <a:t>7/8/2020</a:t>
+              <a:t>7/9/2020</a:t>
             </a:fld>
             <a:endParaRPr lang="en-US"/>
           </a:p>
@@ -7126,7 +7126,7 @@
           <a:p>
             <a:fld id="{117C3FC8-6780-4A2D-8B66-3B225C38EB6B}" type="datetimeFigureOut">
               <a:rPr lang="en-US" smtClean="0"/>
-              <a:t>7/8/2020</a:t>
+              <a:t>7/9/2020</a:t>
             </a:fld>
             <a:endParaRPr lang="en-US"/>
           </a:p>
@@ -10394,7 +10394,7 @@
           <a:p>
             <a:fld id="{117C3FC8-6780-4A2D-8B66-3B225C38EB6B}" type="datetimeFigureOut">
               <a:rPr lang="en-US" smtClean="0"/>
-              <a:t>7/8/2020</a:t>
+              <a:t>7/9/2020</a:t>
             </a:fld>
             <a:endParaRPr lang="en-US"/>
           </a:p>
@@ -11577,7 +11577,7 @@
           <a:p>
             <a:fld id="{117C3FC8-6780-4A2D-8B66-3B225C38EB6B}" type="datetimeFigureOut">
               <a:rPr lang="en-US" smtClean="0"/>
-              <a:t>7/8/2020</a:t>
+              <a:t>7/9/2020</a:t>
             </a:fld>
             <a:endParaRPr lang="en-US"/>
           </a:p>
@@ -11758,7 +11758,7 @@
           <a:p>
             <a:fld id="{117C3FC8-6780-4A2D-8B66-3B225C38EB6B}" type="datetimeFigureOut">
               <a:rPr lang="en-US" smtClean="0"/>
-              <a:t>7/8/2020</a:t>
+              <a:t>7/9/2020</a:t>
             </a:fld>
             <a:endParaRPr lang="en-US"/>
           </a:p>
@@ -12069,7 +12069,7 @@
           <a:p>
             <a:fld id="{117C3FC8-6780-4A2D-8B66-3B225C38EB6B}" type="datetimeFigureOut">
               <a:rPr lang="en-US" smtClean="0"/>
-              <a:t>7/8/2020</a:t>
+              <a:t>7/9/2020</a:t>
             </a:fld>
             <a:endParaRPr lang="en-US"/>
           </a:p>
@@ -12357,7 +12357,7 @@
           <a:p>
             <a:fld id="{117C3FC8-6780-4A2D-8B66-3B225C38EB6B}" type="datetimeFigureOut">
               <a:rPr lang="en-US" smtClean="0"/>
-              <a:t>7/8/2020</a:t>
+              <a:t>7/9/2020</a:t>
             </a:fld>
             <a:endParaRPr lang="en-US"/>
           </a:p>
@@ -12598,7 +12598,7 @@
           <a:p>
             <a:fld id="{117C3FC8-6780-4A2D-8B66-3B225C38EB6B}" type="datetimeFigureOut">
               <a:rPr lang="en-US" smtClean="0"/>
-              <a:t>7/8/2020</a:t>
+              <a:t>7/9/2020</a:t>
             </a:fld>
             <a:endParaRPr lang="en-US"/>
           </a:p>
@@ -15698,6 +15698,3209 @@
       </p:grpSpPr>
       <p:sp>
         <p:nvSpPr>
+          <p:cNvPr id="5" name="Google Shape;1106;p152">
+            <a:extLst>
+              <a:ext uri="{FF2B5EF4-FFF2-40B4-BE49-F238E27FC236}">
+                <a16:creationId xmlns:a16="http://schemas.microsoft.com/office/drawing/2014/main" id="{0CBA1713-E469-4351-A826-1C43F2AAC901}"/>
+              </a:ext>
+            </a:extLst>
+          </p:cNvPr>
+          <p:cNvSpPr txBox="1">
+            <a:spLocks noGrp="1"/>
+          </p:cNvSpPr>
+          <p:nvPr>
+            <p:ph type="title"/>
+          </p:nvPr>
+        </p:nvSpPr>
+        <p:spPr>
+          <a:xfrm>
+            <a:off x="411982" y="274637"/>
+            <a:ext cx="11170418" cy="740247"/>
+          </a:xfrm>
+          <a:prstGeom prst="rect">
+            <a:avLst/>
+          </a:prstGeom>
+        </p:spPr>
+        <p:txBody>
+          <a:bodyPr spcFirstLastPara="1" vert="horz" wrap="square" lIns="121900" tIns="121900" rIns="121900" bIns="121900" rtlCol="0" anchor="b" anchorCtr="0">
+            <a:noAutofit/>
+          </a:bodyPr>
+          <a:lstStyle/>
+          <a:p>
+            <a:r>
+              <a:rPr lang="en-US" dirty="0"/>
+              <a:t>Volumes and Volume mounts</a:t>
+            </a:r>
+            <a:endParaRPr dirty="0"/>
+          </a:p>
+        </p:txBody>
+      </p:sp>
+      <p:sp>
+        <p:nvSpPr>
+          <p:cNvPr id="4" name="Rectangle 3">
+            <a:extLst>
+              <a:ext uri="{FF2B5EF4-FFF2-40B4-BE49-F238E27FC236}">
+                <a16:creationId xmlns:a16="http://schemas.microsoft.com/office/drawing/2014/main" id="{C3BC01C9-DD70-4D3B-BF73-A024CA66AD05}"/>
+              </a:ext>
+            </a:extLst>
+          </p:cNvPr>
+          <p:cNvSpPr/>
+          <p:nvPr/>
+        </p:nvSpPr>
+        <p:spPr>
+          <a:xfrm>
+            <a:off x="657620" y="1691059"/>
+            <a:ext cx="5787002" cy="461665"/>
+          </a:xfrm>
+          <a:prstGeom prst="rect">
+            <a:avLst/>
+          </a:prstGeom>
+        </p:spPr>
+        <p:txBody>
+          <a:bodyPr wrap="square">
+            <a:spAutoFit/>
+          </a:bodyPr>
+          <a:lstStyle/>
+          <a:p>
+            <a:pPr marL="342900" indent="-342900">
+              <a:buFont typeface="Arial" panose="020B0604020202020204" pitchFamily="34" charset="0"/>
+              <a:buChar char="•"/>
+            </a:pPr>
+            <a:r>
+              <a:rPr lang="en-US" sz="2400" dirty="0"/>
+              <a:t>A volume references a storage location</a:t>
+            </a:r>
+          </a:p>
+        </p:txBody>
+      </p:sp>
+      <p:sp>
+        <p:nvSpPr>
+          <p:cNvPr id="7" name="Rectangle 6">
+            <a:extLst>
+              <a:ext uri="{FF2B5EF4-FFF2-40B4-BE49-F238E27FC236}">
+                <a16:creationId xmlns:a16="http://schemas.microsoft.com/office/drawing/2014/main" id="{AD136D74-A6CB-4B2D-9ADC-F974978B9F91}"/>
+              </a:ext>
+            </a:extLst>
+          </p:cNvPr>
+          <p:cNvSpPr/>
+          <p:nvPr/>
+        </p:nvSpPr>
+        <p:spPr>
+          <a:xfrm>
+            <a:off x="657620" y="2486962"/>
+            <a:ext cx="4988426" cy="461665"/>
+          </a:xfrm>
+          <a:prstGeom prst="rect">
+            <a:avLst/>
+          </a:prstGeom>
+        </p:spPr>
+        <p:txBody>
+          <a:bodyPr wrap="square">
+            <a:spAutoFit/>
+          </a:bodyPr>
+          <a:lstStyle/>
+          <a:p>
+            <a:pPr marL="342900" indent="-342900">
+              <a:buFont typeface="Arial" panose="020B0604020202020204" pitchFamily="34" charset="0"/>
+              <a:buChar char="•"/>
+            </a:pPr>
+            <a:r>
+              <a:rPr lang="en-US" sz="2400" dirty="0"/>
+              <a:t>Must have a unique name</a:t>
+            </a:r>
+          </a:p>
+        </p:txBody>
+      </p:sp>
+      <p:sp>
+        <p:nvSpPr>
+          <p:cNvPr id="8" name="Rectangle 7">
+            <a:extLst>
+              <a:ext uri="{FF2B5EF4-FFF2-40B4-BE49-F238E27FC236}">
+                <a16:creationId xmlns:a16="http://schemas.microsoft.com/office/drawing/2014/main" id="{A1D16C3B-74A8-4CA7-966C-2B58F118922D}"/>
+              </a:ext>
+            </a:extLst>
+          </p:cNvPr>
+          <p:cNvSpPr/>
+          <p:nvPr/>
+        </p:nvSpPr>
+        <p:spPr>
+          <a:xfrm>
+            <a:off x="657620" y="3189520"/>
+            <a:ext cx="5665081" cy="830997"/>
+          </a:xfrm>
+          <a:prstGeom prst="rect">
+            <a:avLst/>
+          </a:prstGeom>
+        </p:spPr>
+        <p:txBody>
+          <a:bodyPr wrap="square">
+            <a:spAutoFit/>
+          </a:bodyPr>
+          <a:lstStyle/>
+          <a:p>
+            <a:pPr marL="342900" indent="-342900">
+              <a:buFont typeface="Arial" panose="020B0604020202020204" pitchFamily="34" charset="0"/>
+              <a:buChar char="•"/>
+            </a:pPr>
+            <a:r>
+              <a:rPr lang="en-US" sz="2400" dirty="0"/>
+              <a:t>Attached to pod and may or may not be tied to the Pod’s lifetime </a:t>
+            </a:r>
+          </a:p>
+        </p:txBody>
+      </p:sp>
+      <p:sp>
+        <p:nvSpPr>
+          <p:cNvPr id="10" name="Rectangle 9">
+            <a:extLst>
+              <a:ext uri="{FF2B5EF4-FFF2-40B4-BE49-F238E27FC236}">
+                <a16:creationId xmlns:a16="http://schemas.microsoft.com/office/drawing/2014/main" id="{DD74F586-517B-4153-A115-B71650EE0B6A}"/>
+              </a:ext>
+            </a:extLst>
+          </p:cNvPr>
+          <p:cNvSpPr/>
+          <p:nvPr/>
+        </p:nvSpPr>
+        <p:spPr>
+          <a:xfrm>
+            <a:off x="708286" y="4354755"/>
+            <a:ext cx="5387713" cy="830997"/>
+          </a:xfrm>
+          <a:prstGeom prst="rect">
+            <a:avLst/>
+          </a:prstGeom>
+        </p:spPr>
+        <p:txBody>
+          <a:bodyPr wrap="square">
+            <a:spAutoFit/>
+          </a:bodyPr>
+          <a:lstStyle/>
+          <a:p>
+            <a:pPr marL="342900" indent="-342900">
+              <a:buFont typeface="Arial" panose="020B0604020202020204" pitchFamily="34" charset="0"/>
+              <a:buChar char="•"/>
+            </a:pPr>
+            <a:r>
+              <a:rPr lang="en-US" sz="2400" dirty="0"/>
+              <a:t>A volume mount references a volume by name and defines a </a:t>
+            </a:r>
+            <a:r>
+              <a:rPr lang="en-US" sz="2400" dirty="0" err="1"/>
+              <a:t>mountPath</a:t>
+            </a:r>
+            <a:endParaRPr lang="en-US" sz="2400" dirty="0"/>
+          </a:p>
+        </p:txBody>
+      </p:sp>
+      <p:pic>
+        <p:nvPicPr>
+          <p:cNvPr id="11" name="Picture 10">
+            <a:extLst>
+              <a:ext uri="{FF2B5EF4-FFF2-40B4-BE49-F238E27FC236}">
+                <a16:creationId xmlns:a16="http://schemas.microsoft.com/office/drawing/2014/main" id="{CDAEBEDF-4E69-4D67-8ADA-ED9C0232FBBA}"/>
+              </a:ext>
+            </a:extLst>
+          </p:cNvPr>
+          <p:cNvPicPr>
+            <a:picLocks noChangeAspect="1"/>
+          </p:cNvPicPr>
+          <p:nvPr/>
+        </p:nvPicPr>
+        <p:blipFill>
+          <a:blip r:embed="rId2">
+            <a:extLst>
+              <a:ext uri="{28A0092B-C50C-407E-A947-70E740481C1C}">
+                <a14:useLocalDpi xmlns:a14="http://schemas.microsoft.com/office/drawing/2010/main" val="0"/>
+              </a:ext>
+            </a:extLst>
+          </a:blip>
+          <a:stretch>
+            <a:fillRect/>
+          </a:stretch>
+        </p:blipFill>
+        <p:spPr>
+          <a:xfrm>
+            <a:off x="7500670" y="2503407"/>
+            <a:ext cx="3276190" cy="1314286"/>
+          </a:xfrm>
+          <a:prstGeom prst="rect">
+            <a:avLst/>
+          </a:prstGeom>
+        </p:spPr>
+      </p:pic>
+    </p:spTree>
+    <p:extLst>
+      <p:ext uri="{BB962C8B-B14F-4D97-AF65-F5344CB8AC3E}">
+        <p14:creationId xmlns:p14="http://schemas.microsoft.com/office/powerpoint/2010/main" val="1197790092"/>
+      </p:ext>
+    </p:extLst>
+  </p:cSld>
+  <p:clrMapOvr>
+    <a:masterClrMapping/>
+  </p:clrMapOvr>
+</p:sld>
+</file>
+
+<file path=ppt/slides/slide11.xml><?xml version="1.0" encoding="utf-8"?>
+<p:sld xmlns:a="http://schemas.openxmlformats.org/drawingml/2006/main" xmlns:r="http://schemas.openxmlformats.org/officeDocument/2006/relationships" xmlns:p="http://schemas.openxmlformats.org/presentationml/2006/main">
+  <p:cSld>
+    <p:spTree>
+      <p:nvGrpSpPr>
+        <p:cNvPr id="1" name=""/>
+        <p:cNvGrpSpPr/>
+        <p:nvPr/>
+      </p:nvGrpSpPr>
+      <p:grpSpPr>
+        <a:xfrm>
+          <a:off x="0" y="0"/>
+          <a:ext cx="0" cy="0"/>
+          <a:chOff x="0" y="0"/>
+          <a:chExt cx="0" cy="0"/>
+        </a:xfrm>
+      </p:grpSpPr>
+      <p:sp>
+        <p:nvSpPr>
+          <p:cNvPr id="5" name="Google Shape;1106;p152">
+            <a:extLst>
+              <a:ext uri="{FF2B5EF4-FFF2-40B4-BE49-F238E27FC236}">
+                <a16:creationId xmlns:a16="http://schemas.microsoft.com/office/drawing/2014/main" id="{0CBA1713-E469-4351-A826-1C43F2AAC901}"/>
+              </a:ext>
+            </a:extLst>
+          </p:cNvPr>
+          <p:cNvSpPr txBox="1">
+            <a:spLocks noGrp="1"/>
+          </p:cNvSpPr>
+          <p:nvPr>
+            <p:ph type="title"/>
+          </p:nvPr>
+        </p:nvSpPr>
+        <p:spPr>
+          <a:xfrm>
+            <a:off x="416929" y="52399"/>
+            <a:ext cx="11170418" cy="740247"/>
+          </a:xfrm>
+          <a:prstGeom prst="rect">
+            <a:avLst/>
+          </a:prstGeom>
+        </p:spPr>
+        <p:txBody>
+          <a:bodyPr spcFirstLastPara="1" vert="horz" wrap="square" lIns="121900" tIns="121900" rIns="121900" bIns="121900" rtlCol="0" anchor="b" anchorCtr="0">
+            <a:noAutofit/>
+          </a:bodyPr>
+          <a:lstStyle/>
+          <a:p>
+            <a:r>
+              <a:rPr lang="en-US" dirty="0"/>
+              <a:t>Volume type examples</a:t>
+            </a:r>
+            <a:endParaRPr dirty="0"/>
+          </a:p>
+        </p:txBody>
+      </p:sp>
+      <p:sp>
+        <p:nvSpPr>
+          <p:cNvPr id="4" name="Rectangle 3">
+            <a:extLst>
+              <a:ext uri="{FF2B5EF4-FFF2-40B4-BE49-F238E27FC236}">
+                <a16:creationId xmlns:a16="http://schemas.microsoft.com/office/drawing/2014/main" id="{C3BC01C9-DD70-4D3B-BF73-A024CA66AD05}"/>
+              </a:ext>
+            </a:extLst>
+          </p:cNvPr>
+          <p:cNvSpPr/>
+          <p:nvPr/>
+        </p:nvSpPr>
+        <p:spPr>
+          <a:xfrm>
+            <a:off x="604652" y="792646"/>
+            <a:ext cx="6896018" cy="1200329"/>
+          </a:xfrm>
+          <a:prstGeom prst="rect">
+            <a:avLst/>
+          </a:prstGeom>
+        </p:spPr>
+        <p:txBody>
+          <a:bodyPr wrap="square">
+            <a:spAutoFit/>
+          </a:bodyPr>
+          <a:lstStyle/>
+          <a:p>
+            <a:pPr marL="342900" indent="-342900">
+              <a:buFont typeface="Arial" panose="020B0604020202020204" pitchFamily="34" charset="0"/>
+              <a:buChar char="•"/>
+            </a:pPr>
+            <a:r>
+              <a:rPr lang="en-US" sz="2400" b="1" dirty="0" err="1"/>
+              <a:t>emptyDir</a:t>
+            </a:r>
+            <a:r>
+              <a:rPr lang="en-US" sz="2400" b="1" dirty="0"/>
+              <a:t> – </a:t>
+            </a:r>
+            <a:r>
+              <a:rPr lang="en-US" sz="2400" dirty="0"/>
+              <a:t>Empty directory for storing “transient” data (shares a Pod’s lifetime) useful for sharing files between containers running in a Pod </a:t>
+            </a:r>
+            <a:endParaRPr lang="en-US" sz="2400" b="1" dirty="0"/>
+          </a:p>
+        </p:txBody>
+      </p:sp>
+      <p:pic>
+        <p:nvPicPr>
+          <p:cNvPr id="11" name="Picture 10">
+            <a:extLst>
+              <a:ext uri="{FF2B5EF4-FFF2-40B4-BE49-F238E27FC236}">
+                <a16:creationId xmlns:a16="http://schemas.microsoft.com/office/drawing/2014/main" id="{CDAEBEDF-4E69-4D67-8ADA-ED9C0232FBBA}"/>
+              </a:ext>
+            </a:extLst>
+          </p:cNvPr>
+          <p:cNvPicPr>
+            <a:picLocks noChangeAspect="1"/>
+          </p:cNvPicPr>
+          <p:nvPr/>
+        </p:nvPicPr>
+        <p:blipFill>
+          <a:blip r:embed="rId2">
+            <a:extLst>
+              <a:ext uri="{28A0092B-C50C-407E-A947-70E740481C1C}">
+                <a14:useLocalDpi xmlns:a14="http://schemas.microsoft.com/office/drawing/2010/main" val="0"/>
+              </a:ext>
+            </a:extLst>
+          </a:blip>
+          <a:stretch>
+            <a:fillRect/>
+          </a:stretch>
+        </p:blipFill>
+        <p:spPr>
+          <a:xfrm>
+            <a:off x="7500670" y="2503407"/>
+            <a:ext cx="3276190" cy="1314286"/>
+          </a:xfrm>
+          <a:prstGeom prst="rect">
+            <a:avLst/>
+          </a:prstGeom>
+        </p:spPr>
+      </p:pic>
+      <p:sp>
+        <p:nvSpPr>
+          <p:cNvPr id="12" name="Rectangle 11">
+            <a:extLst>
+              <a:ext uri="{FF2B5EF4-FFF2-40B4-BE49-F238E27FC236}">
+                <a16:creationId xmlns:a16="http://schemas.microsoft.com/office/drawing/2014/main" id="{6DA558C6-07C3-40B5-8D5C-93291DCFF5F9}"/>
+              </a:ext>
+            </a:extLst>
+          </p:cNvPr>
+          <p:cNvSpPr/>
+          <p:nvPr/>
+        </p:nvSpPr>
+        <p:spPr>
+          <a:xfrm>
+            <a:off x="604652" y="1990557"/>
+            <a:ext cx="6811132" cy="461665"/>
+          </a:xfrm>
+          <a:prstGeom prst="rect">
+            <a:avLst/>
+          </a:prstGeom>
+        </p:spPr>
+        <p:txBody>
+          <a:bodyPr wrap="square">
+            <a:spAutoFit/>
+          </a:bodyPr>
+          <a:lstStyle/>
+          <a:p>
+            <a:pPr marL="342900" indent="-342900">
+              <a:buFont typeface="Arial" panose="020B0604020202020204" pitchFamily="34" charset="0"/>
+              <a:buChar char="•"/>
+            </a:pPr>
+            <a:r>
+              <a:rPr lang="en-US" sz="2400" b="1" dirty="0" err="1"/>
+              <a:t>hostPath</a:t>
+            </a:r>
+            <a:r>
+              <a:rPr lang="en-US" sz="2400" b="1" dirty="0"/>
+              <a:t> – </a:t>
+            </a:r>
+            <a:r>
+              <a:rPr lang="en-US" sz="2400" dirty="0"/>
+              <a:t>Pod mounts to the node’s file system</a:t>
+            </a:r>
+            <a:endParaRPr lang="en-US" sz="2400" b="1" dirty="0"/>
+          </a:p>
+        </p:txBody>
+      </p:sp>
+      <p:sp>
+        <p:nvSpPr>
+          <p:cNvPr id="13" name="Rectangle 12">
+            <a:extLst>
+              <a:ext uri="{FF2B5EF4-FFF2-40B4-BE49-F238E27FC236}">
+                <a16:creationId xmlns:a16="http://schemas.microsoft.com/office/drawing/2014/main" id="{B5618721-2FB2-429C-B0B4-2AB1D7587C0D}"/>
+              </a:ext>
+            </a:extLst>
+          </p:cNvPr>
+          <p:cNvSpPr/>
+          <p:nvPr/>
+        </p:nvSpPr>
+        <p:spPr>
+          <a:xfrm>
+            <a:off x="604651" y="2534256"/>
+            <a:ext cx="6811133" cy="830997"/>
+          </a:xfrm>
+          <a:prstGeom prst="rect">
+            <a:avLst/>
+          </a:prstGeom>
+        </p:spPr>
+        <p:txBody>
+          <a:bodyPr wrap="square">
+            <a:spAutoFit/>
+          </a:bodyPr>
+          <a:lstStyle/>
+          <a:p>
+            <a:pPr marL="342900" indent="-342900">
+              <a:buFont typeface="Arial" panose="020B0604020202020204" pitchFamily="34" charset="0"/>
+              <a:buChar char="•"/>
+            </a:pPr>
+            <a:r>
+              <a:rPr lang="en-US" sz="2400" b="1" dirty="0" err="1"/>
+              <a:t>nfs</a:t>
+            </a:r>
+            <a:r>
+              <a:rPr lang="en-US" sz="2400" b="1" dirty="0"/>
+              <a:t> – </a:t>
+            </a:r>
+            <a:r>
+              <a:rPr lang="en-US" sz="2400" dirty="0"/>
+              <a:t>A Network file system share mounted into the Pod</a:t>
+            </a:r>
+            <a:endParaRPr lang="en-US" sz="2400" b="1" dirty="0"/>
+          </a:p>
+        </p:txBody>
+      </p:sp>
+      <p:sp>
+        <p:nvSpPr>
+          <p:cNvPr id="14" name="Rectangle 13">
+            <a:extLst>
+              <a:ext uri="{FF2B5EF4-FFF2-40B4-BE49-F238E27FC236}">
+                <a16:creationId xmlns:a16="http://schemas.microsoft.com/office/drawing/2014/main" id="{BAE2D1BC-4979-4528-BA50-C18DC1EC1206}"/>
+              </a:ext>
+            </a:extLst>
+          </p:cNvPr>
+          <p:cNvSpPr/>
+          <p:nvPr/>
+        </p:nvSpPr>
+        <p:spPr>
+          <a:xfrm>
+            <a:off x="604652" y="4506698"/>
+            <a:ext cx="6180194" cy="1200329"/>
+          </a:xfrm>
+          <a:prstGeom prst="rect">
+            <a:avLst/>
+          </a:prstGeom>
+        </p:spPr>
+        <p:txBody>
+          <a:bodyPr wrap="square">
+            <a:spAutoFit/>
+          </a:bodyPr>
+          <a:lstStyle/>
+          <a:p>
+            <a:pPr marL="342900" indent="-342900">
+              <a:buFont typeface="Arial" panose="020B0604020202020204" pitchFamily="34" charset="0"/>
+              <a:buChar char="•"/>
+            </a:pPr>
+            <a:r>
+              <a:rPr lang="en-US" sz="2400" b="1" dirty="0" err="1"/>
+              <a:t>persistentVolumeClaim</a:t>
+            </a:r>
+            <a:r>
+              <a:rPr lang="en-US" sz="2400" b="1" dirty="0"/>
+              <a:t> - </a:t>
+            </a:r>
+            <a:r>
+              <a:rPr lang="en-US" sz="2400" dirty="0"/>
+              <a:t>Special types of volumes that provide a Pod with access  to Kubernetes resources</a:t>
+            </a:r>
+            <a:endParaRPr lang="en-US" sz="2400" b="1" dirty="0"/>
+          </a:p>
+        </p:txBody>
+      </p:sp>
+      <p:sp>
+        <p:nvSpPr>
+          <p:cNvPr id="15" name="Rectangle 14">
+            <a:extLst>
+              <a:ext uri="{FF2B5EF4-FFF2-40B4-BE49-F238E27FC236}">
+                <a16:creationId xmlns:a16="http://schemas.microsoft.com/office/drawing/2014/main" id="{1AF7AEE9-3119-4D9C-8A4D-BD535AED81C1}"/>
+              </a:ext>
+            </a:extLst>
+          </p:cNvPr>
+          <p:cNvSpPr/>
+          <p:nvPr/>
+        </p:nvSpPr>
+        <p:spPr>
+          <a:xfrm>
+            <a:off x="604650" y="3306369"/>
+            <a:ext cx="6600821" cy="1200329"/>
+          </a:xfrm>
+          <a:prstGeom prst="rect">
+            <a:avLst/>
+          </a:prstGeom>
+        </p:spPr>
+        <p:txBody>
+          <a:bodyPr wrap="square">
+            <a:spAutoFit/>
+          </a:bodyPr>
+          <a:lstStyle/>
+          <a:p>
+            <a:pPr marL="342900" indent="-342900">
+              <a:buFont typeface="Arial" panose="020B0604020202020204" pitchFamily="34" charset="0"/>
+              <a:buChar char="•"/>
+            </a:pPr>
+            <a:r>
+              <a:rPr lang="en-US" sz="2400" b="1" dirty="0" err="1"/>
+              <a:t>configMap</a:t>
+            </a:r>
+            <a:r>
+              <a:rPr lang="en-US" sz="2400" b="1" dirty="0"/>
+              <a:t>/Secret – </a:t>
+            </a:r>
+            <a:r>
+              <a:rPr lang="en-US" sz="2400" dirty="0"/>
+              <a:t>Special types of volumes that provide a Pod with access  to Kubernetes resources</a:t>
+            </a:r>
+            <a:endParaRPr lang="en-US" sz="2400" b="1" dirty="0"/>
+          </a:p>
+        </p:txBody>
+      </p:sp>
+      <p:sp>
+        <p:nvSpPr>
+          <p:cNvPr id="16" name="Rectangle 15">
+            <a:extLst>
+              <a:ext uri="{FF2B5EF4-FFF2-40B4-BE49-F238E27FC236}">
+                <a16:creationId xmlns:a16="http://schemas.microsoft.com/office/drawing/2014/main" id="{886B379A-BF0F-4709-AC2D-042C48DFB301}"/>
+              </a:ext>
+            </a:extLst>
+          </p:cNvPr>
+          <p:cNvSpPr/>
+          <p:nvPr/>
+        </p:nvSpPr>
+        <p:spPr>
+          <a:xfrm>
+            <a:off x="578366" y="5707027"/>
+            <a:ext cx="4988426" cy="461665"/>
+          </a:xfrm>
+          <a:prstGeom prst="rect">
+            <a:avLst/>
+          </a:prstGeom>
+        </p:spPr>
+        <p:txBody>
+          <a:bodyPr wrap="square">
+            <a:spAutoFit/>
+          </a:bodyPr>
+          <a:lstStyle/>
+          <a:p>
+            <a:pPr marL="342900" indent="-342900">
+              <a:buFont typeface="Arial" panose="020B0604020202020204" pitchFamily="34" charset="0"/>
+              <a:buChar char="•"/>
+            </a:pPr>
+            <a:r>
+              <a:rPr lang="en-US" sz="2400" b="1" dirty="0"/>
+              <a:t>Cloud  – </a:t>
+            </a:r>
+            <a:r>
+              <a:rPr lang="en-US" sz="2400" dirty="0"/>
+              <a:t>cluster wide storage</a:t>
+            </a:r>
+            <a:endParaRPr lang="en-US" sz="2400" b="1" dirty="0"/>
+          </a:p>
+        </p:txBody>
+      </p:sp>
+    </p:spTree>
+    <p:extLst>
+      <p:ext uri="{BB962C8B-B14F-4D97-AF65-F5344CB8AC3E}">
+        <p14:creationId xmlns:p14="http://schemas.microsoft.com/office/powerpoint/2010/main" val="4263586865"/>
+      </p:ext>
+    </p:extLst>
+  </p:cSld>
+  <p:clrMapOvr>
+    <a:masterClrMapping/>
+  </p:clrMapOvr>
+</p:sld>
+</file>
+
+<file path=ppt/slides/slide12.xml><?xml version="1.0" encoding="utf-8"?>
+<p:sld xmlns:a="http://schemas.openxmlformats.org/drawingml/2006/main" xmlns:r="http://schemas.openxmlformats.org/officeDocument/2006/relationships" xmlns:p="http://schemas.openxmlformats.org/presentationml/2006/main">
+  <p:cSld>
+    <p:spTree>
+      <p:nvGrpSpPr>
+        <p:cNvPr id="1" name=""/>
+        <p:cNvGrpSpPr/>
+        <p:nvPr/>
+      </p:nvGrpSpPr>
+      <p:grpSpPr>
+        <a:xfrm>
+          <a:off x="0" y="0"/>
+          <a:ext cx="0" cy="0"/>
+          <a:chOff x="0" y="0"/>
+          <a:chExt cx="0" cy="0"/>
+        </a:xfrm>
+      </p:grpSpPr>
+      <p:sp>
+        <p:nvSpPr>
+          <p:cNvPr id="4" name="Google Shape;1005;p139">
+            <a:extLst>
+              <a:ext uri="{FF2B5EF4-FFF2-40B4-BE49-F238E27FC236}">
+                <a16:creationId xmlns:a16="http://schemas.microsoft.com/office/drawing/2014/main" id="{A02F0239-9470-48AC-9E4D-0A7AF983F014}"/>
+              </a:ext>
+            </a:extLst>
+          </p:cNvPr>
+          <p:cNvSpPr txBox="1">
+            <a:spLocks noGrp="1"/>
+          </p:cNvSpPr>
+          <p:nvPr>
+            <p:ph type="title"/>
+          </p:nvPr>
+        </p:nvSpPr>
+        <p:spPr>
+          <a:xfrm>
+            <a:off x="609600" y="274637"/>
+            <a:ext cx="10972800" cy="1143200"/>
+          </a:xfrm>
+          <a:prstGeom prst="rect">
+            <a:avLst/>
+          </a:prstGeom>
+        </p:spPr>
+        <p:txBody>
+          <a:bodyPr spcFirstLastPara="1" vert="horz" wrap="square" lIns="121900" tIns="121900" rIns="121900" bIns="121900" rtlCol="0" anchor="b" anchorCtr="0">
+            <a:noAutofit/>
+          </a:bodyPr>
+          <a:lstStyle/>
+          <a:p>
+            <a:r>
+              <a:rPr lang="en"/>
+              <a:t>Volume Types</a:t>
+            </a:r>
+            <a:endParaRPr/>
+          </a:p>
+        </p:txBody>
+      </p:sp>
+      <p:sp>
+        <p:nvSpPr>
+          <p:cNvPr id="5" name="Google Shape;1006;p139">
+            <a:extLst>
+              <a:ext uri="{FF2B5EF4-FFF2-40B4-BE49-F238E27FC236}">
+                <a16:creationId xmlns:a16="http://schemas.microsoft.com/office/drawing/2014/main" id="{D7928E10-063E-4EE1-BC17-761737E86964}"/>
+              </a:ext>
+            </a:extLst>
+          </p:cNvPr>
+          <p:cNvSpPr txBox="1"/>
+          <p:nvPr/>
+        </p:nvSpPr>
+        <p:spPr>
+          <a:xfrm>
+            <a:off x="609600" y="2047133"/>
+            <a:ext cx="3833200" cy="3645600"/>
+          </a:xfrm>
+          <a:prstGeom prst="rect">
+            <a:avLst/>
+          </a:prstGeom>
+          <a:noFill/>
+          <a:ln>
+            <a:noFill/>
+          </a:ln>
+        </p:spPr>
+        <p:txBody>
+          <a:bodyPr spcFirstLastPara="1" wrap="square" lIns="121900" tIns="121900" rIns="121900" bIns="121900" anchor="t" anchorCtr="0">
+            <a:noAutofit/>
+          </a:bodyPr>
+          <a:lstStyle/>
+          <a:p>
+            <a:pPr marL="609585" indent="-457189">
+              <a:buClr>
+                <a:srgbClr val="1155CC"/>
+              </a:buClr>
+              <a:buSzPts val="1800"/>
+              <a:buChar char="●"/>
+            </a:pPr>
+            <a:r>
+              <a:rPr lang="en" sz="2400" dirty="0"/>
+              <a:t>awsElasticBlockStore</a:t>
+            </a:r>
+            <a:endParaRPr sz="2400" dirty="0"/>
+          </a:p>
+          <a:p>
+            <a:pPr marL="609585" indent="-457189">
+              <a:buClr>
+                <a:srgbClr val="1155CC"/>
+              </a:buClr>
+              <a:buSzPts val="1800"/>
+              <a:buChar char="●"/>
+            </a:pPr>
+            <a:r>
+              <a:rPr lang="en" sz="2400" dirty="0"/>
+              <a:t>azureDisk</a:t>
+            </a:r>
+            <a:endParaRPr sz="2400" dirty="0"/>
+          </a:p>
+          <a:p>
+            <a:pPr marL="609585" indent="-457189">
+              <a:buClr>
+                <a:srgbClr val="1155CC"/>
+              </a:buClr>
+              <a:buSzPts val="1800"/>
+              <a:buChar char="●"/>
+            </a:pPr>
+            <a:r>
+              <a:rPr lang="en" sz="2400" dirty="0"/>
+              <a:t>azureFile</a:t>
+            </a:r>
+            <a:endParaRPr sz="2400" dirty="0"/>
+          </a:p>
+          <a:p>
+            <a:pPr marL="609585" indent="-457189">
+              <a:buClr>
+                <a:srgbClr val="1155CC"/>
+              </a:buClr>
+              <a:buSzPts val="1800"/>
+              <a:buChar char="●"/>
+            </a:pPr>
+            <a:r>
+              <a:rPr lang="en" sz="2400" dirty="0"/>
+              <a:t>cephfs</a:t>
+            </a:r>
+            <a:endParaRPr sz="2400" dirty="0"/>
+          </a:p>
+          <a:p>
+            <a:pPr marL="609585" indent="-457189">
+              <a:buClr>
+                <a:schemeClr val="dk1"/>
+              </a:buClr>
+              <a:buSzPts val="1800"/>
+              <a:buChar char="●"/>
+            </a:pPr>
+            <a:r>
+              <a:rPr lang="en" sz="2400" dirty="0"/>
+              <a:t>configMap</a:t>
+            </a:r>
+            <a:endParaRPr sz="2400" dirty="0"/>
+          </a:p>
+          <a:p>
+            <a:pPr marL="609585" indent="-457189">
+              <a:buClr>
+                <a:srgbClr val="1155CC"/>
+              </a:buClr>
+              <a:buSzPts val="1800"/>
+              <a:buChar char="●"/>
+            </a:pPr>
+            <a:r>
+              <a:rPr lang="en" sz="2400" dirty="0"/>
+              <a:t>csi</a:t>
+            </a:r>
+            <a:endParaRPr sz="2400" dirty="0"/>
+          </a:p>
+          <a:p>
+            <a:pPr marL="609585" indent="-457189">
+              <a:buClr>
+                <a:schemeClr val="dk1"/>
+              </a:buClr>
+              <a:buSzPts val="1800"/>
+              <a:buChar char="●"/>
+            </a:pPr>
+            <a:r>
+              <a:rPr lang="en" sz="2400" dirty="0"/>
+              <a:t>downwardAPI</a:t>
+            </a:r>
+            <a:endParaRPr sz="2400" dirty="0"/>
+          </a:p>
+          <a:p>
+            <a:pPr marL="609585" indent="-457189">
+              <a:buClr>
+                <a:schemeClr val="dk1"/>
+              </a:buClr>
+              <a:buSzPts val="1800"/>
+              <a:buChar char="●"/>
+            </a:pPr>
+            <a:r>
+              <a:rPr lang="en" sz="2400" dirty="0"/>
+              <a:t>emptyDir</a:t>
+            </a:r>
+            <a:endParaRPr sz="2400" dirty="0"/>
+          </a:p>
+          <a:p>
+            <a:pPr marL="609585" indent="-457189">
+              <a:buClr>
+                <a:srgbClr val="1155CC"/>
+              </a:buClr>
+              <a:buSzPts val="1800"/>
+              <a:buChar char="●"/>
+            </a:pPr>
+            <a:r>
+              <a:rPr lang="en" sz="2400" dirty="0"/>
+              <a:t>fc (fibre channel)</a:t>
+            </a:r>
+            <a:endParaRPr sz="2400" dirty="0"/>
+          </a:p>
+        </p:txBody>
+      </p:sp>
+      <p:sp>
+        <p:nvSpPr>
+          <p:cNvPr id="6" name="Google Shape;1007;p139">
+            <a:extLst>
+              <a:ext uri="{FF2B5EF4-FFF2-40B4-BE49-F238E27FC236}">
+                <a16:creationId xmlns:a16="http://schemas.microsoft.com/office/drawing/2014/main" id="{6E7647C1-5FE6-48A2-AAF9-78F0081CEAD0}"/>
+              </a:ext>
+            </a:extLst>
+          </p:cNvPr>
+          <p:cNvSpPr txBox="1"/>
+          <p:nvPr/>
+        </p:nvSpPr>
+        <p:spPr>
+          <a:xfrm>
+            <a:off x="4343400" y="2047133"/>
+            <a:ext cx="3359600" cy="3770400"/>
+          </a:xfrm>
+          <a:prstGeom prst="rect">
+            <a:avLst/>
+          </a:prstGeom>
+          <a:noFill/>
+          <a:ln>
+            <a:noFill/>
+          </a:ln>
+        </p:spPr>
+        <p:txBody>
+          <a:bodyPr spcFirstLastPara="1" wrap="square" lIns="121900" tIns="121900" rIns="121900" bIns="121900" anchor="t" anchorCtr="0">
+            <a:noAutofit/>
+          </a:bodyPr>
+          <a:lstStyle/>
+          <a:p>
+            <a:pPr marL="609585" indent="-457189">
+              <a:buClr>
+                <a:srgbClr val="1155CC"/>
+              </a:buClr>
+              <a:buSzPts val="1800"/>
+              <a:buChar char="●"/>
+            </a:pPr>
+            <a:r>
+              <a:rPr lang="en" sz="2400" dirty="0"/>
+              <a:t>flocker</a:t>
+            </a:r>
+            <a:endParaRPr sz="2400" dirty="0"/>
+          </a:p>
+          <a:p>
+            <a:pPr marL="609585" indent="-457189">
+              <a:buClr>
+                <a:srgbClr val="1155CC"/>
+              </a:buClr>
+              <a:buSzPts val="1800"/>
+              <a:buChar char="●"/>
+            </a:pPr>
+            <a:r>
+              <a:rPr lang="en" sz="2400" dirty="0"/>
+              <a:t>gcePersistentDisk</a:t>
+            </a:r>
+            <a:endParaRPr sz="2400" dirty="0"/>
+          </a:p>
+          <a:p>
+            <a:pPr marL="609585" indent="-457189">
+              <a:buClr>
+                <a:schemeClr val="dk1"/>
+              </a:buClr>
+              <a:buSzPts val="1800"/>
+              <a:buChar char="●"/>
+            </a:pPr>
+            <a:r>
+              <a:rPr lang="en" sz="2400" dirty="0"/>
+              <a:t>gitRepo</a:t>
+            </a:r>
+            <a:endParaRPr sz="2400" dirty="0"/>
+          </a:p>
+          <a:p>
+            <a:pPr marL="609585" indent="-457189">
+              <a:buClr>
+                <a:srgbClr val="1155CC"/>
+              </a:buClr>
+              <a:buSzPts val="1800"/>
+              <a:buChar char="●"/>
+            </a:pPr>
+            <a:r>
+              <a:rPr lang="en" sz="2400" dirty="0"/>
+              <a:t>glusterfs</a:t>
+            </a:r>
+            <a:endParaRPr sz="2400" dirty="0"/>
+          </a:p>
+          <a:p>
+            <a:pPr marL="609585" indent="-457189">
+              <a:buClr>
+                <a:schemeClr val="dk1"/>
+              </a:buClr>
+              <a:buSzPts val="1800"/>
+              <a:buChar char="●"/>
+            </a:pPr>
+            <a:r>
+              <a:rPr lang="en" sz="2400" dirty="0"/>
+              <a:t>hostPath</a:t>
+            </a:r>
+            <a:endParaRPr sz="2400" dirty="0"/>
+          </a:p>
+          <a:p>
+            <a:pPr marL="609585" indent="-457189">
+              <a:buClr>
+                <a:srgbClr val="1155CC"/>
+              </a:buClr>
+              <a:buSzPts val="1800"/>
+              <a:buChar char="●"/>
+            </a:pPr>
+            <a:r>
+              <a:rPr lang="en" sz="2400" dirty="0"/>
+              <a:t>iscsi</a:t>
+            </a:r>
+            <a:endParaRPr sz="2400" dirty="0"/>
+          </a:p>
+          <a:p>
+            <a:pPr marL="609585" indent="-457189">
+              <a:buClr>
+                <a:schemeClr val="dk1"/>
+              </a:buClr>
+              <a:buSzPts val="1800"/>
+              <a:buChar char="●"/>
+            </a:pPr>
+            <a:r>
+              <a:rPr lang="en" sz="2400" dirty="0"/>
+              <a:t>local</a:t>
+            </a:r>
+            <a:endParaRPr sz="2400" dirty="0"/>
+          </a:p>
+          <a:p>
+            <a:pPr marL="609585" indent="-457189">
+              <a:buClr>
+                <a:srgbClr val="1155CC"/>
+              </a:buClr>
+              <a:buSzPts val="1800"/>
+              <a:buChar char="●"/>
+            </a:pPr>
+            <a:r>
+              <a:rPr lang="en" sz="2400" dirty="0"/>
+              <a:t>nfs</a:t>
+            </a:r>
+            <a:endParaRPr sz="2400" dirty="0"/>
+          </a:p>
+          <a:p>
+            <a:pPr marL="609585" indent="-457189">
+              <a:buClr>
+                <a:srgbClr val="1155CC"/>
+              </a:buClr>
+              <a:buSzPts val="1800"/>
+              <a:buChar char="●"/>
+            </a:pPr>
+            <a:r>
+              <a:rPr lang="en" sz="2400" dirty="0"/>
+              <a:t>persistentVolumeClaim</a:t>
+            </a:r>
+            <a:endParaRPr sz="2400" dirty="0"/>
+          </a:p>
+        </p:txBody>
+      </p:sp>
+      <p:sp>
+        <p:nvSpPr>
+          <p:cNvPr id="7" name="Google Shape;1008;p139">
+            <a:extLst>
+              <a:ext uri="{FF2B5EF4-FFF2-40B4-BE49-F238E27FC236}">
+                <a16:creationId xmlns:a16="http://schemas.microsoft.com/office/drawing/2014/main" id="{7364DE8D-67D9-481C-AD9A-9FF1334C02D5}"/>
+              </a:ext>
+            </a:extLst>
+          </p:cNvPr>
+          <p:cNvSpPr txBox="1"/>
+          <p:nvPr/>
+        </p:nvSpPr>
+        <p:spPr>
+          <a:xfrm>
+            <a:off x="7547200" y="2047133"/>
+            <a:ext cx="4035200" cy="4143200"/>
+          </a:xfrm>
+          <a:prstGeom prst="rect">
+            <a:avLst/>
+          </a:prstGeom>
+          <a:noFill/>
+          <a:ln>
+            <a:noFill/>
+          </a:ln>
+        </p:spPr>
+        <p:txBody>
+          <a:bodyPr spcFirstLastPara="1" wrap="square" lIns="121900" tIns="121900" rIns="121900" bIns="121900" anchor="t" anchorCtr="0">
+            <a:noAutofit/>
+          </a:bodyPr>
+          <a:lstStyle/>
+          <a:p>
+            <a:pPr marL="609585" indent="-457189">
+              <a:buClr>
+                <a:schemeClr val="dk1"/>
+              </a:buClr>
+              <a:buSzPts val="1800"/>
+              <a:buChar char="●"/>
+            </a:pPr>
+            <a:r>
+              <a:rPr lang="en" sz="2400" dirty="0">
+                <a:solidFill>
+                  <a:schemeClr val="dk1"/>
+                </a:solidFill>
+              </a:rPr>
+              <a:t>projected</a:t>
+            </a:r>
+            <a:endParaRPr sz="2400" dirty="0">
+              <a:solidFill>
+                <a:schemeClr val="dk1"/>
+              </a:solidFill>
+            </a:endParaRPr>
+          </a:p>
+          <a:p>
+            <a:pPr marL="609585" indent="-457189">
+              <a:buClr>
+                <a:srgbClr val="1155CC"/>
+              </a:buClr>
+              <a:buSzPts val="1800"/>
+              <a:buChar char="●"/>
+            </a:pPr>
+            <a:r>
+              <a:rPr lang="en" sz="2400" dirty="0">
+                <a:solidFill>
+                  <a:srgbClr val="1155CC"/>
+                </a:solidFill>
+              </a:rPr>
+              <a:t>portworxVolume</a:t>
+            </a:r>
+            <a:endParaRPr sz="2400" dirty="0">
+              <a:solidFill>
+                <a:srgbClr val="1155CC"/>
+              </a:solidFill>
+            </a:endParaRPr>
+          </a:p>
+          <a:p>
+            <a:pPr marL="609585" indent="-457189">
+              <a:buClr>
+                <a:srgbClr val="1155CC"/>
+              </a:buClr>
+              <a:buSzPts val="1800"/>
+              <a:buChar char="●"/>
+            </a:pPr>
+            <a:r>
+              <a:rPr lang="en" sz="2400" dirty="0">
+                <a:solidFill>
+                  <a:srgbClr val="1155CC"/>
+                </a:solidFill>
+              </a:rPr>
+              <a:t>quobyte</a:t>
+            </a:r>
+            <a:endParaRPr sz="2400" dirty="0">
+              <a:solidFill>
+                <a:srgbClr val="1155CC"/>
+              </a:solidFill>
+            </a:endParaRPr>
+          </a:p>
+          <a:p>
+            <a:pPr marL="609585" indent="-457189">
+              <a:buClr>
+                <a:srgbClr val="1155CC"/>
+              </a:buClr>
+              <a:buSzPts val="1800"/>
+              <a:buChar char="●"/>
+            </a:pPr>
+            <a:r>
+              <a:rPr lang="en" sz="2400" dirty="0">
+                <a:solidFill>
+                  <a:srgbClr val="1155CC"/>
+                </a:solidFill>
+              </a:rPr>
+              <a:t>rbd</a:t>
+            </a:r>
+            <a:endParaRPr sz="2400" dirty="0">
+              <a:solidFill>
+                <a:srgbClr val="1155CC"/>
+              </a:solidFill>
+            </a:endParaRPr>
+          </a:p>
+          <a:p>
+            <a:pPr marL="609585" indent="-457189">
+              <a:buClr>
+                <a:srgbClr val="1155CC"/>
+              </a:buClr>
+              <a:buSzPts val="1800"/>
+              <a:buChar char="●"/>
+            </a:pPr>
+            <a:r>
+              <a:rPr lang="en" sz="2400" dirty="0">
+                <a:solidFill>
+                  <a:srgbClr val="1155CC"/>
+                </a:solidFill>
+              </a:rPr>
+              <a:t>scaleIO</a:t>
+            </a:r>
+            <a:endParaRPr sz="2400" dirty="0">
+              <a:solidFill>
+                <a:srgbClr val="1155CC"/>
+              </a:solidFill>
+            </a:endParaRPr>
+          </a:p>
+          <a:p>
+            <a:pPr marL="609585" indent="-457189">
+              <a:buClr>
+                <a:schemeClr val="dk1"/>
+              </a:buClr>
+              <a:buSzPts val="1800"/>
+              <a:buChar char="●"/>
+            </a:pPr>
+            <a:r>
+              <a:rPr lang="en" sz="2400" dirty="0">
+                <a:solidFill>
+                  <a:schemeClr val="dk1"/>
+                </a:solidFill>
+              </a:rPr>
+              <a:t>secret</a:t>
+            </a:r>
+            <a:endParaRPr sz="2400" dirty="0">
+              <a:solidFill>
+                <a:schemeClr val="dk1"/>
+              </a:solidFill>
+            </a:endParaRPr>
+          </a:p>
+          <a:p>
+            <a:pPr marL="609585" indent="-457189">
+              <a:buClr>
+                <a:srgbClr val="1155CC"/>
+              </a:buClr>
+              <a:buSzPts val="1800"/>
+              <a:buChar char="●"/>
+            </a:pPr>
+            <a:r>
+              <a:rPr lang="en" sz="2400" dirty="0">
+                <a:solidFill>
+                  <a:srgbClr val="1155CC"/>
+                </a:solidFill>
+              </a:rPr>
+              <a:t>storageos</a:t>
+            </a:r>
+            <a:endParaRPr sz="2400" dirty="0">
+              <a:solidFill>
+                <a:srgbClr val="1155CC"/>
+              </a:solidFill>
+            </a:endParaRPr>
+          </a:p>
+          <a:p>
+            <a:pPr marL="609585" indent="-457189">
+              <a:buClr>
+                <a:srgbClr val="1155CC"/>
+              </a:buClr>
+              <a:buSzPts val="1800"/>
+              <a:buChar char="●"/>
+            </a:pPr>
+            <a:r>
+              <a:rPr lang="en" sz="2400" dirty="0">
+                <a:solidFill>
+                  <a:srgbClr val="1155CC"/>
+                </a:solidFill>
+              </a:rPr>
+              <a:t>vsphereVolume</a:t>
+            </a:r>
+            <a:endParaRPr sz="2400" dirty="0">
+              <a:solidFill>
+                <a:srgbClr val="1155CC"/>
+              </a:solidFill>
+            </a:endParaRPr>
+          </a:p>
+          <a:p>
+            <a:endParaRPr sz="2400" dirty="0">
+              <a:solidFill>
+                <a:schemeClr val="dk1"/>
+              </a:solidFill>
+            </a:endParaRPr>
+          </a:p>
+        </p:txBody>
+      </p:sp>
+    </p:spTree>
+    <p:extLst>
+      <p:ext uri="{BB962C8B-B14F-4D97-AF65-F5344CB8AC3E}">
+        <p14:creationId xmlns:p14="http://schemas.microsoft.com/office/powerpoint/2010/main" val="570526883"/>
+      </p:ext>
+    </p:extLst>
+  </p:cSld>
+  <p:clrMapOvr>
+    <a:masterClrMapping/>
+  </p:clrMapOvr>
+</p:sld>
+</file>
+
+<file path=ppt/slides/slide13.xml><?xml version="1.0" encoding="utf-8"?>
+<p:sld xmlns:a="http://schemas.openxmlformats.org/drawingml/2006/main" xmlns:r="http://schemas.openxmlformats.org/officeDocument/2006/relationships" xmlns:p="http://schemas.openxmlformats.org/presentationml/2006/main">
+  <p:cSld>
+    <p:spTree>
+      <p:nvGrpSpPr>
+        <p:cNvPr id="1" name=""/>
+        <p:cNvGrpSpPr/>
+        <p:nvPr/>
+      </p:nvGrpSpPr>
+      <p:grpSpPr>
+        <a:xfrm>
+          <a:off x="0" y="0"/>
+          <a:ext cx="0" cy="0"/>
+          <a:chOff x="0" y="0"/>
+          <a:chExt cx="0" cy="0"/>
+        </a:xfrm>
+      </p:grpSpPr>
+      <p:sp>
+        <p:nvSpPr>
+          <p:cNvPr id="4" name="Google Shape;1015;p140">
+            <a:extLst>
+              <a:ext uri="{FF2B5EF4-FFF2-40B4-BE49-F238E27FC236}">
+                <a16:creationId xmlns:a16="http://schemas.microsoft.com/office/drawing/2014/main" id="{7C9219CA-4D96-4105-A103-DD894ED624EA}"/>
+              </a:ext>
+            </a:extLst>
+          </p:cNvPr>
+          <p:cNvSpPr txBox="1">
+            <a:spLocks noGrp="1"/>
+          </p:cNvSpPr>
+          <p:nvPr>
+            <p:ph type="title"/>
+          </p:nvPr>
+        </p:nvSpPr>
+        <p:spPr>
+          <a:xfrm>
+            <a:off x="320040" y="82297"/>
+            <a:ext cx="11262360" cy="704088"/>
+          </a:xfrm>
+          <a:prstGeom prst="rect">
+            <a:avLst/>
+          </a:prstGeom>
+        </p:spPr>
+        <p:txBody>
+          <a:bodyPr spcFirstLastPara="1" vert="horz" wrap="square" lIns="121900" tIns="121900" rIns="121900" bIns="121900" rtlCol="0" anchor="b" anchorCtr="0">
+            <a:noAutofit/>
+          </a:bodyPr>
+          <a:lstStyle/>
+          <a:p>
+            <a:r>
+              <a:rPr lang="en-US" dirty="0"/>
+              <a:t>Defining an </a:t>
+            </a:r>
+            <a:r>
+              <a:rPr lang="en-US" dirty="0" err="1"/>
+              <a:t>emptyDir</a:t>
+            </a:r>
+            <a:r>
+              <a:rPr lang="en-US" dirty="0"/>
+              <a:t> </a:t>
+            </a:r>
+            <a:r>
+              <a:rPr lang="en" dirty="0"/>
+              <a:t>Volume</a:t>
+            </a:r>
+            <a:endParaRPr dirty="0"/>
+          </a:p>
+        </p:txBody>
+      </p:sp>
+      <p:sp>
+        <p:nvSpPr>
+          <p:cNvPr id="7" name="Rectangle 6">
+            <a:extLst>
+              <a:ext uri="{FF2B5EF4-FFF2-40B4-BE49-F238E27FC236}">
+                <a16:creationId xmlns:a16="http://schemas.microsoft.com/office/drawing/2014/main" id="{B0B83803-9B8B-45CC-BA73-0702D856FB01}"/>
+              </a:ext>
+            </a:extLst>
+          </p:cNvPr>
+          <p:cNvSpPr/>
+          <p:nvPr/>
+        </p:nvSpPr>
+        <p:spPr>
+          <a:xfrm>
+            <a:off x="524256" y="1449976"/>
+            <a:ext cx="2987040" cy="5047536"/>
+          </a:xfrm>
+          <a:prstGeom prst="rect">
+            <a:avLst/>
+          </a:prstGeom>
+          <a:solidFill>
+            <a:schemeClr val="accent2">
+              <a:lumMod val="40000"/>
+              <a:lumOff val="60000"/>
+            </a:schemeClr>
+          </a:solidFill>
+        </p:spPr>
+        <p:txBody>
+          <a:bodyPr wrap="square">
+            <a:spAutoFit/>
+          </a:bodyPr>
+          <a:lstStyle/>
+          <a:p>
+            <a:r>
+              <a:rPr lang="en-US" sz="1400" dirty="0" err="1">
+                <a:solidFill>
+                  <a:srgbClr val="000000"/>
+                </a:solidFill>
+                <a:latin typeface="Roboto Mono"/>
+              </a:rPr>
+              <a:t>apiVersion</a:t>
+            </a:r>
+            <a:r>
+              <a:rPr lang="en-US" sz="1400" dirty="0">
+                <a:solidFill>
+                  <a:srgbClr val="000000"/>
+                </a:solidFill>
+                <a:latin typeface="Roboto Mono"/>
+              </a:rPr>
+              <a:t>: v1 </a:t>
+            </a:r>
+          </a:p>
+          <a:p>
+            <a:r>
+              <a:rPr lang="en-US" sz="1400" dirty="0">
+                <a:solidFill>
+                  <a:srgbClr val="000000"/>
+                </a:solidFill>
+                <a:latin typeface="Roboto Mono"/>
+              </a:rPr>
+              <a:t>kind: Pod </a:t>
+            </a:r>
+          </a:p>
+          <a:p>
+            <a:r>
+              <a:rPr lang="en-US" sz="1400" dirty="0">
+                <a:solidFill>
+                  <a:srgbClr val="000000"/>
+                </a:solidFill>
+                <a:latin typeface="Roboto Mono"/>
+              </a:rPr>
+              <a:t>spec: </a:t>
+            </a:r>
+          </a:p>
+          <a:p>
+            <a:r>
+              <a:rPr lang="en-US" sz="1400" b="1" dirty="0">
+                <a:solidFill>
+                  <a:srgbClr val="000000"/>
+                </a:solidFill>
+                <a:latin typeface="Roboto Mono"/>
+              </a:rPr>
+              <a:t>volumes: </a:t>
+            </a:r>
+            <a:endParaRPr lang="en-US" sz="1400" dirty="0">
+              <a:solidFill>
+                <a:srgbClr val="000000"/>
+              </a:solidFill>
+              <a:latin typeface="Roboto Mono"/>
+            </a:endParaRPr>
+          </a:p>
+          <a:p>
+            <a:r>
+              <a:rPr lang="en-US" sz="1400" b="1" dirty="0">
+                <a:solidFill>
+                  <a:srgbClr val="000000"/>
+                </a:solidFill>
+                <a:latin typeface="Roboto Mono"/>
+              </a:rPr>
+              <a:t>   -name: html </a:t>
+            </a:r>
+            <a:endParaRPr lang="en-US" sz="1400" dirty="0">
+              <a:solidFill>
+                <a:srgbClr val="000000"/>
+              </a:solidFill>
+              <a:latin typeface="Roboto Mono"/>
+            </a:endParaRPr>
+          </a:p>
+          <a:p>
+            <a:r>
+              <a:rPr lang="en-US" sz="1400" b="1" dirty="0">
+                <a:solidFill>
+                  <a:srgbClr val="000000"/>
+                </a:solidFill>
+                <a:latin typeface="Roboto Mono"/>
+              </a:rPr>
+              <a:t>    </a:t>
+            </a:r>
+            <a:r>
+              <a:rPr lang="en-US" sz="1400" b="1" dirty="0" err="1">
+                <a:solidFill>
+                  <a:srgbClr val="000000"/>
+                </a:solidFill>
+                <a:latin typeface="Roboto Mono"/>
+              </a:rPr>
+              <a:t>emptyDir</a:t>
+            </a:r>
+            <a:r>
+              <a:rPr lang="en-US" sz="1400" b="1" dirty="0">
+                <a:solidFill>
+                  <a:srgbClr val="000000"/>
+                </a:solidFill>
+                <a:latin typeface="Roboto Mono"/>
+              </a:rPr>
+              <a:t>: {}</a:t>
+            </a:r>
+            <a:endParaRPr lang="en-US" sz="1400" dirty="0">
+              <a:solidFill>
+                <a:srgbClr val="000000"/>
+              </a:solidFill>
+              <a:latin typeface="Roboto Mono"/>
+            </a:endParaRPr>
+          </a:p>
+          <a:p>
+            <a:r>
+              <a:rPr lang="en-US" sz="1400" dirty="0">
+                <a:solidFill>
+                  <a:srgbClr val="000000"/>
+                </a:solidFill>
+                <a:latin typeface="Roboto Mono"/>
+              </a:rPr>
+              <a:t>containers: </a:t>
+            </a:r>
+          </a:p>
+          <a:p>
+            <a:r>
+              <a:rPr lang="en-US" sz="1400" dirty="0">
+                <a:solidFill>
+                  <a:srgbClr val="000000"/>
+                </a:solidFill>
+                <a:latin typeface="Roboto Mono"/>
+              </a:rPr>
+              <a:t>-name: </a:t>
+            </a:r>
+            <a:r>
+              <a:rPr lang="en-US" sz="1400" dirty="0" err="1">
+                <a:solidFill>
+                  <a:srgbClr val="000000"/>
+                </a:solidFill>
+                <a:latin typeface="Roboto Mono"/>
+              </a:rPr>
+              <a:t>nginx</a:t>
+            </a:r>
+            <a:endParaRPr lang="en-US" sz="1400" dirty="0">
+              <a:solidFill>
+                <a:srgbClr val="000000"/>
+              </a:solidFill>
+              <a:latin typeface="Roboto Mono"/>
+            </a:endParaRPr>
+          </a:p>
+          <a:p>
+            <a:r>
+              <a:rPr lang="en-US" sz="1400" dirty="0">
+                <a:solidFill>
+                  <a:srgbClr val="000000"/>
+                </a:solidFill>
+                <a:latin typeface="Roboto Mono"/>
+              </a:rPr>
+              <a:t>image: </a:t>
+            </a:r>
+            <a:r>
+              <a:rPr lang="en-US" sz="1400" dirty="0" err="1">
+                <a:solidFill>
+                  <a:srgbClr val="000000"/>
+                </a:solidFill>
+                <a:latin typeface="Roboto Mono"/>
+              </a:rPr>
+              <a:t>nginx:alpine</a:t>
+            </a:r>
+            <a:endParaRPr lang="en-US" sz="1400" dirty="0">
+              <a:solidFill>
+                <a:srgbClr val="000000"/>
+              </a:solidFill>
+              <a:latin typeface="Roboto Mono"/>
+            </a:endParaRPr>
+          </a:p>
+          <a:p>
+            <a:r>
+              <a:rPr lang="en-US" sz="1400" b="1" dirty="0" err="1">
+                <a:solidFill>
+                  <a:srgbClr val="000000"/>
+                </a:solidFill>
+                <a:latin typeface="Roboto Mono"/>
+              </a:rPr>
+              <a:t>volumeMounts</a:t>
+            </a:r>
+            <a:r>
+              <a:rPr lang="en-US" sz="1400" b="1" dirty="0">
+                <a:solidFill>
+                  <a:srgbClr val="000000"/>
+                </a:solidFill>
+                <a:latin typeface="Roboto Mono"/>
+              </a:rPr>
+              <a:t>: </a:t>
+            </a:r>
+            <a:endParaRPr lang="en-US" sz="1400" dirty="0">
+              <a:solidFill>
+                <a:srgbClr val="000000"/>
+              </a:solidFill>
+              <a:latin typeface="Roboto Mono"/>
+            </a:endParaRPr>
+          </a:p>
+          <a:p>
+            <a:r>
+              <a:rPr lang="en-US" sz="1400" b="1" dirty="0">
+                <a:solidFill>
+                  <a:srgbClr val="000000"/>
+                </a:solidFill>
+                <a:latin typeface="Roboto Mono"/>
+              </a:rPr>
+              <a:t>-name: html </a:t>
+            </a:r>
+            <a:endParaRPr lang="en-US" sz="1400" dirty="0">
+              <a:solidFill>
+                <a:srgbClr val="000000"/>
+              </a:solidFill>
+              <a:latin typeface="Roboto Mono"/>
+            </a:endParaRPr>
+          </a:p>
+          <a:p>
+            <a:r>
+              <a:rPr lang="en-US" sz="1400" b="1" dirty="0" err="1">
+                <a:solidFill>
+                  <a:srgbClr val="000000"/>
+                </a:solidFill>
+                <a:latin typeface="Roboto Mono"/>
+              </a:rPr>
+              <a:t>mountPath</a:t>
+            </a:r>
+            <a:r>
+              <a:rPr lang="en-US" sz="1400" b="1" dirty="0">
+                <a:solidFill>
+                  <a:srgbClr val="000000"/>
+                </a:solidFill>
+                <a:latin typeface="Roboto Mono"/>
+              </a:rPr>
+              <a:t>: /</a:t>
+            </a:r>
+            <a:r>
+              <a:rPr lang="en-US" sz="1400" b="1" dirty="0" err="1">
+                <a:solidFill>
+                  <a:srgbClr val="000000"/>
+                </a:solidFill>
+                <a:latin typeface="Roboto Mono"/>
+              </a:rPr>
+              <a:t>usr</a:t>
+            </a:r>
+            <a:r>
+              <a:rPr lang="en-US" sz="1400" b="1" dirty="0">
+                <a:solidFill>
+                  <a:srgbClr val="000000"/>
+                </a:solidFill>
+                <a:latin typeface="Roboto Mono"/>
+              </a:rPr>
+              <a:t>/share/</a:t>
+            </a:r>
+            <a:r>
+              <a:rPr lang="en-US" sz="1400" b="1" dirty="0" err="1">
+                <a:solidFill>
+                  <a:srgbClr val="000000"/>
+                </a:solidFill>
+                <a:latin typeface="Roboto Mono"/>
+              </a:rPr>
+              <a:t>nginx</a:t>
+            </a:r>
+            <a:r>
+              <a:rPr lang="en-US" sz="1400" b="1" dirty="0">
+                <a:solidFill>
+                  <a:srgbClr val="000000"/>
+                </a:solidFill>
+                <a:latin typeface="Roboto Mono"/>
+              </a:rPr>
+              <a:t>/html</a:t>
+            </a:r>
+            <a:endParaRPr lang="en-US" sz="1400" dirty="0">
+              <a:solidFill>
+                <a:srgbClr val="000000"/>
+              </a:solidFill>
+              <a:latin typeface="Roboto Mono"/>
+            </a:endParaRPr>
+          </a:p>
+          <a:p>
+            <a:r>
+              <a:rPr lang="en-US" sz="1400" b="1" dirty="0" err="1">
+                <a:solidFill>
+                  <a:srgbClr val="000000"/>
+                </a:solidFill>
+                <a:latin typeface="Roboto Mono"/>
+              </a:rPr>
+              <a:t>readOnly</a:t>
+            </a:r>
+            <a:r>
+              <a:rPr lang="en-US" sz="1400" b="1" dirty="0">
+                <a:solidFill>
+                  <a:srgbClr val="000000"/>
+                </a:solidFill>
+                <a:latin typeface="Roboto Mono"/>
+              </a:rPr>
+              <a:t>: true </a:t>
+            </a:r>
+            <a:endParaRPr lang="en-US" sz="1400" dirty="0">
+              <a:solidFill>
+                <a:srgbClr val="000000"/>
+              </a:solidFill>
+              <a:latin typeface="Roboto Mono"/>
+            </a:endParaRPr>
+          </a:p>
+          <a:p>
+            <a:r>
+              <a:rPr lang="en-US" sz="1400" dirty="0">
+                <a:solidFill>
+                  <a:srgbClr val="000000"/>
+                </a:solidFill>
+                <a:latin typeface="Roboto Mono"/>
+              </a:rPr>
+              <a:t>-name: html-updater </a:t>
+            </a:r>
+          </a:p>
+          <a:p>
+            <a:r>
+              <a:rPr lang="en-US" sz="1400" dirty="0">
+                <a:solidFill>
+                  <a:srgbClr val="000000"/>
+                </a:solidFill>
+                <a:latin typeface="Roboto Mono"/>
+              </a:rPr>
+              <a:t>image: alpine </a:t>
+            </a:r>
+          </a:p>
+          <a:p>
+            <a:r>
+              <a:rPr lang="en-US" sz="1400" dirty="0">
+                <a:solidFill>
+                  <a:srgbClr val="000000"/>
+                </a:solidFill>
+                <a:latin typeface="Roboto Mono"/>
+              </a:rPr>
+              <a:t>command: ["/bin/</a:t>
+            </a:r>
+            <a:r>
+              <a:rPr lang="en-US" sz="1400" dirty="0" err="1">
+                <a:solidFill>
+                  <a:srgbClr val="000000"/>
+                </a:solidFill>
+                <a:latin typeface="Roboto Mono"/>
+              </a:rPr>
+              <a:t>sh</a:t>
+            </a:r>
+            <a:r>
+              <a:rPr lang="en-US" sz="1400" dirty="0">
+                <a:solidFill>
+                  <a:srgbClr val="000000"/>
+                </a:solidFill>
+                <a:latin typeface="Roboto Mono"/>
+              </a:rPr>
+              <a:t>", "-c"] </a:t>
+            </a:r>
+          </a:p>
+          <a:p>
+            <a:r>
+              <a:rPr lang="en-US" sz="1400" dirty="0" err="1">
+                <a:solidFill>
+                  <a:srgbClr val="000000"/>
+                </a:solidFill>
+                <a:latin typeface="Roboto Mono"/>
+              </a:rPr>
+              <a:t>args</a:t>
+            </a:r>
+            <a:r>
+              <a:rPr lang="en-US" sz="1400" dirty="0">
+                <a:solidFill>
+                  <a:srgbClr val="000000"/>
+                </a:solidFill>
+                <a:latin typeface="Roboto Mono"/>
+              </a:rPr>
+              <a:t>: </a:t>
+            </a:r>
+          </a:p>
+          <a:p>
+            <a:r>
+              <a:rPr lang="en-US" sz="1400" dirty="0">
+                <a:solidFill>
+                  <a:srgbClr val="000000"/>
+                </a:solidFill>
+                <a:latin typeface="Roboto Mono"/>
+              </a:rPr>
+              <a:t>-while true; do date &gt;&gt; /html/index.html; sleep 10; done </a:t>
+            </a:r>
+          </a:p>
+          <a:p>
+            <a:r>
+              <a:rPr lang="en-US" sz="1400" b="1" dirty="0" err="1">
+                <a:solidFill>
+                  <a:srgbClr val="000000"/>
+                </a:solidFill>
+                <a:latin typeface="Roboto Mono"/>
+              </a:rPr>
+              <a:t>volumeMounts</a:t>
+            </a:r>
+            <a:r>
+              <a:rPr lang="en-US" sz="1400" b="1" dirty="0">
+                <a:solidFill>
+                  <a:srgbClr val="000000"/>
+                </a:solidFill>
+                <a:latin typeface="Roboto Mono"/>
+              </a:rPr>
+              <a:t>: </a:t>
+            </a:r>
+            <a:endParaRPr lang="en-US" sz="1400" dirty="0">
+              <a:solidFill>
+                <a:srgbClr val="000000"/>
+              </a:solidFill>
+              <a:latin typeface="Roboto Mono"/>
+            </a:endParaRPr>
+          </a:p>
+          <a:p>
+            <a:r>
+              <a:rPr lang="en-US" sz="1400" b="1" dirty="0">
+                <a:solidFill>
+                  <a:srgbClr val="000000"/>
+                </a:solidFill>
+                <a:latin typeface="Roboto Mono"/>
+              </a:rPr>
+              <a:t>-name: html </a:t>
+            </a:r>
+            <a:endParaRPr lang="en-US" sz="1400" dirty="0">
+              <a:solidFill>
+                <a:srgbClr val="000000"/>
+              </a:solidFill>
+              <a:latin typeface="Roboto Mono"/>
+            </a:endParaRPr>
+          </a:p>
+          <a:p>
+            <a:r>
+              <a:rPr lang="en-US" sz="1400" b="1" dirty="0" err="1">
+                <a:solidFill>
+                  <a:srgbClr val="000000"/>
+                </a:solidFill>
+                <a:latin typeface="Roboto Mono"/>
+              </a:rPr>
+              <a:t>mountPath</a:t>
+            </a:r>
+            <a:r>
+              <a:rPr lang="en-US" sz="1400" b="1" dirty="0">
+                <a:solidFill>
+                  <a:srgbClr val="000000"/>
+                </a:solidFill>
+                <a:latin typeface="Roboto Mono"/>
+              </a:rPr>
+              <a:t>: /html </a:t>
+            </a:r>
+            <a:endParaRPr lang="en-US" sz="1400" dirty="0"/>
+          </a:p>
+        </p:txBody>
+      </p:sp>
+      <p:sp>
+        <p:nvSpPr>
+          <p:cNvPr id="11" name="Rectangle 10">
+            <a:extLst>
+              <a:ext uri="{FF2B5EF4-FFF2-40B4-BE49-F238E27FC236}">
+                <a16:creationId xmlns:a16="http://schemas.microsoft.com/office/drawing/2014/main" id="{DCAC5B83-790E-4BEF-BD6C-B64750180D30}"/>
+              </a:ext>
+            </a:extLst>
+          </p:cNvPr>
+          <p:cNvSpPr/>
+          <p:nvPr/>
+        </p:nvSpPr>
+        <p:spPr>
+          <a:xfrm>
+            <a:off x="3990261" y="2210502"/>
+            <a:ext cx="6689931" cy="646331"/>
+          </a:xfrm>
+          <a:prstGeom prst="rect">
+            <a:avLst/>
+          </a:prstGeom>
+        </p:spPr>
+        <p:txBody>
+          <a:bodyPr wrap="square">
+            <a:spAutoFit/>
+          </a:bodyPr>
+          <a:lstStyle/>
+          <a:p>
+            <a:r>
+              <a:rPr lang="en-US" dirty="0"/>
+              <a:t>Define initial Volume named “html” that is an empty directory(lifetime of the Pod</a:t>
+            </a:r>
+          </a:p>
+        </p:txBody>
+      </p:sp>
+      <p:sp>
+        <p:nvSpPr>
+          <p:cNvPr id="12" name="Arrow: Chevron 11">
+            <a:extLst>
+              <a:ext uri="{FF2B5EF4-FFF2-40B4-BE49-F238E27FC236}">
+                <a16:creationId xmlns:a16="http://schemas.microsoft.com/office/drawing/2014/main" id="{61CEBC55-40AF-4D06-9725-764BB9F91356}"/>
+              </a:ext>
+            </a:extLst>
+          </p:cNvPr>
+          <p:cNvSpPr/>
+          <p:nvPr/>
+        </p:nvSpPr>
+        <p:spPr>
+          <a:xfrm flipH="1">
+            <a:off x="3615357" y="2373647"/>
+            <a:ext cx="374904" cy="320040"/>
+          </a:xfrm>
+          <a:prstGeom prst="chevron">
+            <a:avLst/>
+          </a:prstGeom>
+          <a:gradFill flip="none" rotWithShape="1">
+            <a:gsLst>
+              <a:gs pos="0">
+                <a:schemeClr val="accent2">
+                  <a:lumMod val="67000"/>
+                </a:schemeClr>
+              </a:gs>
+              <a:gs pos="48000">
+                <a:schemeClr val="accent2">
+                  <a:lumMod val="97000"/>
+                  <a:lumOff val="3000"/>
+                </a:schemeClr>
+              </a:gs>
+              <a:gs pos="100000">
+                <a:schemeClr val="accent2">
+                  <a:lumMod val="60000"/>
+                  <a:lumOff val="40000"/>
+                </a:schemeClr>
+              </a:gs>
+            </a:gsLst>
+            <a:lin ang="16200000" scaled="1"/>
+            <a:tileRect/>
+          </a:gradFill>
+          <a:ln>
+            <a:noFill/>
+          </a:ln>
+        </p:spPr>
+        <p:style>
+          <a:lnRef idx="0">
+            <a:scrgbClr r="0" g="0" b="0"/>
+          </a:lnRef>
+          <a:fillRef idx="0">
+            <a:scrgbClr r="0" g="0" b="0"/>
+          </a:fillRef>
+          <a:effectRef idx="0">
+            <a:scrgbClr r="0" g="0" b="0"/>
+          </a:effectRef>
+          <a:fontRef idx="minor">
+            <a:schemeClr val="lt1"/>
+          </a:fontRef>
+        </p:style>
+        <p:txBody>
+          <a:bodyPr rtlCol="0" anchor="ctr"/>
+          <a:lstStyle/>
+          <a:p>
+            <a:pPr algn="ctr"/>
+            <a:endParaRPr lang="en-US">
+              <a:solidFill>
+                <a:schemeClr val="tx1"/>
+              </a:solidFill>
+            </a:endParaRPr>
+          </a:p>
+        </p:txBody>
+      </p:sp>
+      <p:sp>
+        <p:nvSpPr>
+          <p:cNvPr id="13" name="Rectangle 12">
+            <a:extLst>
+              <a:ext uri="{FF2B5EF4-FFF2-40B4-BE49-F238E27FC236}">
+                <a16:creationId xmlns:a16="http://schemas.microsoft.com/office/drawing/2014/main" id="{13A8C7EA-763E-445B-BDDD-79C2899FA264}"/>
+              </a:ext>
+            </a:extLst>
+          </p:cNvPr>
+          <p:cNvSpPr/>
+          <p:nvPr/>
+        </p:nvSpPr>
+        <p:spPr>
+          <a:xfrm>
+            <a:off x="3926253" y="3337888"/>
+            <a:ext cx="6689931" cy="369332"/>
+          </a:xfrm>
+          <a:prstGeom prst="rect">
+            <a:avLst/>
+          </a:prstGeom>
+        </p:spPr>
+        <p:txBody>
+          <a:bodyPr wrap="square">
+            <a:spAutoFit/>
+          </a:bodyPr>
+          <a:lstStyle/>
+          <a:p>
+            <a:r>
+              <a:rPr lang="en-US" dirty="0"/>
+              <a:t>Reference “html” Volume and define a </a:t>
+            </a:r>
+            <a:r>
+              <a:rPr lang="en-US" dirty="0" err="1"/>
+              <a:t>mountPath</a:t>
+            </a:r>
+            <a:endParaRPr lang="en-US" dirty="0"/>
+          </a:p>
+        </p:txBody>
+      </p:sp>
+      <p:sp>
+        <p:nvSpPr>
+          <p:cNvPr id="14" name="Arrow: Chevron 13">
+            <a:extLst>
+              <a:ext uri="{FF2B5EF4-FFF2-40B4-BE49-F238E27FC236}">
+                <a16:creationId xmlns:a16="http://schemas.microsoft.com/office/drawing/2014/main" id="{FE726463-3081-47B0-8A55-05525B20265D}"/>
+              </a:ext>
+            </a:extLst>
+          </p:cNvPr>
+          <p:cNvSpPr/>
+          <p:nvPr/>
+        </p:nvSpPr>
+        <p:spPr>
+          <a:xfrm flipH="1">
+            <a:off x="3551349" y="3362534"/>
+            <a:ext cx="374904" cy="320040"/>
+          </a:xfrm>
+          <a:prstGeom prst="chevron">
+            <a:avLst/>
+          </a:prstGeom>
+          <a:gradFill flip="none" rotWithShape="1">
+            <a:gsLst>
+              <a:gs pos="0">
+                <a:schemeClr val="accent2">
+                  <a:lumMod val="67000"/>
+                </a:schemeClr>
+              </a:gs>
+              <a:gs pos="48000">
+                <a:schemeClr val="accent2">
+                  <a:lumMod val="97000"/>
+                  <a:lumOff val="3000"/>
+                </a:schemeClr>
+              </a:gs>
+              <a:gs pos="100000">
+                <a:schemeClr val="accent2">
+                  <a:lumMod val="60000"/>
+                  <a:lumOff val="40000"/>
+                </a:schemeClr>
+              </a:gs>
+            </a:gsLst>
+            <a:lin ang="16200000" scaled="1"/>
+            <a:tileRect/>
+          </a:gradFill>
+          <a:ln>
+            <a:noFill/>
+          </a:ln>
+        </p:spPr>
+        <p:style>
+          <a:lnRef idx="0">
+            <a:scrgbClr r="0" g="0" b="0"/>
+          </a:lnRef>
+          <a:fillRef idx="0">
+            <a:scrgbClr r="0" g="0" b="0"/>
+          </a:fillRef>
+          <a:effectRef idx="0">
+            <a:scrgbClr r="0" g="0" b="0"/>
+          </a:effectRef>
+          <a:fontRef idx="minor">
+            <a:schemeClr val="lt1"/>
+          </a:fontRef>
+        </p:style>
+        <p:txBody>
+          <a:bodyPr rtlCol="0" anchor="ctr"/>
+          <a:lstStyle/>
+          <a:p>
+            <a:pPr algn="ctr"/>
+            <a:endParaRPr lang="en-US">
+              <a:solidFill>
+                <a:schemeClr val="tx1"/>
+              </a:solidFill>
+            </a:endParaRPr>
+          </a:p>
+        </p:txBody>
+      </p:sp>
+      <p:sp>
+        <p:nvSpPr>
+          <p:cNvPr id="15" name="Rectangle 14">
+            <a:extLst>
+              <a:ext uri="{FF2B5EF4-FFF2-40B4-BE49-F238E27FC236}">
+                <a16:creationId xmlns:a16="http://schemas.microsoft.com/office/drawing/2014/main" id="{356A8FD7-D14E-40F3-A6FE-2A65EF6DC6A6}"/>
+              </a:ext>
+            </a:extLst>
+          </p:cNvPr>
+          <p:cNvSpPr/>
+          <p:nvPr/>
+        </p:nvSpPr>
+        <p:spPr>
+          <a:xfrm>
+            <a:off x="3886200" y="5269836"/>
+            <a:ext cx="6689931" cy="646331"/>
+          </a:xfrm>
+          <a:prstGeom prst="rect">
+            <a:avLst/>
+          </a:prstGeom>
+        </p:spPr>
+        <p:txBody>
+          <a:bodyPr wrap="square">
+            <a:spAutoFit/>
+          </a:bodyPr>
+          <a:lstStyle/>
+          <a:p>
+            <a:r>
+              <a:rPr lang="en-US" dirty="0"/>
+              <a:t>Update file in Volume mount /html path with latest  date every 10 seconds</a:t>
+            </a:r>
+          </a:p>
+        </p:txBody>
+      </p:sp>
+      <p:sp>
+        <p:nvSpPr>
+          <p:cNvPr id="16" name="Arrow: Chevron 15">
+            <a:extLst>
+              <a:ext uri="{FF2B5EF4-FFF2-40B4-BE49-F238E27FC236}">
+                <a16:creationId xmlns:a16="http://schemas.microsoft.com/office/drawing/2014/main" id="{87A7EEF3-7BCF-4A76-A47F-63960E6A3FD2}"/>
+              </a:ext>
+            </a:extLst>
+          </p:cNvPr>
+          <p:cNvSpPr/>
+          <p:nvPr/>
+        </p:nvSpPr>
+        <p:spPr>
+          <a:xfrm flipH="1">
+            <a:off x="3511296" y="5294482"/>
+            <a:ext cx="374904" cy="320040"/>
+          </a:xfrm>
+          <a:prstGeom prst="chevron">
+            <a:avLst/>
+          </a:prstGeom>
+          <a:gradFill flip="none" rotWithShape="1">
+            <a:gsLst>
+              <a:gs pos="0">
+                <a:schemeClr val="accent2">
+                  <a:lumMod val="67000"/>
+                </a:schemeClr>
+              </a:gs>
+              <a:gs pos="48000">
+                <a:schemeClr val="accent2">
+                  <a:lumMod val="97000"/>
+                  <a:lumOff val="3000"/>
+                </a:schemeClr>
+              </a:gs>
+              <a:gs pos="100000">
+                <a:schemeClr val="accent2">
+                  <a:lumMod val="60000"/>
+                  <a:lumOff val="40000"/>
+                </a:schemeClr>
+              </a:gs>
+            </a:gsLst>
+            <a:lin ang="16200000" scaled="1"/>
+            <a:tileRect/>
+          </a:gradFill>
+          <a:ln>
+            <a:noFill/>
+          </a:ln>
+        </p:spPr>
+        <p:style>
+          <a:lnRef idx="0">
+            <a:scrgbClr r="0" g="0" b="0"/>
+          </a:lnRef>
+          <a:fillRef idx="0">
+            <a:scrgbClr r="0" g="0" b="0"/>
+          </a:fillRef>
+          <a:effectRef idx="0">
+            <a:scrgbClr r="0" g="0" b="0"/>
+          </a:effectRef>
+          <a:fontRef idx="minor">
+            <a:schemeClr val="lt1"/>
+          </a:fontRef>
+        </p:style>
+        <p:txBody>
+          <a:bodyPr rtlCol="0" anchor="ctr"/>
+          <a:lstStyle/>
+          <a:p>
+            <a:pPr algn="ctr"/>
+            <a:endParaRPr lang="en-US">
+              <a:solidFill>
+                <a:schemeClr val="tx1"/>
+              </a:solidFill>
+            </a:endParaRPr>
+          </a:p>
+        </p:txBody>
+      </p:sp>
+      <p:sp>
+        <p:nvSpPr>
+          <p:cNvPr id="17" name="Rectangle 16">
+            <a:extLst>
+              <a:ext uri="{FF2B5EF4-FFF2-40B4-BE49-F238E27FC236}">
+                <a16:creationId xmlns:a16="http://schemas.microsoft.com/office/drawing/2014/main" id="{F04CBDEA-A582-4DCF-B6D8-7FA829C07EB2}"/>
+              </a:ext>
+            </a:extLst>
+          </p:cNvPr>
+          <p:cNvSpPr/>
+          <p:nvPr/>
+        </p:nvSpPr>
+        <p:spPr>
+          <a:xfrm>
+            <a:off x="3926253" y="5916167"/>
+            <a:ext cx="6689931" cy="369332"/>
+          </a:xfrm>
+          <a:prstGeom prst="rect">
+            <a:avLst/>
+          </a:prstGeom>
+        </p:spPr>
+        <p:txBody>
+          <a:bodyPr wrap="square">
+            <a:spAutoFit/>
+          </a:bodyPr>
+          <a:lstStyle/>
+          <a:p>
+            <a:r>
+              <a:rPr lang="en-US" dirty="0"/>
+              <a:t>Reference “html”  Volume (defined above) and define a </a:t>
+            </a:r>
+            <a:r>
+              <a:rPr lang="en-US" dirty="0" err="1"/>
+              <a:t>mountPath</a:t>
+            </a:r>
+            <a:endParaRPr lang="en-US" dirty="0"/>
+          </a:p>
+        </p:txBody>
+      </p:sp>
+      <p:sp>
+        <p:nvSpPr>
+          <p:cNvPr id="18" name="Arrow: Chevron 17">
+            <a:extLst>
+              <a:ext uri="{FF2B5EF4-FFF2-40B4-BE49-F238E27FC236}">
+                <a16:creationId xmlns:a16="http://schemas.microsoft.com/office/drawing/2014/main" id="{90F426B8-B5BB-4468-B46B-A0C7919471BD}"/>
+              </a:ext>
+            </a:extLst>
+          </p:cNvPr>
+          <p:cNvSpPr/>
+          <p:nvPr/>
+        </p:nvSpPr>
+        <p:spPr>
+          <a:xfrm flipH="1">
+            <a:off x="3551349" y="5940813"/>
+            <a:ext cx="374904" cy="320040"/>
+          </a:xfrm>
+          <a:prstGeom prst="chevron">
+            <a:avLst/>
+          </a:prstGeom>
+          <a:gradFill flip="none" rotWithShape="1">
+            <a:gsLst>
+              <a:gs pos="0">
+                <a:schemeClr val="accent2">
+                  <a:lumMod val="67000"/>
+                </a:schemeClr>
+              </a:gs>
+              <a:gs pos="48000">
+                <a:schemeClr val="accent2">
+                  <a:lumMod val="97000"/>
+                  <a:lumOff val="3000"/>
+                </a:schemeClr>
+              </a:gs>
+              <a:gs pos="100000">
+                <a:schemeClr val="accent2">
+                  <a:lumMod val="60000"/>
+                  <a:lumOff val="40000"/>
+                </a:schemeClr>
+              </a:gs>
+            </a:gsLst>
+            <a:lin ang="16200000" scaled="1"/>
+            <a:tileRect/>
+          </a:gradFill>
+          <a:ln>
+            <a:noFill/>
+          </a:ln>
+        </p:spPr>
+        <p:style>
+          <a:lnRef idx="0">
+            <a:scrgbClr r="0" g="0" b="0"/>
+          </a:lnRef>
+          <a:fillRef idx="0">
+            <a:scrgbClr r="0" g="0" b="0"/>
+          </a:fillRef>
+          <a:effectRef idx="0">
+            <a:scrgbClr r="0" g="0" b="0"/>
+          </a:effectRef>
+          <a:fontRef idx="minor">
+            <a:schemeClr val="lt1"/>
+          </a:fontRef>
+        </p:style>
+        <p:txBody>
+          <a:bodyPr rtlCol="0" anchor="ctr"/>
+          <a:lstStyle/>
+          <a:p>
+            <a:pPr algn="ctr"/>
+            <a:endParaRPr lang="en-US">
+              <a:solidFill>
+                <a:schemeClr val="tx1"/>
+              </a:solidFill>
+            </a:endParaRPr>
+          </a:p>
+        </p:txBody>
+      </p:sp>
+    </p:spTree>
+    <p:extLst>
+      <p:ext uri="{BB962C8B-B14F-4D97-AF65-F5344CB8AC3E}">
+        <p14:creationId xmlns:p14="http://schemas.microsoft.com/office/powerpoint/2010/main" val="2774525939"/>
+      </p:ext>
+    </p:extLst>
+  </p:cSld>
+  <p:clrMapOvr>
+    <a:masterClrMapping/>
+  </p:clrMapOvr>
+</p:sld>
+</file>
+
+<file path=ppt/slides/slide14.xml><?xml version="1.0" encoding="utf-8"?>
+<p:sld xmlns:a="http://schemas.openxmlformats.org/drawingml/2006/main" xmlns:r="http://schemas.openxmlformats.org/officeDocument/2006/relationships" xmlns:p="http://schemas.openxmlformats.org/presentationml/2006/main">
+  <p:cSld>
+    <p:spTree>
+      <p:nvGrpSpPr>
+        <p:cNvPr id="1" name=""/>
+        <p:cNvGrpSpPr/>
+        <p:nvPr/>
+      </p:nvGrpSpPr>
+      <p:grpSpPr>
+        <a:xfrm>
+          <a:off x="0" y="0"/>
+          <a:ext cx="0" cy="0"/>
+          <a:chOff x="0" y="0"/>
+          <a:chExt cx="0" cy="0"/>
+        </a:xfrm>
+      </p:grpSpPr>
+      <p:sp>
+        <p:nvSpPr>
+          <p:cNvPr id="5" name="Google Shape;1106;p152">
+            <a:extLst>
+              <a:ext uri="{FF2B5EF4-FFF2-40B4-BE49-F238E27FC236}">
+                <a16:creationId xmlns:a16="http://schemas.microsoft.com/office/drawing/2014/main" id="{0CBA1713-E469-4351-A826-1C43F2AAC901}"/>
+              </a:ext>
+            </a:extLst>
+          </p:cNvPr>
+          <p:cNvSpPr txBox="1">
+            <a:spLocks noGrp="1"/>
+          </p:cNvSpPr>
+          <p:nvPr>
+            <p:ph type="title"/>
+          </p:nvPr>
+        </p:nvSpPr>
+        <p:spPr>
+          <a:xfrm>
+            <a:off x="416929" y="52399"/>
+            <a:ext cx="11170418" cy="740247"/>
+          </a:xfrm>
+          <a:prstGeom prst="rect">
+            <a:avLst/>
+          </a:prstGeom>
+        </p:spPr>
+        <p:txBody>
+          <a:bodyPr spcFirstLastPara="1" vert="horz" wrap="square" lIns="121900" tIns="121900" rIns="121900" bIns="121900" rtlCol="0" anchor="b" anchorCtr="0">
+            <a:noAutofit/>
+          </a:bodyPr>
+          <a:lstStyle/>
+          <a:p>
+            <a:r>
+              <a:rPr lang="en-US" dirty="0"/>
+              <a:t>Persistent volumes</a:t>
+            </a:r>
+            <a:endParaRPr dirty="0"/>
+          </a:p>
+        </p:txBody>
+      </p:sp>
+      <p:sp>
+        <p:nvSpPr>
+          <p:cNvPr id="4" name="Rectangle 3">
+            <a:extLst>
+              <a:ext uri="{FF2B5EF4-FFF2-40B4-BE49-F238E27FC236}">
+                <a16:creationId xmlns:a16="http://schemas.microsoft.com/office/drawing/2014/main" id="{C3BC01C9-DD70-4D3B-BF73-A024CA66AD05}"/>
+              </a:ext>
+            </a:extLst>
+          </p:cNvPr>
+          <p:cNvSpPr/>
+          <p:nvPr/>
+        </p:nvSpPr>
+        <p:spPr>
+          <a:xfrm>
+            <a:off x="549788" y="1240702"/>
+            <a:ext cx="6481947" cy="1200329"/>
+          </a:xfrm>
+          <a:prstGeom prst="rect">
+            <a:avLst/>
+          </a:prstGeom>
+        </p:spPr>
+        <p:txBody>
+          <a:bodyPr wrap="square">
+            <a:spAutoFit/>
+          </a:bodyPr>
+          <a:lstStyle/>
+          <a:p>
+            <a:pPr marL="342900" indent="-342900">
+              <a:buFont typeface="Arial" panose="020B0604020202020204" pitchFamily="34" charset="0"/>
+              <a:buChar char="•"/>
+            </a:pPr>
+            <a:r>
+              <a:rPr lang="en-US" sz="2400" dirty="0"/>
+              <a:t>A Persistent volume is cluster-wide storage resource that relies on network-attached storage(NAS)</a:t>
+            </a:r>
+          </a:p>
+        </p:txBody>
+      </p:sp>
+      <p:sp>
+        <p:nvSpPr>
+          <p:cNvPr id="12" name="Rectangle 11">
+            <a:extLst>
+              <a:ext uri="{FF2B5EF4-FFF2-40B4-BE49-F238E27FC236}">
+                <a16:creationId xmlns:a16="http://schemas.microsoft.com/office/drawing/2014/main" id="{6DA558C6-07C3-40B5-8D5C-93291DCFF5F9}"/>
+              </a:ext>
+            </a:extLst>
+          </p:cNvPr>
+          <p:cNvSpPr/>
+          <p:nvPr/>
+        </p:nvSpPr>
+        <p:spPr>
+          <a:xfrm>
+            <a:off x="549788" y="2438613"/>
+            <a:ext cx="6271634" cy="461665"/>
+          </a:xfrm>
+          <a:prstGeom prst="rect">
+            <a:avLst/>
+          </a:prstGeom>
+        </p:spPr>
+        <p:txBody>
+          <a:bodyPr wrap="square">
+            <a:spAutoFit/>
+          </a:bodyPr>
+          <a:lstStyle/>
+          <a:p>
+            <a:pPr marL="342900" indent="-342900">
+              <a:buFont typeface="Arial" panose="020B0604020202020204" pitchFamily="34" charset="0"/>
+              <a:buChar char="•"/>
+            </a:pPr>
+            <a:r>
+              <a:rPr lang="en-US" sz="2400" dirty="0"/>
+              <a:t>Normally provisioned by cluster administrator</a:t>
+            </a:r>
+          </a:p>
+        </p:txBody>
+      </p:sp>
+      <p:sp>
+        <p:nvSpPr>
+          <p:cNvPr id="13" name="Rectangle 12">
+            <a:extLst>
+              <a:ext uri="{FF2B5EF4-FFF2-40B4-BE49-F238E27FC236}">
+                <a16:creationId xmlns:a16="http://schemas.microsoft.com/office/drawing/2014/main" id="{B5618721-2FB2-429C-B0B4-2AB1D7587C0D}"/>
+              </a:ext>
+            </a:extLst>
+          </p:cNvPr>
+          <p:cNvSpPr/>
+          <p:nvPr/>
+        </p:nvSpPr>
+        <p:spPr>
+          <a:xfrm>
+            <a:off x="549787" y="2982312"/>
+            <a:ext cx="6271635" cy="830997"/>
+          </a:xfrm>
+          <a:prstGeom prst="rect">
+            <a:avLst/>
+          </a:prstGeom>
+        </p:spPr>
+        <p:txBody>
+          <a:bodyPr wrap="square">
+            <a:spAutoFit/>
+          </a:bodyPr>
+          <a:lstStyle/>
+          <a:p>
+            <a:pPr marL="342900" indent="-342900">
+              <a:buFont typeface="Arial" panose="020B0604020202020204" pitchFamily="34" charset="0"/>
+              <a:buChar char="•"/>
+            </a:pPr>
+            <a:r>
+              <a:rPr lang="en-US" sz="2400" dirty="0"/>
+              <a:t>Available to a pod even if it gets rescheduled to a different node</a:t>
+            </a:r>
+            <a:endParaRPr lang="en-US" sz="2400" b="1" dirty="0"/>
+          </a:p>
+        </p:txBody>
+      </p:sp>
+      <p:sp>
+        <p:nvSpPr>
+          <p:cNvPr id="14" name="Rectangle 13">
+            <a:extLst>
+              <a:ext uri="{FF2B5EF4-FFF2-40B4-BE49-F238E27FC236}">
+                <a16:creationId xmlns:a16="http://schemas.microsoft.com/office/drawing/2014/main" id="{BAE2D1BC-4979-4528-BA50-C18DC1EC1206}"/>
+              </a:ext>
+            </a:extLst>
+          </p:cNvPr>
+          <p:cNvSpPr/>
+          <p:nvPr/>
+        </p:nvSpPr>
+        <p:spPr>
+          <a:xfrm>
+            <a:off x="515505" y="4585422"/>
+            <a:ext cx="6180194" cy="830997"/>
+          </a:xfrm>
+          <a:prstGeom prst="rect">
+            <a:avLst/>
+          </a:prstGeom>
+        </p:spPr>
+        <p:txBody>
+          <a:bodyPr wrap="square">
+            <a:spAutoFit/>
+          </a:bodyPr>
+          <a:lstStyle/>
+          <a:p>
+            <a:pPr marL="342900" indent="-342900">
+              <a:buFont typeface="Arial" panose="020B0604020202020204" pitchFamily="34" charset="0"/>
+              <a:buChar char="•"/>
+            </a:pPr>
+            <a:r>
+              <a:rPr lang="en-US" sz="2400" dirty="0"/>
+              <a:t>Associated with a Pod by using a </a:t>
+            </a:r>
+            <a:r>
+              <a:rPr lang="en-US" sz="2400" dirty="0" err="1"/>
+              <a:t>PersistentVolumeClaim</a:t>
+            </a:r>
+            <a:r>
+              <a:rPr lang="en-US" sz="2400" dirty="0"/>
+              <a:t>(PVC)</a:t>
+            </a:r>
+          </a:p>
+        </p:txBody>
+      </p:sp>
+      <p:sp>
+        <p:nvSpPr>
+          <p:cNvPr id="15" name="Rectangle 14">
+            <a:extLst>
+              <a:ext uri="{FF2B5EF4-FFF2-40B4-BE49-F238E27FC236}">
+                <a16:creationId xmlns:a16="http://schemas.microsoft.com/office/drawing/2014/main" id="{1AF7AEE9-3119-4D9C-8A4D-BD535AED81C1}"/>
+              </a:ext>
+            </a:extLst>
+          </p:cNvPr>
+          <p:cNvSpPr/>
+          <p:nvPr/>
+        </p:nvSpPr>
+        <p:spPr>
+          <a:xfrm>
+            <a:off x="549787" y="3754425"/>
+            <a:ext cx="6180194" cy="830997"/>
+          </a:xfrm>
+          <a:prstGeom prst="rect">
+            <a:avLst/>
+          </a:prstGeom>
+        </p:spPr>
+        <p:txBody>
+          <a:bodyPr wrap="square">
+            <a:spAutoFit/>
+          </a:bodyPr>
+          <a:lstStyle/>
+          <a:p>
+            <a:pPr marL="342900" indent="-342900">
+              <a:buFont typeface="Arial" panose="020B0604020202020204" pitchFamily="34" charset="0"/>
+              <a:buChar char="•"/>
+            </a:pPr>
+            <a:r>
+              <a:rPr lang="en-US" sz="2400" dirty="0"/>
+              <a:t>Rely on a storage provider such as NFS, cloud storage, or other options</a:t>
+            </a:r>
+          </a:p>
+        </p:txBody>
+      </p:sp>
+      <p:pic>
+        <p:nvPicPr>
+          <p:cNvPr id="2" name="Picture 1">
+            <a:extLst>
+              <a:ext uri="{FF2B5EF4-FFF2-40B4-BE49-F238E27FC236}">
+                <a16:creationId xmlns:a16="http://schemas.microsoft.com/office/drawing/2014/main" id="{4D743A2F-F4D1-4F18-83EB-9328DC34B031}"/>
+              </a:ext>
+            </a:extLst>
+          </p:cNvPr>
+          <p:cNvPicPr>
+            <a:picLocks noChangeAspect="1"/>
+          </p:cNvPicPr>
+          <p:nvPr/>
+        </p:nvPicPr>
+        <p:blipFill>
+          <a:blip r:embed="rId2"/>
+          <a:stretch>
+            <a:fillRect/>
+          </a:stretch>
+        </p:blipFill>
+        <p:spPr>
+          <a:xfrm>
+            <a:off x="7373473" y="1549629"/>
+            <a:ext cx="3927000" cy="4020000"/>
+          </a:xfrm>
+          <a:prstGeom prst="rect">
+            <a:avLst/>
+          </a:prstGeom>
+        </p:spPr>
+      </p:pic>
+    </p:spTree>
+    <p:extLst>
+      <p:ext uri="{BB962C8B-B14F-4D97-AF65-F5344CB8AC3E}">
+        <p14:creationId xmlns:p14="http://schemas.microsoft.com/office/powerpoint/2010/main" val="210429626"/>
+      </p:ext>
+    </p:extLst>
+  </p:cSld>
+  <p:clrMapOvr>
+    <a:masterClrMapping/>
+  </p:clrMapOvr>
+</p:sld>
+</file>
+
+<file path=ppt/slides/slide15.xml><?xml version="1.0" encoding="utf-8"?>
+<p:sld xmlns:a="http://schemas.openxmlformats.org/drawingml/2006/main" xmlns:r="http://schemas.openxmlformats.org/officeDocument/2006/relationships" xmlns:p="http://schemas.openxmlformats.org/presentationml/2006/main">
+  <p:cSld>
+    <p:spTree>
+      <p:nvGrpSpPr>
+        <p:cNvPr id="1" name=""/>
+        <p:cNvGrpSpPr/>
+        <p:nvPr/>
+      </p:nvGrpSpPr>
+      <p:grpSpPr>
+        <a:xfrm>
+          <a:off x="0" y="0"/>
+          <a:ext cx="0" cy="0"/>
+          <a:chOff x="0" y="0"/>
+          <a:chExt cx="0" cy="0"/>
+        </a:xfrm>
+      </p:grpSpPr>
+      <p:sp>
+        <p:nvSpPr>
+          <p:cNvPr id="4" name="Google Shape;1046;p144">
+            <a:extLst>
+              <a:ext uri="{FF2B5EF4-FFF2-40B4-BE49-F238E27FC236}">
+                <a16:creationId xmlns:a16="http://schemas.microsoft.com/office/drawing/2014/main" id="{C65F712D-C4D7-4D92-894B-5D11A9EBEB19}"/>
+              </a:ext>
+            </a:extLst>
+          </p:cNvPr>
+          <p:cNvSpPr txBox="1">
+            <a:spLocks noGrp="1"/>
+          </p:cNvSpPr>
+          <p:nvPr>
+            <p:ph type="title"/>
+          </p:nvPr>
+        </p:nvSpPr>
+        <p:spPr>
+          <a:xfrm>
+            <a:off x="609600" y="274637"/>
+            <a:ext cx="10972800" cy="1143200"/>
+          </a:xfrm>
+          <a:prstGeom prst="rect">
+            <a:avLst/>
+          </a:prstGeom>
+        </p:spPr>
+        <p:txBody>
+          <a:bodyPr spcFirstLastPara="1" vert="horz" wrap="square" lIns="121900" tIns="121900" rIns="121900" bIns="121900" rtlCol="0" anchor="b" anchorCtr="0">
+            <a:noAutofit/>
+          </a:bodyPr>
+          <a:lstStyle/>
+          <a:p>
+            <a:r>
+              <a:rPr lang="en" dirty="0"/>
+              <a:t>PersistentVolumeClaim</a:t>
+            </a:r>
+            <a:endParaRPr dirty="0"/>
+          </a:p>
+        </p:txBody>
+      </p:sp>
+      <p:sp>
+        <p:nvSpPr>
+          <p:cNvPr id="6" name="Rectangle 5">
+            <a:extLst>
+              <a:ext uri="{FF2B5EF4-FFF2-40B4-BE49-F238E27FC236}">
+                <a16:creationId xmlns:a16="http://schemas.microsoft.com/office/drawing/2014/main" id="{0A8DBE26-28D6-4E21-8D9D-D8E844F2DED1}"/>
+              </a:ext>
+            </a:extLst>
+          </p:cNvPr>
+          <p:cNvSpPr/>
+          <p:nvPr/>
+        </p:nvSpPr>
+        <p:spPr>
+          <a:xfrm>
+            <a:off x="1116715" y="2038725"/>
+            <a:ext cx="8585068" cy="461665"/>
+          </a:xfrm>
+          <a:prstGeom prst="rect">
+            <a:avLst/>
+          </a:prstGeom>
+        </p:spPr>
+        <p:txBody>
+          <a:bodyPr wrap="square">
+            <a:spAutoFit/>
+          </a:bodyPr>
+          <a:lstStyle/>
+          <a:p>
+            <a:pPr indent="-507987">
+              <a:buSzPts val="2400"/>
+              <a:buFont typeface="Arial" panose="020B0604020202020204" pitchFamily="34" charset="0"/>
+              <a:buChar char="•"/>
+            </a:pPr>
+            <a:r>
+              <a:rPr lang="en-US" sz="2400" dirty="0"/>
+              <a:t>A </a:t>
+            </a:r>
+            <a:r>
+              <a:rPr lang="en-US" sz="2400" b="1" dirty="0" err="1"/>
+              <a:t>PersistentVolumeClaim</a:t>
+            </a:r>
+            <a:r>
+              <a:rPr lang="en-US" sz="2400" dirty="0"/>
+              <a:t> (PVC) is a request   for storage unit.</a:t>
+            </a:r>
+          </a:p>
+        </p:txBody>
+      </p:sp>
+      <p:sp>
+        <p:nvSpPr>
+          <p:cNvPr id="7" name="Rectangle 6">
+            <a:extLst>
+              <a:ext uri="{FF2B5EF4-FFF2-40B4-BE49-F238E27FC236}">
+                <a16:creationId xmlns:a16="http://schemas.microsoft.com/office/drawing/2014/main" id="{0C848B38-88DD-4A2B-855B-578879CF51AF}"/>
+              </a:ext>
+            </a:extLst>
+          </p:cNvPr>
+          <p:cNvSpPr/>
+          <p:nvPr/>
+        </p:nvSpPr>
+        <p:spPr>
+          <a:xfrm>
+            <a:off x="1116715" y="2967335"/>
+            <a:ext cx="10688189" cy="461665"/>
+          </a:xfrm>
+          <a:prstGeom prst="rect">
+            <a:avLst/>
+          </a:prstGeom>
+        </p:spPr>
+        <p:txBody>
+          <a:bodyPr wrap="square">
+            <a:spAutoFit/>
+          </a:bodyPr>
+          <a:lstStyle/>
+          <a:p>
+            <a:pPr indent="-507987">
+              <a:spcBef>
+                <a:spcPts val="1333"/>
+              </a:spcBef>
+              <a:buSzPts val="2400"/>
+              <a:buFont typeface="Arial" panose="020B0604020202020204" pitchFamily="34" charset="0"/>
+              <a:buChar char="•"/>
+            </a:pPr>
+            <a:r>
+              <a:rPr lang="en-US" sz="2400" dirty="0"/>
+              <a:t>Satisfies a set of requirements instead of mapping to a storage resource directly.</a:t>
+            </a:r>
+          </a:p>
+        </p:txBody>
+      </p:sp>
+      <p:sp>
+        <p:nvSpPr>
+          <p:cNvPr id="8" name="Rectangle 7">
+            <a:extLst>
+              <a:ext uri="{FF2B5EF4-FFF2-40B4-BE49-F238E27FC236}">
+                <a16:creationId xmlns:a16="http://schemas.microsoft.com/office/drawing/2014/main" id="{902BDC60-A048-481F-9DEF-0CE5114C1070}"/>
+              </a:ext>
+            </a:extLst>
+          </p:cNvPr>
+          <p:cNvSpPr/>
+          <p:nvPr/>
+        </p:nvSpPr>
+        <p:spPr>
+          <a:xfrm>
+            <a:off x="1116715" y="3923329"/>
+            <a:ext cx="10285853" cy="830997"/>
+          </a:xfrm>
+          <a:prstGeom prst="rect">
+            <a:avLst/>
+          </a:prstGeom>
+        </p:spPr>
+        <p:txBody>
+          <a:bodyPr wrap="square">
+            <a:spAutoFit/>
+          </a:bodyPr>
+          <a:lstStyle/>
+          <a:p>
+            <a:pPr indent="-507987">
+              <a:spcBef>
+                <a:spcPts val="1333"/>
+              </a:spcBef>
+              <a:buSzPts val="2400"/>
+              <a:buFont typeface="Arial" panose="020B0604020202020204" pitchFamily="34" charset="0"/>
+              <a:buChar char="•"/>
+            </a:pPr>
+            <a:r>
+              <a:rPr lang="en-US" sz="2400" dirty="0"/>
+              <a:t>Ensures that an application’s ‘</a:t>
+            </a:r>
+            <a:r>
+              <a:rPr lang="en-US" sz="2400" i="1" dirty="0"/>
+              <a:t>claim</a:t>
+            </a:r>
+            <a:r>
+              <a:rPr lang="en-US" sz="2400" dirty="0"/>
+              <a:t>’ for storage is portable across numerous</a:t>
+            </a:r>
+            <a:br>
+              <a:rPr lang="en-US" sz="2400" dirty="0"/>
+            </a:br>
+            <a:r>
+              <a:rPr lang="en-US" sz="2400" dirty="0"/>
+              <a:t>       backends or providers.</a:t>
+            </a:r>
+          </a:p>
+        </p:txBody>
+      </p:sp>
+    </p:spTree>
+    <p:extLst>
+      <p:ext uri="{BB962C8B-B14F-4D97-AF65-F5344CB8AC3E}">
+        <p14:creationId xmlns:p14="http://schemas.microsoft.com/office/powerpoint/2010/main" val="3658403698"/>
+      </p:ext>
+    </p:extLst>
+  </p:cSld>
+  <p:clrMapOvr>
+    <a:masterClrMapping/>
+  </p:clrMapOvr>
+</p:sld>
+</file>
+
+<file path=ppt/slides/slide16.xml><?xml version="1.0" encoding="utf-8"?>
+<p:sld xmlns:a="http://schemas.openxmlformats.org/drawingml/2006/main" xmlns:r="http://schemas.openxmlformats.org/officeDocument/2006/relationships" xmlns:p="http://schemas.openxmlformats.org/presentationml/2006/main">
+  <p:cSld>
+    <p:spTree>
+      <p:nvGrpSpPr>
+        <p:cNvPr id="1" name=""/>
+        <p:cNvGrpSpPr/>
+        <p:nvPr/>
+      </p:nvGrpSpPr>
+      <p:grpSpPr>
+        <a:xfrm>
+          <a:off x="0" y="0"/>
+          <a:ext cx="0" cy="0"/>
+          <a:chOff x="0" y="0"/>
+          <a:chExt cx="0" cy="0"/>
+        </a:xfrm>
+      </p:grpSpPr>
+      <p:sp>
+        <p:nvSpPr>
+          <p:cNvPr id="4" name="Google Shape;1046;p144">
+            <a:extLst>
+              <a:ext uri="{FF2B5EF4-FFF2-40B4-BE49-F238E27FC236}">
+                <a16:creationId xmlns:a16="http://schemas.microsoft.com/office/drawing/2014/main" id="{C65F712D-C4D7-4D92-894B-5D11A9EBEB19}"/>
+              </a:ext>
+            </a:extLst>
+          </p:cNvPr>
+          <p:cNvSpPr txBox="1">
+            <a:spLocks noGrp="1"/>
+          </p:cNvSpPr>
+          <p:nvPr>
+            <p:ph type="title"/>
+          </p:nvPr>
+        </p:nvSpPr>
+        <p:spPr>
+          <a:xfrm>
+            <a:off x="197617" y="-298119"/>
+            <a:ext cx="10972800" cy="1143200"/>
+          </a:xfrm>
+          <a:prstGeom prst="rect">
+            <a:avLst/>
+          </a:prstGeom>
+        </p:spPr>
+        <p:txBody>
+          <a:bodyPr spcFirstLastPara="1" vert="horz" wrap="square" lIns="121900" tIns="121900" rIns="121900" bIns="121900" rtlCol="0" anchor="b" anchorCtr="0">
+            <a:noAutofit/>
+          </a:bodyPr>
+          <a:lstStyle/>
+          <a:p>
+            <a:r>
+              <a:rPr lang="en-US"/>
+              <a:t>PersistentVolume Workflow</a:t>
+            </a:r>
+            <a:endParaRPr lang="en-US" dirty="0"/>
+          </a:p>
+        </p:txBody>
+      </p:sp>
+      <p:pic>
+        <p:nvPicPr>
+          <p:cNvPr id="2" name="Picture 1">
+            <a:extLst>
+              <a:ext uri="{FF2B5EF4-FFF2-40B4-BE49-F238E27FC236}">
+                <a16:creationId xmlns:a16="http://schemas.microsoft.com/office/drawing/2014/main" id="{37A9B198-36E4-4B82-8E4B-E6AB21488D65}"/>
+              </a:ext>
+            </a:extLst>
+          </p:cNvPr>
+          <p:cNvPicPr>
+            <a:picLocks noChangeAspect="1"/>
+          </p:cNvPicPr>
+          <p:nvPr/>
+        </p:nvPicPr>
+        <p:blipFill>
+          <a:blip r:embed="rId2"/>
+          <a:stretch>
+            <a:fillRect/>
+          </a:stretch>
+        </p:blipFill>
+        <p:spPr>
+          <a:xfrm>
+            <a:off x="668111" y="2096491"/>
+            <a:ext cx="10855777" cy="3725200"/>
+          </a:xfrm>
+          <a:prstGeom prst="rect">
+            <a:avLst/>
+          </a:prstGeom>
+        </p:spPr>
+      </p:pic>
+      <p:sp>
+        <p:nvSpPr>
+          <p:cNvPr id="7" name="Rectangle 6">
+            <a:extLst>
+              <a:ext uri="{FF2B5EF4-FFF2-40B4-BE49-F238E27FC236}">
+                <a16:creationId xmlns:a16="http://schemas.microsoft.com/office/drawing/2014/main" id="{12571F47-E337-42A5-A097-9BE9053D7F67}"/>
+              </a:ext>
+            </a:extLst>
+          </p:cNvPr>
+          <p:cNvSpPr/>
+          <p:nvPr/>
+        </p:nvSpPr>
+        <p:spPr>
+          <a:xfrm>
+            <a:off x="5164914" y="5775795"/>
+            <a:ext cx="4983480" cy="369332"/>
+          </a:xfrm>
+          <a:prstGeom prst="rect">
+            <a:avLst/>
+          </a:prstGeom>
+        </p:spPr>
+        <p:txBody>
+          <a:bodyPr wrap="square">
+            <a:spAutoFit/>
+          </a:bodyPr>
+          <a:lstStyle/>
+          <a:p>
+            <a:r>
+              <a:rPr lang="en-US"/>
+              <a:t>Create network storage resource(NFS ,Cloud etc.</a:t>
+            </a:r>
+            <a:endParaRPr lang="en-US" dirty="0"/>
+          </a:p>
+        </p:txBody>
+      </p:sp>
+      <p:pic>
+        <p:nvPicPr>
+          <p:cNvPr id="8" name="Picture 7">
+            <a:extLst>
+              <a:ext uri="{FF2B5EF4-FFF2-40B4-BE49-F238E27FC236}">
+                <a16:creationId xmlns:a16="http://schemas.microsoft.com/office/drawing/2014/main" id="{AAAD4DB8-DD18-4821-9610-CC95B41B344B}"/>
+              </a:ext>
+            </a:extLst>
+          </p:cNvPr>
+          <p:cNvPicPr>
+            <a:picLocks noChangeAspect="1"/>
+          </p:cNvPicPr>
+          <p:nvPr/>
+        </p:nvPicPr>
+        <p:blipFill>
+          <a:blip r:embed="rId3"/>
+          <a:stretch>
+            <a:fillRect/>
+          </a:stretch>
+        </p:blipFill>
+        <p:spPr>
+          <a:xfrm>
+            <a:off x="7177775" y="5357344"/>
+            <a:ext cx="478879" cy="464347"/>
+          </a:xfrm>
+          <a:prstGeom prst="rect">
+            <a:avLst/>
+          </a:prstGeom>
+        </p:spPr>
+      </p:pic>
+      <p:pic>
+        <p:nvPicPr>
+          <p:cNvPr id="9" name="Picture 8">
+            <a:extLst>
+              <a:ext uri="{FF2B5EF4-FFF2-40B4-BE49-F238E27FC236}">
+                <a16:creationId xmlns:a16="http://schemas.microsoft.com/office/drawing/2014/main" id="{15C7DFE5-4CC1-4212-8774-DDF9C7E380FB}"/>
+              </a:ext>
+            </a:extLst>
+          </p:cNvPr>
+          <p:cNvPicPr>
+            <a:picLocks noChangeAspect="1"/>
+          </p:cNvPicPr>
+          <p:nvPr/>
+        </p:nvPicPr>
+        <p:blipFill>
+          <a:blip r:embed="rId4"/>
+          <a:stretch>
+            <a:fillRect/>
+          </a:stretch>
+        </p:blipFill>
+        <p:spPr>
+          <a:xfrm>
+            <a:off x="7137636" y="1869022"/>
+            <a:ext cx="519018" cy="447349"/>
+          </a:xfrm>
+          <a:prstGeom prst="rect">
+            <a:avLst/>
+          </a:prstGeom>
+        </p:spPr>
+      </p:pic>
+      <p:sp>
+        <p:nvSpPr>
+          <p:cNvPr id="10" name="Rectangle 9">
+            <a:extLst>
+              <a:ext uri="{FF2B5EF4-FFF2-40B4-BE49-F238E27FC236}">
+                <a16:creationId xmlns:a16="http://schemas.microsoft.com/office/drawing/2014/main" id="{12D0C76E-7DF4-44FD-80BC-12F9B4443F2F}"/>
+              </a:ext>
+            </a:extLst>
+          </p:cNvPr>
+          <p:cNvSpPr/>
+          <p:nvPr/>
+        </p:nvSpPr>
+        <p:spPr>
+          <a:xfrm>
+            <a:off x="6730667" y="1147620"/>
+            <a:ext cx="4983480" cy="646331"/>
+          </a:xfrm>
+          <a:prstGeom prst="rect">
+            <a:avLst/>
+          </a:prstGeom>
+        </p:spPr>
+        <p:txBody>
+          <a:bodyPr wrap="square">
+            <a:spAutoFit/>
+          </a:bodyPr>
+          <a:lstStyle/>
+          <a:p>
+            <a:r>
+              <a:rPr lang="en-US"/>
+              <a:t>Define a persistence volume(PV) and send to the Kubernetes API</a:t>
+            </a:r>
+            <a:endParaRPr lang="en-US" dirty="0"/>
+          </a:p>
+        </p:txBody>
+      </p:sp>
+      <p:sp>
+        <p:nvSpPr>
+          <p:cNvPr id="11" name="Rectangle 10">
+            <a:extLst>
+              <a:ext uri="{FF2B5EF4-FFF2-40B4-BE49-F238E27FC236}">
+                <a16:creationId xmlns:a16="http://schemas.microsoft.com/office/drawing/2014/main" id="{72474500-8832-4BA0-8546-7EBE7C82F728}"/>
+              </a:ext>
+            </a:extLst>
+          </p:cNvPr>
+          <p:cNvSpPr/>
+          <p:nvPr/>
+        </p:nvSpPr>
+        <p:spPr>
+          <a:xfrm>
+            <a:off x="2836030" y="1403723"/>
+            <a:ext cx="4983480" cy="369332"/>
+          </a:xfrm>
+          <a:prstGeom prst="rect">
+            <a:avLst/>
+          </a:prstGeom>
+        </p:spPr>
+        <p:txBody>
+          <a:bodyPr wrap="square">
+            <a:spAutoFit/>
+          </a:bodyPr>
+          <a:lstStyle/>
+          <a:p>
+            <a:r>
+              <a:rPr lang="en-US" dirty="0"/>
+              <a:t>Create a </a:t>
+            </a:r>
+            <a:r>
+              <a:rPr lang="en-US" dirty="0" err="1"/>
+              <a:t>PersistentVolumeclaim</a:t>
+            </a:r>
+            <a:r>
+              <a:rPr lang="en-US" dirty="0"/>
+              <a:t>(PVC)</a:t>
+            </a:r>
+          </a:p>
+        </p:txBody>
+      </p:sp>
+      <p:pic>
+        <p:nvPicPr>
+          <p:cNvPr id="3" name="Picture 2">
+            <a:extLst>
+              <a:ext uri="{FF2B5EF4-FFF2-40B4-BE49-F238E27FC236}">
+                <a16:creationId xmlns:a16="http://schemas.microsoft.com/office/drawing/2014/main" id="{7571C2D3-D12D-4B47-974B-985253DA0FEF}"/>
+              </a:ext>
+            </a:extLst>
+          </p:cNvPr>
+          <p:cNvPicPr>
+            <a:picLocks noChangeAspect="1"/>
+          </p:cNvPicPr>
+          <p:nvPr/>
+        </p:nvPicPr>
+        <p:blipFill>
+          <a:blip r:embed="rId5"/>
+          <a:stretch>
+            <a:fillRect/>
+          </a:stretch>
+        </p:blipFill>
+        <p:spPr>
+          <a:xfrm>
+            <a:off x="5876817" y="3129989"/>
+            <a:ext cx="513217" cy="469027"/>
+          </a:xfrm>
+          <a:prstGeom prst="rect">
+            <a:avLst/>
+          </a:prstGeom>
+        </p:spPr>
+      </p:pic>
+      <p:pic>
+        <p:nvPicPr>
+          <p:cNvPr id="5" name="Picture 4">
+            <a:extLst>
+              <a:ext uri="{FF2B5EF4-FFF2-40B4-BE49-F238E27FC236}">
+                <a16:creationId xmlns:a16="http://schemas.microsoft.com/office/drawing/2014/main" id="{CC0A5D2A-C8DF-4987-B263-EAF9A8BC81D8}"/>
+              </a:ext>
+            </a:extLst>
+          </p:cNvPr>
+          <p:cNvPicPr>
+            <a:picLocks noChangeAspect="1"/>
+          </p:cNvPicPr>
+          <p:nvPr/>
+        </p:nvPicPr>
+        <p:blipFill>
+          <a:blip r:embed="rId6"/>
+          <a:stretch>
+            <a:fillRect/>
+          </a:stretch>
+        </p:blipFill>
+        <p:spPr>
+          <a:xfrm>
+            <a:off x="4522806" y="1802893"/>
+            <a:ext cx="531559" cy="513478"/>
+          </a:xfrm>
+          <a:prstGeom prst="rect">
+            <a:avLst/>
+          </a:prstGeom>
+        </p:spPr>
+      </p:pic>
+      <p:sp>
+        <p:nvSpPr>
+          <p:cNvPr id="12" name="Rectangle 11">
+            <a:extLst>
+              <a:ext uri="{FF2B5EF4-FFF2-40B4-BE49-F238E27FC236}">
+                <a16:creationId xmlns:a16="http://schemas.microsoft.com/office/drawing/2014/main" id="{2A8FE44B-D053-4BED-AF52-FD17CEDEE300}"/>
+              </a:ext>
+            </a:extLst>
+          </p:cNvPr>
+          <p:cNvSpPr/>
+          <p:nvPr/>
+        </p:nvSpPr>
+        <p:spPr>
+          <a:xfrm>
+            <a:off x="5164914" y="3553120"/>
+            <a:ext cx="4983480" cy="646331"/>
+          </a:xfrm>
+          <a:prstGeom prst="rect">
+            <a:avLst/>
+          </a:prstGeom>
+        </p:spPr>
+        <p:txBody>
+          <a:bodyPr wrap="square">
+            <a:spAutoFit/>
+          </a:bodyPr>
+          <a:lstStyle/>
+          <a:p>
+            <a:r>
+              <a:rPr lang="en-US"/>
+              <a:t>Kubernetes binds the </a:t>
+            </a:r>
+            <a:br>
+              <a:rPr lang="en-US"/>
+            </a:br>
+            <a:r>
+              <a:rPr lang="en-US"/>
+              <a:t>PVC to PV</a:t>
+            </a:r>
+            <a:endParaRPr lang="en-US" dirty="0"/>
+          </a:p>
+        </p:txBody>
+      </p:sp>
+      <p:pic>
+        <p:nvPicPr>
+          <p:cNvPr id="6" name="Picture 5">
+            <a:extLst>
+              <a:ext uri="{FF2B5EF4-FFF2-40B4-BE49-F238E27FC236}">
+                <a16:creationId xmlns:a16="http://schemas.microsoft.com/office/drawing/2014/main" id="{8E3BB6DE-0029-414E-B5ED-725BDFFAA73F}"/>
+              </a:ext>
+            </a:extLst>
+          </p:cNvPr>
+          <p:cNvPicPr>
+            <a:picLocks noChangeAspect="1"/>
+          </p:cNvPicPr>
+          <p:nvPr/>
+        </p:nvPicPr>
+        <p:blipFill>
+          <a:blip r:embed="rId7"/>
+          <a:stretch>
+            <a:fillRect/>
+          </a:stretch>
+        </p:blipFill>
+        <p:spPr>
+          <a:xfrm>
+            <a:off x="1433771" y="3807838"/>
+            <a:ext cx="539037" cy="486760"/>
+          </a:xfrm>
+          <a:prstGeom prst="rect">
+            <a:avLst/>
+          </a:prstGeom>
+        </p:spPr>
+      </p:pic>
+      <p:sp>
+        <p:nvSpPr>
+          <p:cNvPr id="20" name="Rectangle 19">
+            <a:extLst>
+              <a:ext uri="{FF2B5EF4-FFF2-40B4-BE49-F238E27FC236}">
+                <a16:creationId xmlns:a16="http://schemas.microsoft.com/office/drawing/2014/main" id="{68AD2AE8-7623-4869-91D3-D4A13248FE13}"/>
+              </a:ext>
+            </a:extLst>
+          </p:cNvPr>
+          <p:cNvSpPr/>
+          <p:nvPr/>
+        </p:nvSpPr>
+        <p:spPr>
+          <a:xfrm>
+            <a:off x="344290" y="4309060"/>
+            <a:ext cx="4983480" cy="369332"/>
+          </a:xfrm>
+          <a:prstGeom prst="rect">
+            <a:avLst/>
+          </a:prstGeom>
+        </p:spPr>
+        <p:txBody>
+          <a:bodyPr wrap="square">
+            <a:spAutoFit/>
+          </a:bodyPr>
+          <a:lstStyle/>
+          <a:p>
+            <a:r>
+              <a:rPr lang="en-US" dirty="0"/>
+              <a:t>Pod volume references the PVC</a:t>
+            </a:r>
+          </a:p>
+        </p:txBody>
+      </p:sp>
+    </p:spTree>
+    <p:extLst>
+      <p:ext uri="{BB962C8B-B14F-4D97-AF65-F5344CB8AC3E}">
+        <p14:creationId xmlns:p14="http://schemas.microsoft.com/office/powerpoint/2010/main" val="3174640476"/>
+      </p:ext>
+    </p:extLst>
+  </p:cSld>
+  <p:clrMapOvr>
+    <a:masterClrMapping/>
+  </p:clrMapOvr>
+</p:sld>
+</file>
+
+<file path=ppt/slides/slide17.xml><?xml version="1.0" encoding="utf-8"?>
+<p:sld xmlns:a="http://schemas.openxmlformats.org/drawingml/2006/main" xmlns:r="http://schemas.openxmlformats.org/officeDocument/2006/relationships" xmlns:p="http://schemas.openxmlformats.org/presentationml/2006/main">
+  <p:cSld>
+    <p:spTree>
+      <p:nvGrpSpPr>
+        <p:cNvPr id="1" name=""/>
+        <p:cNvGrpSpPr/>
+        <p:nvPr/>
+      </p:nvGrpSpPr>
+      <p:grpSpPr>
+        <a:xfrm>
+          <a:off x="0" y="0"/>
+          <a:ext cx="0" cy="0"/>
+          <a:chOff x="0" y="0"/>
+          <a:chExt cx="0" cy="0"/>
+        </a:xfrm>
+      </p:grpSpPr>
+      <p:sp>
+        <p:nvSpPr>
           <p:cNvPr id="6" name="Google Shape;993;p137">
             <a:extLst>
               <a:ext uri="{FF2B5EF4-FFF2-40B4-BE49-F238E27FC236}">
@@ -15733,7 +18936,7 @@
             </a:r>
             <a:r>
               <a:rPr lang="en-US" dirty="0"/>
-              <a:t>Core Concepts</a:t>
+              <a:t>Class Core Concepts</a:t>
             </a:r>
             <a:endParaRPr dirty="0"/>
           </a:p>
@@ -15961,3758 +19164,6 @@
         <p:spPr>
           <a:xfrm>
             <a:off x="708286" y="1313015"/>
-            <a:ext cx="6019223" cy="830997"/>
-          </a:xfrm>
-          <a:prstGeom prst="rect">
-            <a:avLst/>
-          </a:prstGeom>
-        </p:spPr>
-        <p:txBody>
-          <a:bodyPr wrap="square">
-            <a:spAutoFit/>
-          </a:bodyPr>
-          <a:lstStyle/>
-          <a:p>
-            <a:pPr marL="342900" indent="-342900">
-              <a:buFont typeface="Arial" panose="020B0604020202020204" pitchFamily="34" charset="0"/>
-              <a:buChar char="•"/>
-            </a:pPr>
-            <a:r>
-              <a:rPr lang="en-US" sz="2400" dirty="0"/>
-              <a:t>Pods live and die so their file system is short lived(ephemeral)</a:t>
-            </a:r>
-          </a:p>
-        </p:txBody>
-      </p:sp>
-      <p:sp>
-        <p:nvSpPr>
-          <p:cNvPr id="5" name="Rectangle 4">
-            <a:extLst>
-              <a:ext uri="{FF2B5EF4-FFF2-40B4-BE49-F238E27FC236}">
-                <a16:creationId xmlns:a16="http://schemas.microsoft.com/office/drawing/2014/main" id="{CB6386F7-D1D6-49C6-8145-72D1778F757E}"/>
-              </a:ext>
-            </a:extLst>
-          </p:cNvPr>
-          <p:cNvSpPr/>
-          <p:nvPr/>
-        </p:nvSpPr>
-        <p:spPr>
-          <a:xfrm>
-            <a:off x="708286" y="2233180"/>
-            <a:ext cx="6019223" cy="830997"/>
-          </a:xfrm>
-          <a:prstGeom prst="rect">
-            <a:avLst/>
-          </a:prstGeom>
-        </p:spPr>
-        <p:txBody>
-          <a:bodyPr wrap="square">
-            <a:spAutoFit/>
-          </a:bodyPr>
-          <a:lstStyle/>
-          <a:p>
-            <a:pPr marL="342900" indent="-342900">
-              <a:buFont typeface="Arial" panose="020B0604020202020204" pitchFamily="34" charset="0"/>
-              <a:buChar char="•"/>
-            </a:pPr>
-            <a:r>
-              <a:rPr lang="en-US" sz="2400" dirty="0"/>
-              <a:t>Volumes can be used to store state/data and use it in pod</a:t>
-            </a:r>
-          </a:p>
-        </p:txBody>
-      </p:sp>
-      <p:sp>
-        <p:nvSpPr>
-          <p:cNvPr id="8" name="Rectangle 7">
-            <a:extLst>
-              <a:ext uri="{FF2B5EF4-FFF2-40B4-BE49-F238E27FC236}">
-                <a16:creationId xmlns:a16="http://schemas.microsoft.com/office/drawing/2014/main" id="{995E47B3-986C-4558-8AAE-CC8B22ADF1EC}"/>
-              </a:ext>
-            </a:extLst>
-          </p:cNvPr>
-          <p:cNvSpPr/>
-          <p:nvPr/>
-        </p:nvSpPr>
-        <p:spPr>
-          <a:xfrm>
-            <a:off x="687525" y="3023417"/>
-            <a:ext cx="6019223" cy="830997"/>
-          </a:xfrm>
-          <a:prstGeom prst="rect">
-            <a:avLst/>
-          </a:prstGeom>
-        </p:spPr>
-        <p:txBody>
-          <a:bodyPr wrap="square">
-            <a:spAutoFit/>
-          </a:bodyPr>
-          <a:lstStyle/>
-          <a:p>
-            <a:pPr marL="342900" indent="-342900">
-              <a:buFont typeface="Arial" panose="020B0604020202020204" pitchFamily="34" charset="0"/>
-              <a:buChar char="•"/>
-            </a:pPr>
-            <a:r>
-              <a:rPr lang="en-US" sz="2400" dirty="0"/>
-              <a:t>A pod can have multiple volumes attached to it.</a:t>
-            </a:r>
-          </a:p>
-        </p:txBody>
-      </p:sp>
-      <p:sp>
-        <p:nvSpPr>
-          <p:cNvPr id="9" name="Rectangle 8">
-            <a:extLst>
-              <a:ext uri="{FF2B5EF4-FFF2-40B4-BE49-F238E27FC236}">
-                <a16:creationId xmlns:a16="http://schemas.microsoft.com/office/drawing/2014/main" id="{39DA8FB7-35EB-49EE-A819-66738B856BD7}"/>
-              </a:ext>
-            </a:extLst>
-          </p:cNvPr>
-          <p:cNvSpPr/>
-          <p:nvPr/>
-        </p:nvSpPr>
-        <p:spPr>
-          <a:xfrm>
-            <a:off x="699142" y="3808719"/>
-            <a:ext cx="6019223" cy="830997"/>
-          </a:xfrm>
-          <a:prstGeom prst="rect">
-            <a:avLst/>
-          </a:prstGeom>
-        </p:spPr>
-        <p:txBody>
-          <a:bodyPr wrap="square">
-            <a:spAutoFit/>
-          </a:bodyPr>
-          <a:lstStyle/>
-          <a:p>
-            <a:pPr marL="342900" indent="-342900">
-              <a:buFont typeface="Arial" panose="020B0604020202020204" pitchFamily="34" charset="0"/>
-              <a:buChar char="•"/>
-            </a:pPr>
-            <a:r>
-              <a:rPr lang="en-US" sz="2400" dirty="0"/>
-              <a:t>Containers rely on a mount path to access a volume</a:t>
-            </a:r>
-          </a:p>
-        </p:txBody>
-      </p:sp>
-      <p:sp>
-        <p:nvSpPr>
-          <p:cNvPr id="10" name="Rectangle 9">
-            <a:extLst>
-              <a:ext uri="{FF2B5EF4-FFF2-40B4-BE49-F238E27FC236}">
-                <a16:creationId xmlns:a16="http://schemas.microsoft.com/office/drawing/2014/main" id="{3C9F0DB2-7743-4E68-ADE2-800A7A2EA926}"/>
-              </a:ext>
-            </a:extLst>
-          </p:cNvPr>
-          <p:cNvSpPr/>
-          <p:nvPr/>
-        </p:nvSpPr>
-        <p:spPr>
-          <a:xfrm>
-            <a:off x="687525" y="4598956"/>
-            <a:ext cx="6019223" cy="1938992"/>
-          </a:xfrm>
-          <a:prstGeom prst="rect">
-            <a:avLst/>
-          </a:prstGeom>
-        </p:spPr>
-        <p:txBody>
-          <a:bodyPr wrap="square">
-            <a:spAutoFit/>
-          </a:bodyPr>
-          <a:lstStyle/>
-          <a:p>
-            <a:pPr marL="342900" indent="-342900">
-              <a:buFont typeface="Arial" panose="020B0604020202020204" pitchFamily="34" charset="0"/>
-              <a:buChar char="•"/>
-            </a:pPr>
-            <a:r>
-              <a:rPr lang="en-US" sz="2400" dirty="0"/>
-              <a:t>Kubernetes supports :</a:t>
-            </a:r>
-          </a:p>
-          <a:p>
-            <a:pPr marL="800100" lvl="1" indent="-342900">
-              <a:buFont typeface="Arial" panose="020B0604020202020204" pitchFamily="34" charset="0"/>
-              <a:buChar char="•"/>
-            </a:pPr>
-            <a:r>
-              <a:rPr lang="en-US" sz="2400" dirty="0"/>
-              <a:t>Volumes</a:t>
-            </a:r>
-          </a:p>
-          <a:p>
-            <a:pPr marL="800100" lvl="1" indent="-342900">
-              <a:buFont typeface="Arial" panose="020B0604020202020204" pitchFamily="34" charset="0"/>
-              <a:buChar char="•"/>
-            </a:pPr>
-            <a:r>
-              <a:rPr lang="en-US" sz="2400" dirty="0" err="1"/>
-              <a:t>PersistentVolumes</a:t>
-            </a:r>
-            <a:endParaRPr lang="en-US" sz="2400" dirty="0"/>
-          </a:p>
-          <a:p>
-            <a:pPr marL="800100" lvl="1" indent="-342900">
-              <a:buFont typeface="Arial" panose="020B0604020202020204" pitchFamily="34" charset="0"/>
-              <a:buChar char="•"/>
-            </a:pPr>
-            <a:r>
-              <a:rPr lang="en-US" sz="2400" dirty="0" err="1"/>
-              <a:t>PersistentVolumesClaims</a:t>
-            </a:r>
-            <a:endParaRPr lang="en-US" sz="2400" dirty="0"/>
-          </a:p>
-          <a:p>
-            <a:pPr marL="800100" lvl="1" indent="-342900">
-              <a:buFont typeface="Arial" panose="020B0604020202020204" pitchFamily="34" charset="0"/>
-              <a:buChar char="•"/>
-            </a:pPr>
-            <a:r>
-              <a:rPr lang="en-US" sz="2400" dirty="0" err="1"/>
-              <a:t>StorageClasses</a:t>
-            </a:r>
-            <a:endParaRPr lang="en-US" sz="2400" dirty="0"/>
-          </a:p>
-        </p:txBody>
-      </p:sp>
-      <p:pic>
-        <p:nvPicPr>
-          <p:cNvPr id="4" name="Picture 3">
-            <a:extLst>
-              <a:ext uri="{FF2B5EF4-FFF2-40B4-BE49-F238E27FC236}">
-                <a16:creationId xmlns:a16="http://schemas.microsoft.com/office/drawing/2014/main" id="{426C38E0-CEED-4BA2-8917-C8363D4D9EFC}"/>
-              </a:ext>
-            </a:extLst>
-          </p:cNvPr>
-          <p:cNvPicPr>
-            <a:picLocks noChangeAspect="1"/>
-          </p:cNvPicPr>
-          <p:nvPr/>
-        </p:nvPicPr>
-        <p:blipFill>
-          <a:blip r:embed="rId2">
-            <a:extLst>
-              <a:ext uri="{28A0092B-C50C-407E-A947-70E740481C1C}">
-                <a14:useLocalDpi xmlns:a14="http://schemas.microsoft.com/office/drawing/2010/main" val="0"/>
-              </a:ext>
-            </a:extLst>
-          </a:blip>
-          <a:stretch>
-            <a:fillRect/>
-          </a:stretch>
-        </p:blipFill>
-        <p:spPr>
-          <a:xfrm>
-            <a:off x="7500670" y="2503407"/>
-            <a:ext cx="3276190" cy="1314286"/>
-          </a:xfrm>
-          <a:prstGeom prst="rect">
-            <a:avLst/>
-          </a:prstGeom>
-        </p:spPr>
-      </p:pic>
-    </p:spTree>
-    <p:extLst>
-      <p:ext uri="{BB962C8B-B14F-4D97-AF65-F5344CB8AC3E}">
-        <p14:creationId xmlns:p14="http://schemas.microsoft.com/office/powerpoint/2010/main" val="329489887"/>
-      </p:ext>
-    </p:extLst>
-  </p:cSld>
-  <p:clrMapOvr>
-    <a:masterClrMapping/>
-  </p:clrMapOvr>
-</p:sld>
-</file>
-
-<file path=ppt/slides/slide11.xml><?xml version="1.0" encoding="utf-8"?>
-<p:sld xmlns:a="http://schemas.openxmlformats.org/drawingml/2006/main" xmlns:r="http://schemas.openxmlformats.org/officeDocument/2006/relationships" xmlns:p="http://schemas.openxmlformats.org/presentationml/2006/main">
-  <p:cSld>
-    <p:spTree>
-      <p:nvGrpSpPr>
-        <p:cNvPr id="1" name=""/>
-        <p:cNvGrpSpPr/>
-        <p:nvPr/>
-      </p:nvGrpSpPr>
-      <p:grpSpPr>
-        <a:xfrm>
-          <a:off x="0" y="0"/>
-          <a:ext cx="0" cy="0"/>
-          <a:chOff x="0" y="0"/>
-          <a:chExt cx="0" cy="0"/>
-        </a:xfrm>
-      </p:grpSpPr>
-      <p:sp>
-        <p:nvSpPr>
-          <p:cNvPr id="5" name="Google Shape;1106;p152">
-            <a:extLst>
-              <a:ext uri="{FF2B5EF4-FFF2-40B4-BE49-F238E27FC236}">
-                <a16:creationId xmlns:a16="http://schemas.microsoft.com/office/drawing/2014/main" id="{0CBA1713-E469-4351-A826-1C43F2AAC901}"/>
-              </a:ext>
-            </a:extLst>
-          </p:cNvPr>
-          <p:cNvSpPr txBox="1">
-            <a:spLocks noGrp="1"/>
-          </p:cNvSpPr>
-          <p:nvPr>
-            <p:ph type="title"/>
-          </p:nvPr>
-        </p:nvSpPr>
-        <p:spPr>
-          <a:xfrm>
-            <a:off x="411982" y="274637"/>
-            <a:ext cx="11170418" cy="740247"/>
-          </a:xfrm>
-          <a:prstGeom prst="rect">
-            <a:avLst/>
-          </a:prstGeom>
-        </p:spPr>
-        <p:txBody>
-          <a:bodyPr spcFirstLastPara="1" vert="horz" wrap="square" lIns="121900" tIns="121900" rIns="121900" bIns="121900" rtlCol="0" anchor="b" anchorCtr="0">
-            <a:noAutofit/>
-          </a:bodyPr>
-          <a:lstStyle/>
-          <a:p>
-            <a:r>
-              <a:rPr lang="en-US" dirty="0"/>
-              <a:t>Volumes and Volume mounts</a:t>
-            </a:r>
-            <a:endParaRPr dirty="0"/>
-          </a:p>
-        </p:txBody>
-      </p:sp>
-      <p:sp>
-        <p:nvSpPr>
-          <p:cNvPr id="4" name="Rectangle 3">
-            <a:extLst>
-              <a:ext uri="{FF2B5EF4-FFF2-40B4-BE49-F238E27FC236}">
-                <a16:creationId xmlns:a16="http://schemas.microsoft.com/office/drawing/2014/main" id="{C3BC01C9-DD70-4D3B-BF73-A024CA66AD05}"/>
-              </a:ext>
-            </a:extLst>
-          </p:cNvPr>
-          <p:cNvSpPr/>
-          <p:nvPr/>
-        </p:nvSpPr>
-        <p:spPr>
-          <a:xfrm>
-            <a:off x="657620" y="1691059"/>
-            <a:ext cx="5787002" cy="461665"/>
-          </a:xfrm>
-          <a:prstGeom prst="rect">
-            <a:avLst/>
-          </a:prstGeom>
-        </p:spPr>
-        <p:txBody>
-          <a:bodyPr wrap="square">
-            <a:spAutoFit/>
-          </a:bodyPr>
-          <a:lstStyle/>
-          <a:p>
-            <a:pPr marL="342900" indent="-342900">
-              <a:buFont typeface="Arial" panose="020B0604020202020204" pitchFamily="34" charset="0"/>
-              <a:buChar char="•"/>
-            </a:pPr>
-            <a:r>
-              <a:rPr lang="en-US" sz="2400" dirty="0"/>
-              <a:t>A volume references a storage location</a:t>
-            </a:r>
-          </a:p>
-        </p:txBody>
-      </p:sp>
-      <p:sp>
-        <p:nvSpPr>
-          <p:cNvPr id="7" name="Rectangle 6">
-            <a:extLst>
-              <a:ext uri="{FF2B5EF4-FFF2-40B4-BE49-F238E27FC236}">
-                <a16:creationId xmlns:a16="http://schemas.microsoft.com/office/drawing/2014/main" id="{AD136D74-A6CB-4B2D-9ADC-F974978B9F91}"/>
-              </a:ext>
-            </a:extLst>
-          </p:cNvPr>
-          <p:cNvSpPr/>
-          <p:nvPr/>
-        </p:nvSpPr>
-        <p:spPr>
-          <a:xfrm>
-            <a:off x="657620" y="2486962"/>
-            <a:ext cx="4988426" cy="461665"/>
-          </a:xfrm>
-          <a:prstGeom prst="rect">
-            <a:avLst/>
-          </a:prstGeom>
-        </p:spPr>
-        <p:txBody>
-          <a:bodyPr wrap="square">
-            <a:spAutoFit/>
-          </a:bodyPr>
-          <a:lstStyle/>
-          <a:p>
-            <a:pPr marL="342900" indent="-342900">
-              <a:buFont typeface="Arial" panose="020B0604020202020204" pitchFamily="34" charset="0"/>
-              <a:buChar char="•"/>
-            </a:pPr>
-            <a:r>
-              <a:rPr lang="en-US" sz="2400" dirty="0"/>
-              <a:t>Must have a unique name</a:t>
-            </a:r>
-          </a:p>
-        </p:txBody>
-      </p:sp>
-      <p:sp>
-        <p:nvSpPr>
-          <p:cNvPr id="8" name="Rectangle 7">
-            <a:extLst>
-              <a:ext uri="{FF2B5EF4-FFF2-40B4-BE49-F238E27FC236}">
-                <a16:creationId xmlns:a16="http://schemas.microsoft.com/office/drawing/2014/main" id="{A1D16C3B-74A8-4CA7-966C-2B58F118922D}"/>
-              </a:ext>
-            </a:extLst>
-          </p:cNvPr>
-          <p:cNvSpPr/>
-          <p:nvPr/>
-        </p:nvSpPr>
-        <p:spPr>
-          <a:xfrm>
-            <a:off x="657620" y="3189520"/>
-            <a:ext cx="5665081" cy="830997"/>
-          </a:xfrm>
-          <a:prstGeom prst="rect">
-            <a:avLst/>
-          </a:prstGeom>
-        </p:spPr>
-        <p:txBody>
-          <a:bodyPr wrap="square">
-            <a:spAutoFit/>
-          </a:bodyPr>
-          <a:lstStyle/>
-          <a:p>
-            <a:pPr marL="342900" indent="-342900">
-              <a:buFont typeface="Arial" panose="020B0604020202020204" pitchFamily="34" charset="0"/>
-              <a:buChar char="•"/>
-            </a:pPr>
-            <a:r>
-              <a:rPr lang="en-US" sz="2400" dirty="0"/>
-              <a:t>Attached to pod and may or may not be tied to the Pod’s lifetime </a:t>
-            </a:r>
-          </a:p>
-        </p:txBody>
-      </p:sp>
-      <p:sp>
-        <p:nvSpPr>
-          <p:cNvPr id="10" name="Rectangle 9">
-            <a:extLst>
-              <a:ext uri="{FF2B5EF4-FFF2-40B4-BE49-F238E27FC236}">
-                <a16:creationId xmlns:a16="http://schemas.microsoft.com/office/drawing/2014/main" id="{DD74F586-517B-4153-A115-B71650EE0B6A}"/>
-              </a:ext>
-            </a:extLst>
-          </p:cNvPr>
-          <p:cNvSpPr/>
-          <p:nvPr/>
-        </p:nvSpPr>
-        <p:spPr>
-          <a:xfrm>
-            <a:off x="708286" y="4354755"/>
-            <a:ext cx="5387713" cy="830997"/>
-          </a:xfrm>
-          <a:prstGeom prst="rect">
-            <a:avLst/>
-          </a:prstGeom>
-        </p:spPr>
-        <p:txBody>
-          <a:bodyPr wrap="square">
-            <a:spAutoFit/>
-          </a:bodyPr>
-          <a:lstStyle/>
-          <a:p>
-            <a:pPr marL="342900" indent="-342900">
-              <a:buFont typeface="Arial" panose="020B0604020202020204" pitchFamily="34" charset="0"/>
-              <a:buChar char="•"/>
-            </a:pPr>
-            <a:r>
-              <a:rPr lang="en-US" sz="2400" dirty="0"/>
-              <a:t>A volume mount references a volume by name and defines a </a:t>
-            </a:r>
-            <a:r>
-              <a:rPr lang="en-US" sz="2400" dirty="0" err="1"/>
-              <a:t>mountPath</a:t>
-            </a:r>
-            <a:endParaRPr lang="en-US" sz="2400" dirty="0"/>
-          </a:p>
-        </p:txBody>
-      </p:sp>
-      <p:pic>
-        <p:nvPicPr>
-          <p:cNvPr id="11" name="Picture 10">
-            <a:extLst>
-              <a:ext uri="{FF2B5EF4-FFF2-40B4-BE49-F238E27FC236}">
-                <a16:creationId xmlns:a16="http://schemas.microsoft.com/office/drawing/2014/main" id="{CDAEBEDF-4E69-4D67-8ADA-ED9C0232FBBA}"/>
-              </a:ext>
-            </a:extLst>
-          </p:cNvPr>
-          <p:cNvPicPr>
-            <a:picLocks noChangeAspect="1"/>
-          </p:cNvPicPr>
-          <p:nvPr/>
-        </p:nvPicPr>
-        <p:blipFill>
-          <a:blip r:embed="rId2">
-            <a:extLst>
-              <a:ext uri="{28A0092B-C50C-407E-A947-70E740481C1C}">
-                <a14:useLocalDpi xmlns:a14="http://schemas.microsoft.com/office/drawing/2010/main" val="0"/>
-              </a:ext>
-            </a:extLst>
-          </a:blip>
-          <a:stretch>
-            <a:fillRect/>
-          </a:stretch>
-        </p:blipFill>
-        <p:spPr>
-          <a:xfrm>
-            <a:off x="7500670" y="2503407"/>
-            <a:ext cx="3276190" cy="1314286"/>
-          </a:xfrm>
-          <a:prstGeom prst="rect">
-            <a:avLst/>
-          </a:prstGeom>
-        </p:spPr>
-      </p:pic>
-    </p:spTree>
-    <p:extLst>
-      <p:ext uri="{BB962C8B-B14F-4D97-AF65-F5344CB8AC3E}">
-        <p14:creationId xmlns:p14="http://schemas.microsoft.com/office/powerpoint/2010/main" val="1197790092"/>
-      </p:ext>
-    </p:extLst>
-  </p:cSld>
-  <p:clrMapOvr>
-    <a:masterClrMapping/>
-  </p:clrMapOvr>
-</p:sld>
-</file>
-
-<file path=ppt/slides/slide12.xml><?xml version="1.0" encoding="utf-8"?>
-<p:sld xmlns:a="http://schemas.openxmlformats.org/drawingml/2006/main" xmlns:r="http://schemas.openxmlformats.org/officeDocument/2006/relationships" xmlns:p="http://schemas.openxmlformats.org/presentationml/2006/main">
-  <p:cSld>
-    <p:spTree>
-      <p:nvGrpSpPr>
-        <p:cNvPr id="1" name=""/>
-        <p:cNvGrpSpPr/>
-        <p:nvPr/>
-      </p:nvGrpSpPr>
-      <p:grpSpPr>
-        <a:xfrm>
-          <a:off x="0" y="0"/>
-          <a:ext cx="0" cy="0"/>
-          <a:chOff x="0" y="0"/>
-          <a:chExt cx="0" cy="0"/>
-        </a:xfrm>
-      </p:grpSpPr>
-      <p:sp>
-        <p:nvSpPr>
-          <p:cNvPr id="5" name="Google Shape;1106;p152">
-            <a:extLst>
-              <a:ext uri="{FF2B5EF4-FFF2-40B4-BE49-F238E27FC236}">
-                <a16:creationId xmlns:a16="http://schemas.microsoft.com/office/drawing/2014/main" id="{0CBA1713-E469-4351-A826-1C43F2AAC901}"/>
-              </a:ext>
-            </a:extLst>
-          </p:cNvPr>
-          <p:cNvSpPr txBox="1">
-            <a:spLocks noGrp="1"/>
-          </p:cNvSpPr>
-          <p:nvPr>
-            <p:ph type="title"/>
-          </p:nvPr>
-        </p:nvSpPr>
-        <p:spPr>
-          <a:xfrm>
-            <a:off x="416929" y="52399"/>
-            <a:ext cx="11170418" cy="740247"/>
-          </a:xfrm>
-          <a:prstGeom prst="rect">
-            <a:avLst/>
-          </a:prstGeom>
-        </p:spPr>
-        <p:txBody>
-          <a:bodyPr spcFirstLastPara="1" vert="horz" wrap="square" lIns="121900" tIns="121900" rIns="121900" bIns="121900" rtlCol="0" anchor="b" anchorCtr="0">
-            <a:noAutofit/>
-          </a:bodyPr>
-          <a:lstStyle/>
-          <a:p>
-            <a:r>
-              <a:rPr lang="en-US" dirty="0"/>
-              <a:t>Volume type examples</a:t>
-            </a:r>
-            <a:endParaRPr dirty="0"/>
-          </a:p>
-        </p:txBody>
-      </p:sp>
-      <p:sp>
-        <p:nvSpPr>
-          <p:cNvPr id="4" name="Rectangle 3">
-            <a:extLst>
-              <a:ext uri="{FF2B5EF4-FFF2-40B4-BE49-F238E27FC236}">
-                <a16:creationId xmlns:a16="http://schemas.microsoft.com/office/drawing/2014/main" id="{C3BC01C9-DD70-4D3B-BF73-A024CA66AD05}"/>
-              </a:ext>
-            </a:extLst>
-          </p:cNvPr>
-          <p:cNvSpPr/>
-          <p:nvPr/>
-        </p:nvSpPr>
-        <p:spPr>
-          <a:xfrm>
-            <a:off x="604652" y="792646"/>
-            <a:ext cx="6896018" cy="1200329"/>
-          </a:xfrm>
-          <a:prstGeom prst="rect">
-            <a:avLst/>
-          </a:prstGeom>
-        </p:spPr>
-        <p:txBody>
-          <a:bodyPr wrap="square">
-            <a:spAutoFit/>
-          </a:bodyPr>
-          <a:lstStyle/>
-          <a:p>
-            <a:pPr marL="342900" indent="-342900">
-              <a:buFont typeface="Arial" panose="020B0604020202020204" pitchFamily="34" charset="0"/>
-              <a:buChar char="•"/>
-            </a:pPr>
-            <a:r>
-              <a:rPr lang="en-US" sz="2400" b="1" dirty="0" err="1"/>
-              <a:t>emptyDir</a:t>
-            </a:r>
-            <a:r>
-              <a:rPr lang="en-US" sz="2400" b="1" dirty="0"/>
-              <a:t> – </a:t>
-            </a:r>
-            <a:r>
-              <a:rPr lang="en-US" sz="2400" dirty="0"/>
-              <a:t>Empty directory for storing “transient” data (shares a Pod’s lifetime) useful for sharing files between containers running in a Pod </a:t>
-            </a:r>
-            <a:endParaRPr lang="en-US" sz="2400" b="1" dirty="0"/>
-          </a:p>
-        </p:txBody>
-      </p:sp>
-      <p:pic>
-        <p:nvPicPr>
-          <p:cNvPr id="11" name="Picture 10">
-            <a:extLst>
-              <a:ext uri="{FF2B5EF4-FFF2-40B4-BE49-F238E27FC236}">
-                <a16:creationId xmlns:a16="http://schemas.microsoft.com/office/drawing/2014/main" id="{CDAEBEDF-4E69-4D67-8ADA-ED9C0232FBBA}"/>
-              </a:ext>
-            </a:extLst>
-          </p:cNvPr>
-          <p:cNvPicPr>
-            <a:picLocks noChangeAspect="1"/>
-          </p:cNvPicPr>
-          <p:nvPr/>
-        </p:nvPicPr>
-        <p:blipFill>
-          <a:blip r:embed="rId2">
-            <a:extLst>
-              <a:ext uri="{28A0092B-C50C-407E-A947-70E740481C1C}">
-                <a14:useLocalDpi xmlns:a14="http://schemas.microsoft.com/office/drawing/2010/main" val="0"/>
-              </a:ext>
-            </a:extLst>
-          </a:blip>
-          <a:stretch>
-            <a:fillRect/>
-          </a:stretch>
-        </p:blipFill>
-        <p:spPr>
-          <a:xfrm>
-            <a:off x="7500670" y="2503407"/>
-            <a:ext cx="3276190" cy="1314286"/>
-          </a:xfrm>
-          <a:prstGeom prst="rect">
-            <a:avLst/>
-          </a:prstGeom>
-        </p:spPr>
-      </p:pic>
-      <p:sp>
-        <p:nvSpPr>
-          <p:cNvPr id="12" name="Rectangle 11">
-            <a:extLst>
-              <a:ext uri="{FF2B5EF4-FFF2-40B4-BE49-F238E27FC236}">
-                <a16:creationId xmlns:a16="http://schemas.microsoft.com/office/drawing/2014/main" id="{6DA558C6-07C3-40B5-8D5C-93291DCFF5F9}"/>
-              </a:ext>
-            </a:extLst>
-          </p:cNvPr>
-          <p:cNvSpPr/>
-          <p:nvPr/>
-        </p:nvSpPr>
-        <p:spPr>
-          <a:xfrm>
-            <a:off x="604652" y="1990557"/>
-            <a:ext cx="6811132" cy="461665"/>
-          </a:xfrm>
-          <a:prstGeom prst="rect">
-            <a:avLst/>
-          </a:prstGeom>
-        </p:spPr>
-        <p:txBody>
-          <a:bodyPr wrap="square">
-            <a:spAutoFit/>
-          </a:bodyPr>
-          <a:lstStyle/>
-          <a:p>
-            <a:pPr marL="342900" indent="-342900">
-              <a:buFont typeface="Arial" panose="020B0604020202020204" pitchFamily="34" charset="0"/>
-              <a:buChar char="•"/>
-            </a:pPr>
-            <a:r>
-              <a:rPr lang="en-US" sz="2400" b="1" dirty="0" err="1"/>
-              <a:t>hostPath</a:t>
-            </a:r>
-            <a:r>
-              <a:rPr lang="en-US" sz="2400" b="1" dirty="0"/>
-              <a:t> – </a:t>
-            </a:r>
-            <a:r>
-              <a:rPr lang="en-US" sz="2400" dirty="0"/>
-              <a:t>Pod mounts to the node’s file system</a:t>
-            </a:r>
-            <a:endParaRPr lang="en-US" sz="2400" b="1" dirty="0"/>
-          </a:p>
-        </p:txBody>
-      </p:sp>
-      <p:sp>
-        <p:nvSpPr>
-          <p:cNvPr id="13" name="Rectangle 12">
-            <a:extLst>
-              <a:ext uri="{FF2B5EF4-FFF2-40B4-BE49-F238E27FC236}">
-                <a16:creationId xmlns:a16="http://schemas.microsoft.com/office/drawing/2014/main" id="{B5618721-2FB2-429C-B0B4-2AB1D7587C0D}"/>
-              </a:ext>
-            </a:extLst>
-          </p:cNvPr>
-          <p:cNvSpPr/>
-          <p:nvPr/>
-        </p:nvSpPr>
-        <p:spPr>
-          <a:xfrm>
-            <a:off x="604651" y="2534256"/>
-            <a:ext cx="6811133" cy="830997"/>
-          </a:xfrm>
-          <a:prstGeom prst="rect">
-            <a:avLst/>
-          </a:prstGeom>
-        </p:spPr>
-        <p:txBody>
-          <a:bodyPr wrap="square">
-            <a:spAutoFit/>
-          </a:bodyPr>
-          <a:lstStyle/>
-          <a:p>
-            <a:pPr marL="342900" indent="-342900">
-              <a:buFont typeface="Arial" panose="020B0604020202020204" pitchFamily="34" charset="0"/>
-              <a:buChar char="•"/>
-            </a:pPr>
-            <a:r>
-              <a:rPr lang="en-US" sz="2400" b="1" dirty="0" err="1"/>
-              <a:t>nfs</a:t>
-            </a:r>
-            <a:r>
-              <a:rPr lang="en-US" sz="2400" b="1" dirty="0"/>
-              <a:t> – </a:t>
-            </a:r>
-            <a:r>
-              <a:rPr lang="en-US" sz="2400" dirty="0"/>
-              <a:t>A Network file system share mounted into the Pod</a:t>
-            </a:r>
-            <a:endParaRPr lang="en-US" sz="2400" b="1" dirty="0"/>
-          </a:p>
-        </p:txBody>
-      </p:sp>
-      <p:sp>
-        <p:nvSpPr>
-          <p:cNvPr id="14" name="Rectangle 13">
-            <a:extLst>
-              <a:ext uri="{FF2B5EF4-FFF2-40B4-BE49-F238E27FC236}">
-                <a16:creationId xmlns:a16="http://schemas.microsoft.com/office/drawing/2014/main" id="{BAE2D1BC-4979-4528-BA50-C18DC1EC1206}"/>
-              </a:ext>
-            </a:extLst>
-          </p:cNvPr>
-          <p:cNvSpPr/>
-          <p:nvPr/>
-        </p:nvSpPr>
-        <p:spPr>
-          <a:xfrm>
-            <a:off x="604652" y="4506698"/>
-            <a:ext cx="6180194" cy="1200329"/>
-          </a:xfrm>
-          <a:prstGeom prst="rect">
-            <a:avLst/>
-          </a:prstGeom>
-        </p:spPr>
-        <p:txBody>
-          <a:bodyPr wrap="square">
-            <a:spAutoFit/>
-          </a:bodyPr>
-          <a:lstStyle/>
-          <a:p>
-            <a:pPr marL="342900" indent="-342900">
-              <a:buFont typeface="Arial" panose="020B0604020202020204" pitchFamily="34" charset="0"/>
-              <a:buChar char="•"/>
-            </a:pPr>
-            <a:r>
-              <a:rPr lang="en-US" sz="2400" b="1" dirty="0" err="1"/>
-              <a:t>persistentVolumeClaim</a:t>
-            </a:r>
-            <a:r>
-              <a:rPr lang="en-US" sz="2400" b="1" dirty="0"/>
-              <a:t> - </a:t>
-            </a:r>
-            <a:r>
-              <a:rPr lang="en-US" sz="2400" dirty="0"/>
-              <a:t>Special types of volumes that provide a Pod with access  to Kubernetes resources</a:t>
-            </a:r>
-            <a:endParaRPr lang="en-US" sz="2400" b="1" dirty="0"/>
-          </a:p>
-        </p:txBody>
-      </p:sp>
-      <p:sp>
-        <p:nvSpPr>
-          <p:cNvPr id="15" name="Rectangle 14">
-            <a:extLst>
-              <a:ext uri="{FF2B5EF4-FFF2-40B4-BE49-F238E27FC236}">
-                <a16:creationId xmlns:a16="http://schemas.microsoft.com/office/drawing/2014/main" id="{1AF7AEE9-3119-4D9C-8A4D-BD535AED81C1}"/>
-              </a:ext>
-            </a:extLst>
-          </p:cNvPr>
-          <p:cNvSpPr/>
-          <p:nvPr/>
-        </p:nvSpPr>
-        <p:spPr>
-          <a:xfrm>
-            <a:off x="604650" y="3306369"/>
-            <a:ext cx="6600821" cy="1200329"/>
-          </a:xfrm>
-          <a:prstGeom prst="rect">
-            <a:avLst/>
-          </a:prstGeom>
-        </p:spPr>
-        <p:txBody>
-          <a:bodyPr wrap="square">
-            <a:spAutoFit/>
-          </a:bodyPr>
-          <a:lstStyle/>
-          <a:p>
-            <a:pPr marL="342900" indent="-342900">
-              <a:buFont typeface="Arial" panose="020B0604020202020204" pitchFamily="34" charset="0"/>
-              <a:buChar char="•"/>
-            </a:pPr>
-            <a:r>
-              <a:rPr lang="en-US" sz="2400" b="1" dirty="0" err="1"/>
-              <a:t>configMap</a:t>
-            </a:r>
-            <a:r>
-              <a:rPr lang="en-US" sz="2400" b="1" dirty="0"/>
-              <a:t>/Secret – </a:t>
-            </a:r>
-            <a:r>
-              <a:rPr lang="en-US" sz="2400" dirty="0"/>
-              <a:t>Special types of volumes that provide a Pod with access  to Kubernetes resources</a:t>
-            </a:r>
-            <a:endParaRPr lang="en-US" sz="2400" b="1" dirty="0"/>
-          </a:p>
-        </p:txBody>
-      </p:sp>
-      <p:sp>
-        <p:nvSpPr>
-          <p:cNvPr id="16" name="Rectangle 15">
-            <a:extLst>
-              <a:ext uri="{FF2B5EF4-FFF2-40B4-BE49-F238E27FC236}">
-                <a16:creationId xmlns:a16="http://schemas.microsoft.com/office/drawing/2014/main" id="{886B379A-BF0F-4709-AC2D-042C48DFB301}"/>
-              </a:ext>
-            </a:extLst>
-          </p:cNvPr>
-          <p:cNvSpPr/>
-          <p:nvPr/>
-        </p:nvSpPr>
-        <p:spPr>
-          <a:xfrm>
-            <a:off x="578366" y="5707027"/>
-            <a:ext cx="4988426" cy="461665"/>
-          </a:xfrm>
-          <a:prstGeom prst="rect">
-            <a:avLst/>
-          </a:prstGeom>
-        </p:spPr>
-        <p:txBody>
-          <a:bodyPr wrap="square">
-            <a:spAutoFit/>
-          </a:bodyPr>
-          <a:lstStyle/>
-          <a:p>
-            <a:pPr marL="342900" indent="-342900">
-              <a:buFont typeface="Arial" panose="020B0604020202020204" pitchFamily="34" charset="0"/>
-              <a:buChar char="•"/>
-            </a:pPr>
-            <a:r>
-              <a:rPr lang="en-US" sz="2400" b="1" dirty="0"/>
-              <a:t>Cloud  – </a:t>
-            </a:r>
-            <a:r>
-              <a:rPr lang="en-US" sz="2400" dirty="0"/>
-              <a:t>cluster wide storage</a:t>
-            </a:r>
-            <a:endParaRPr lang="en-US" sz="2400" b="1" dirty="0"/>
-          </a:p>
-        </p:txBody>
-      </p:sp>
-    </p:spTree>
-    <p:extLst>
-      <p:ext uri="{BB962C8B-B14F-4D97-AF65-F5344CB8AC3E}">
-        <p14:creationId xmlns:p14="http://schemas.microsoft.com/office/powerpoint/2010/main" val="4263586865"/>
-      </p:ext>
-    </p:extLst>
-  </p:cSld>
-  <p:clrMapOvr>
-    <a:masterClrMapping/>
-  </p:clrMapOvr>
-</p:sld>
-</file>
-
-<file path=ppt/slides/slide13.xml><?xml version="1.0" encoding="utf-8"?>
-<p:sld xmlns:a="http://schemas.openxmlformats.org/drawingml/2006/main" xmlns:r="http://schemas.openxmlformats.org/officeDocument/2006/relationships" xmlns:p="http://schemas.openxmlformats.org/presentationml/2006/main">
-  <p:cSld>
-    <p:spTree>
-      <p:nvGrpSpPr>
-        <p:cNvPr id="1" name=""/>
-        <p:cNvGrpSpPr/>
-        <p:nvPr/>
-      </p:nvGrpSpPr>
-      <p:grpSpPr>
-        <a:xfrm>
-          <a:off x="0" y="0"/>
-          <a:ext cx="0" cy="0"/>
-          <a:chOff x="0" y="0"/>
-          <a:chExt cx="0" cy="0"/>
-        </a:xfrm>
-      </p:grpSpPr>
-      <p:sp>
-        <p:nvSpPr>
-          <p:cNvPr id="4" name="Google Shape;1005;p139">
-            <a:extLst>
-              <a:ext uri="{FF2B5EF4-FFF2-40B4-BE49-F238E27FC236}">
-                <a16:creationId xmlns:a16="http://schemas.microsoft.com/office/drawing/2014/main" id="{A02F0239-9470-48AC-9E4D-0A7AF983F014}"/>
-              </a:ext>
-            </a:extLst>
-          </p:cNvPr>
-          <p:cNvSpPr txBox="1">
-            <a:spLocks noGrp="1"/>
-          </p:cNvSpPr>
-          <p:nvPr>
-            <p:ph type="title"/>
-          </p:nvPr>
-        </p:nvSpPr>
-        <p:spPr>
-          <a:xfrm>
-            <a:off x="609600" y="274637"/>
-            <a:ext cx="10972800" cy="1143200"/>
-          </a:xfrm>
-          <a:prstGeom prst="rect">
-            <a:avLst/>
-          </a:prstGeom>
-        </p:spPr>
-        <p:txBody>
-          <a:bodyPr spcFirstLastPara="1" vert="horz" wrap="square" lIns="121900" tIns="121900" rIns="121900" bIns="121900" rtlCol="0" anchor="b" anchorCtr="0">
-            <a:noAutofit/>
-          </a:bodyPr>
-          <a:lstStyle/>
-          <a:p>
-            <a:r>
-              <a:rPr lang="en"/>
-              <a:t>Volume Types</a:t>
-            </a:r>
-            <a:endParaRPr/>
-          </a:p>
-        </p:txBody>
-      </p:sp>
-      <p:sp>
-        <p:nvSpPr>
-          <p:cNvPr id="5" name="Google Shape;1006;p139">
-            <a:extLst>
-              <a:ext uri="{FF2B5EF4-FFF2-40B4-BE49-F238E27FC236}">
-                <a16:creationId xmlns:a16="http://schemas.microsoft.com/office/drawing/2014/main" id="{D7928E10-063E-4EE1-BC17-761737E86964}"/>
-              </a:ext>
-            </a:extLst>
-          </p:cNvPr>
-          <p:cNvSpPr txBox="1"/>
-          <p:nvPr/>
-        </p:nvSpPr>
-        <p:spPr>
-          <a:xfrm>
-            <a:off x="609600" y="2047133"/>
-            <a:ext cx="3833200" cy="3645600"/>
-          </a:xfrm>
-          <a:prstGeom prst="rect">
-            <a:avLst/>
-          </a:prstGeom>
-          <a:noFill/>
-          <a:ln>
-            <a:noFill/>
-          </a:ln>
-        </p:spPr>
-        <p:txBody>
-          <a:bodyPr spcFirstLastPara="1" wrap="square" lIns="121900" tIns="121900" rIns="121900" bIns="121900" anchor="t" anchorCtr="0">
-            <a:noAutofit/>
-          </a:bodyPr>
-          <a:lstStyle/>
-          <a:p>
-            <a:pPr marL="609585" indent="-457189">
-              <a:buClr>
-                <a:srgbClr val="1155CC"/>
-              </a:buClr>
-              <a:buSzPts val="1800"/>
-              <a:buChar char="●"/>
-            </a:pPr>
-            <a:r>
-              <a:rPr lang="en" sz="2400" dirty="0"/>
-              <a:t>awsElasticBlockStore</a:t>
-            </a:r>
-            <a:endParaRPr sz="2400" dirty="0"/>
-          </a:p>
-          <a:p>
-            <a:pPr marL="609585" indent="-457189">
-              <a:buClr>
-                <a:srgbClr val="1155CC"/>
-              </a:buClr>
-              <a:buSzPts val="1800"/>
-              <a:buChar char="●"/>
-            </a:pPr>
-            <a:r>
-              <a:rPr lang="en" sz="2400" dirty="0"/>
-              <a:t>azureDisk</a:t>
-            </a:r>
-            <a:endParaRPr sz="2400" dirty="0"/>
-          </a:p>
-          <a:p>
-            <a:pPr marL="609585" indent="-457189">
-              <a:buClr>
-                <a:srgbClr val="1155CC"/>
-              </a:buClr>
-              <a:buSzPts val="1800"/>
-              <a:buChar char="●"/>
-            </a:pPr>
-            <a:r>
-              <a:rPr lang="en" sz="2400" dirty="0"/>
-              <a:t>azureFile</a:t>
-            </a:r>
-            <a:endParaRPr sz="2400" dirty="0"/>
-          </a:p>
-          <a:p>
-            <a:pPr marL="609585" indent="-457189">
-              <a:buClr>
-                <a:srgbClr val="1155CC"/>
-              </a:buClr>
-              <a:buSzPts val="1800"/>
-              <a:buChar char="●"/>
-            </a:pPr>
-            <a:r>
-              <a:rPr lang="en" sz="2400" dirty="0"/>
-              <a:t>cephfs</a:t>
-            </a:r>
-            <a:endParaRPr sz="2400" dirty="0"/>
-          </a:p>
-          <a:p>
-            <a:pPr marL="609585" indent="-457189">
-              <a:buClr>
-                <a:schemeClr val="dk1"/>
-              </a:buClr>
-              <a:buSzPts val="1800"/>
-              <a:buChar char="●"/>
-            </a:pPr>
-            <a:r>
-              <a:rPr lang="en" sz="2400" dirty="0"/>
-              <a:t>configMap</a:t>
-            </a:r>
-            <a:endParaRPr sz="2400" dirty="0"/>
-          </a:p>
-          <a:p>
-            <a:pPr marL="609585" indent="-457189">
-              <a:buClr>
-                <a:srgbClr val="1155CC"/>
-              </a:buClr>
-              <a:buSzPts val="1800"/>
-              <a:buChar char="●"/>
-            </a:pPr>
-            <a:r>
-              <a:rPr lang="en" sz="2400" dirty="0"/>
-              <a:t>csi</a:t>
-            </a:r>
-            <a:endParaRPr sz="2400" dirty="0"/>
-          </a:p>
-          <a:p>
-            <a:pPr marL="609585" indent="-457189">
-              <a:buClr>
-                <a:schemeClr val="dk1"/>
-              </a:buClr>
-              <a:buSzPts val="1800"/>
-              <a:buChar char="●"/>
-            </a:pPr>
-            <a:r>
-              <a:rPr lang="en" sz="2400" dirty="0"/>
-              <a:t>downwardAPI</a:t>
-            </a:r>
-            <a:endParaRPr sz="2400" dirty="0"/>
-          </a:p>
-          <a:p>
-            <a:pPr marL="609585" indent="-457189">
-              <a:buClr>
-                <a:schemeClr val="dk1"/>
-              </a:buClr>
-              <a:buSzPts val="1800"/>
-              <a:buChar char="●"/>
-            </a:pPr>
-            <a:r>
-              <a:rPr lang="en" sz="2400" dirty="0"/>
-              <a:t>emptyDir</a:t>
-            </a:r>
-            <a:endParaRPr sz="2400" dirty="0"/>
-          </a:p>
-          <a:p>
-            <a:pPr marL="609585" indent="-457189">
-              <a:buClr>
-                <a:srgbClr val="1155CC"/>
-              </a:buClr>
-              <a:buSzPts val="1800"/>
-              <a:buChar char="●"/>
-            </a:pPr>
-            <a:r>
-              <a:rPr lang="en" sz="2400" dirty="0"/>
-              <a:t>fc (fibre channel)</a:t>
-            </a:r>
-            <a:endParaRPr sz="2400" dirty="0"/>
-          </a:p>
-        </p:txBody>
-      </p:sp>
-      <p:sp>
-        <p:nvSpPr>
-          <p:cNvPr id="6" name="Google Shape;1007;p139">
-            <a:extLst>
-              <a:ext uri="{FF2B5EF4-FFF2-40B4-BE49-F238E27FC236}">
-                <a16:creationId xmlns:a16="http://schemas.microsoft.com/office/drawing/2014/main" id="{6E7647C1-5FE6-48A2-AAF9-78F0081CEAD0}"/>
-              </a:ext>
-            </a:extLst>
-          </p:cNvPr>
-          <p:cNvSpPr txBox="1"/>
-          <p:nvPr/>
-        </p:nvSpPr>
-        <p:spPr>
-          <a:xfrm>
-            <a:off x="4343400" y="2047133"/>
-            <a:ext cx="3359600" cy="3770400"/>
-          </a:xfrm>
-          <a:prstGeom prst="rect">
-            <a:avLst/>
-          </a:prstGeom>
-          <a:noFill/>
-          <a:ln>
-            <a:noFill/>
-          </a:ln>
-        </p:spPr>
-        <p:txBody>
-          <a:bodyPr spcFirstLastPara="1" wrap="square" lIns="121900" tIns="121900" rIns="121900" bIns="121900" anchor="t" anchorCtr="0">
-            <a:noAutofit/>
-          </a:bodyPr>
-          <a:lstStyle/>
-          <a:p>
-            <a:pPr marL="609585" indent="-457189">
-              <a:buClr>
-                <a:srgbClr val="1155CC"/>
-              </a:buClr>
-              <a:buSzPts val="1800"/>
-              <a:buChar char="●"/>
-            </a:pPr>
-            <a:r>
-              <a:rPr lang="en" sz="2400" dirty="0"/>
-              <a:t>flocker</a:t>
-            </a:r>
-            <a:endParaRPr sz="2400" dirty="0"/>
-          </a:p>
-          <a:p>
-            <a:pPr marL="609585" indent="-457189">
-              <a:buClr>
-                <a:srgbClr val="1155CC"/>
-              </a:buClr>
-              <a:buSzPts val="1800"/>
-              <a:buChar char="●"/>
-            </a:pPr>
-            <a:r>
-              <a:rPr lang="en" sz="2400" dirty="0"/>
-              <a:t>gcePersistentDisk</a:t>
-            </a:r>
-            <a:endParaRPr sz="2400" dirty="0"/>
-          </a:p>
-          <a:p>
-            <a:pPr marL="609585" indent="-457189">
-              <a:buClr>
-                <a:schemeClr val="dk1"/>
-              </a:buClr>
-              <a:buSzPts val="1800"/>
-              <a:buChar char="●"/>
-            </a:pPr>
-            <a:r>
-              <a:rPr lang="en" sz="2400" dirty="0"/>
-              <a:t>gitRepo</a:t>
-            </a:r>
-            <a:endParaRPr sz="2400" dirty="0"/>
-          </a:p>
-          <a:p>
-            <a:pPr marL="609585" indent="-457189">
-              <a:buClr>
-                <a:srgbClr val="1155CC"/>
-              </a:buClr>
-              <a:buSzPts val="1800"/>
-              <a:buChar char="●"/>
-            </a:pPr>
-            <a:r>
-              <a:rPr lang="en" sz="2400" dirty="0"/>
-              <a:t>glusterfs</a:t>
-            </a:r>
-            <a:endParaRPr sz="2400" dirty="0"/>
-          </a:p>
-          <a:p>
-            <a:pPr marL="609585" indent="-457189">
-              <a:buClr>
-                <a:schemeClr val="dk1"/>
-              </a:buClr>
-              <a:buSzPts val="1800"/>
-              <a:buChar char="●"/>
-            </a:pPr>
-            <a:r>
-              <a:rPr lang="en" sz="2400" dirty="0"/>
-              <a:t>hostPath</a:t>
-            </a:r>
-            <a:endParaRPr sz="2400" dirty="0"/>
-          </a:p>
-          <a:p>
-            <a:pPr marL="609585" indent="-457189">
-              <a:buClr>
-                <a:srgbClr val="1155CC"/>
-              </a:buClr>
-              <a:buSzPts val="1800"/>
-              <a:buChar char="●"/>
-            </a:pPr>
-            <a:r>
-              <a:rPr lang="en" sz="2400" dirty="0"/>
-              <a:t>iscsi</a:t>
-            </a:r>
-            <a:endParaRPr sz="2400" dirty="0"/>
-          </a:p>
-          <a:p>
-            <a:pPr marL="609585" indent="-457189">
-              <a:buClr>
-                <a:schemeClr val="dk1"/>
-              </a:buClr>
-              <a:buSzPts val="1800"/>
-              <a:buChar char="●"/>
-            </a:pPr>
-            <a:r>
-              <a:rPr lang="en" sz="2400" dirty="0"/>
-              <a:t>local</a:t>
-            </a:r>
-            <a:endParaRPr sz="2400" dirty="0"/>
-          </a:p>
-          <a:p>
-            <a:pPr marL="609585" indent="-457189">
-              <a:buClr>
-                <a:srgbClr val="1155CC"/>
-              </a:buClr>
-              <a:buSzPts val="1800"/>
-              <a:buChar char="●"/>
-            </a:pPr>
-            <a:r>
-              <a:rPr lang="en" sz="2400" dirty="0"/>
-              <a:t>nfs</a:t>
-            </a:r>
-            <a:endParaRPr sz="2400" dirty="0"/>
-          </a:p>
-          <a:p>
-            <a:pPr marL="609585" indent="-457189">
-              <a:buClr>
-                <a:srgbClr val="1155CC"/>
-              </a:buClr>
-              <a:buSzPts val="1800"/>
-              <a:buChar char="●"/>
-            </a:pPr>
-            <a:r>
-              <a:rPr lang="en" sz="2400" dirty="0"/>
-              <a:t>persistentVolumeClaim</a:t>
-            </a:r>
-            <a:endParaRPr sz="2400" dirty="0"/>
-          </a:p>
-        </p:txBody>
-      </p:sp>
-      <p:sp>
-        <p:nvSpPr>
-          <p:cNvPr id="7" name="Google Shape;1008;p139">
-            <a:extLst>
-              <a:ext uri="{FF2B5EF4-FFF2-40B4-BE49-F238E27FC236}">
-                <a16:creationId xmlns:a16="http://schemas.microsoft.com/office/drawing/2014/main" id="{7364DE8D-67D9-481C-AD9A-9FF1334C02D5}"/>
-              </a:ext>
-            </a:extLst>
-          </p:cNvPr>
-          <p:cNvSpPr txBox="1"/>
-          <p:nvPr/>
-        </p:nvSpPr>
-        <p:spPr>
-          <a:xfrm>
-            <a:off x="7547200" y="2047133"/>
-            <a:ext cx="4035200" cy="4143200"/>
-          </a:xfrm>
-          <a:prstGeom prst="rect">
-            <a:avLst/>
-          </a:prstGeom>
-          <a:noFill/>
-          <a:ln>
-            <a:noFill/>
-          </a:ln>
-        </p:spPr>
-        <p:txBody>
-          <a:bodyPr spcFirstLastPara="1" wrap="square" lIns="121900" tIns="121900" rIns="121900" bIns="121900" anchor="t" anchorCtr="0">
-            <a:noAutofit/>
-          </a:bodyPr>
-          <a:lstStyle/>
-          <a:p>
-            <a:pPr marL="609585" indent="-457189">
-              <a:buClr>
-                <a:schemeClr val="dk1"/>
-              </a:buClr>
-              <a:buSzPts val="1800"/>
-              <a:buChar char="●"/>
-            </a:pPr>
-            <a:r>
-              <a:rPr lang="en" sz="2400" dirty="0">
-                <a:solidFill>
-                  <a:schemeClr val="dk1"/>
-                </a:solidFill>
-              </a:rPr>
-              <a:t>projected</a:t>
-            </a:r>
-            <a:endParaRPr sz="2400" dirty="0">
-              <a:solidFill>
-                <a:schemeClr val="dk1"/>
-              </a:solidFill>
-            </a:endParaRPr>
-          </a:p>
-          <a:p>
-            <a:pPr marL="609585" indent="-457189">
-              <a:buClr>
-                <a:srgbClr val="1155CC"/>
-              </a:buClr>
-              <a:buSzPts val="1800"/>
-              <a:buChar char="●"/>
-            </a:pPr>
-            <a:r>
-              <a:rPr lang="en" sz="2400" dirty="0">
-                <a:solidFill>
-                  <a:srgbClr val="1155CC"/>
-                </a:solidFill>
-              </a:rPr>
-              <a:t>portworxVolume</a:t>
-            </a:r>
-            <a:endParaRPr sz="2400" dirty="0">
-              <a:solidFill>
-                <a:srgbClr val="1155CC"/>
-              </a:solidFill>
-            </a:endParaRPr>
-          </a:p>
-          <a:p>
-            <a:pPr marL="609585" indent="-457189">
-              <a:buClr>
-                <a:srgbClr val="1155CC"/>
-              </a:buClr>
-              <a:buSzPts val="1800"/>
-              <a:buChar char="●"/>
-            </a:pPr>
-            <a:r>
-              <a:rPr lang="en" sz="2400" dirty="0">
-                <a:solidFill>
-                  <a:srgbClr val="1155CC"/>
-                </a:solidFill>
-              </a:rPr>
-              <a:t>quobyte</a:t>
-            </a:r>
-            <a:endParaRPr sz="2400" dirty="0">
-              <a:solidFill>
-                <a:srgbClr val="1155CC"/>
-              </a:solidFill>
-            </a:endParaRPr>
-          </a:p>
-          <a:p>
-            <a:pPr marL="609585" indent="-457189">
-              <a:buClr>
-                <a:srgbClr val="1155CC"/>
-              </a:buClr>
-              <a:buSzPts val="1800"/>
-              <a:buChar char="●"/>
-            </a:pPr>
-            <a:r>
-              <a:rPr lang="en" sz="2400" dirty="0">
-                <a:solidFill>
-                  <a:srgbClr val="1155CC"/>
-                </a:solidFill>
-              </a:rPr>
-              <a:t>rbd</a:t>
-            </a:r>
-            <a:endParaRPr sz="2400" dirty="0">
-              <a:solidFill>
-                <a:srgbClr val="1155CC"/>
-              </a:solidFill>
-            </a:endParaRPr>
-          </a:p>
-          <a:p>
-            <a:pPr marL="609585" indent="-457189">
-              <a:buClr>
-                <a:srgbClr val="1155CC"/>
-              </a:buClr>
-              <a:buSzPts val="1800"/>
-              <a:buChar char="●"/>
-            </a:pPr>
-            <a:r>
-              <a:rPr lang="en" sz="2400" dirty="0">
-                <a:solidFill>
-                  <a:srgbClr val="1155CC"/>
-                </a:solidFill>
-              </a:rPr>
-              <a:t>scaleIO</a:t>
-            </a:r>
-            <a:endParaRPr sz="2400" dirty="0">
-              <a:solidFill>
-                <a:srgbClr val="1155CC"/>
-              </a:solidFill>
-            </a:endParaRPr>
-          </a:p>
-          <a:p>
-            <a:pPr marL="609585" indent="-457189">
-              <a:buClr>
-                <a:schemeClr val="dk1"/>
-              </a:buClr>
-              <a:buSzPts val="1800"/>
-              <a:buChar char="●"/>
-            </a:pPr>
-            <a:r>
-              <a:rPr lang="en" sz="2400" dirty="0">
-                <a:solidFill>
-                  <a:schemeClr val="dk1"/>
-                </a:solidFill>
-              </a:rPr>
-              <a:t>secret</a:t>
-            </a:r>
-            <a:endParaRPr sz="2400" dirty="0">
-              <a:solidFill>
-                <a:schemeClr val="dk1"/>
-              </a:solidFill>
-            </a:endParaRPr>
-          </a:p>
-          <a:p>
-            <a:pPr marL="609585" indent="-457189">
-              <a:buClr>
-                <a:srgbClr val="1155CC"/>
-              </a:buClr>
-              <a:buSzPts val="1800"/>
-              <a:buChar char="●"/>
-            </a:pPr>
-            <a:r>
-              <a:rPr lang="en" sz="2400" dirty="0">
-                <a:solidFill>
-                  <a:srgbClr val="1155CC"/>
-                </a:solidFill>
-              </a:rPr>
-              <a:t>storageos</a:t>
-            </a:r>
-            <a:endParaRPr sz="2400" dirty="0">
-              <a:solidFill>
-                <a:srgbClr val="1155CC"/>
-              </a:solidFill>
-            </a:endParaRPr>
-          </a:p>
-          <a:p>
-            <a:pPr marL="609585" indent="-457189">
-              <a:buClr>
-                <a:srgbClr val="1155CC"/>
-              </a:buClr>
-              <a:buSzPts val="1800"/>
-              <a:buChar char="●"/>
-            </a:pPr>
-            <a:r>
-              <a:rPr lang="en" sz="2400" dirty="0">
-                <a:solidFill>
-                  <a:srgbClr val="1155CC"/>
-                </a:solidFill>
-              </a:rPr>
-              <a:t>vsphereVolume</a:t>
-            </a:r>
-            <a:endParaRPr sz="2400" dirty="0">
-              <a:solidFill>
-                <a:srgbClr val="1155CC"/>
-              </a:solidFill>
-            </a:endParaRPr>
-          </a:p>
-          <a:p>
-            <a:endParaRPr sz="2400" dirty="0">
-              <a:solidFill>
-                <a:schemeClr val="dk1"/>
-              </a:solidFill>
-            </a:endParaRPr>
-          </a:p>
-        </p:txBody>
-      </p:sp>
-    </p:spTree>
-    <p:extLst>
-      <p:ext uri="{BB962C8B-B14F-4D97-AF65-F5344CB8AC3E}">
-        <p14:creationId xmlns:p14="http://schemas.microsoft.com/office/powerpoint/2010/main" val="570526883"/>
-      </p:ext>
-    </p:extLst>
-  </p:cSld>
-  <p:clrMapOvr>
-    <a:masterClrMapping/>
-  </p:clrMapOvr>
-</p:sld>
-</file>
-
-<file path=ppt/slides/slide14.xml><?xml version="1.0" encoding="utf-8"?>
-<p:sld xmlns:a="http://schemas.openxmlformats.org/drawingml/2006/main" xmlns:r="http://schemas.openxmlformats.org/officeDocument/2006/relationships" xmlns:p="http://schemas.openxmlformats.org/presentationml/2006/main">
-  <p:cSld>
-    <p:spTree>
-      <p:nvGrpSpPr>
-        <p:cNvPr id="1" name=""/>
-        <p:cNvGrpSpPr/>
-        <p:nvPr/>
-      </p:nvGrpSpPr>
-      <p:grpSpPr>
-        <a:xfrm>
-          <a:off x="0" y="0"/>
-          <a:ext cx="0" cy="0"/>
-          <a:chOff x="0" y="0"/>
-          <a:chExt cx="0" cy="0"/>
-        </a:xfrm>
-      </p:grpSpPr>
-      <p:sp>
-        <p:nvSpPr>
-          <p:cNvPr id="4" name="Google Shape;1015;p140">
-            <a:extLst>
-              <a:ext uri="{FF2B5EF4-FFF2-40B4-BE49-F238E27FC236}">
-                <a16:creationId xmlns:a16="http://schemas.microsoft.com/office/drawing/2014/main" id="{7C9219CA-4D96-4105-A103-DD894ED624EA}"/>
-              </a:ext>
-            </a:extLst>
-          </p:cNvPr>
-          <p:cNvSpPr txBox="1">
-            <a:spLocks noGrp="1"/>
-          </p:cNvSpPr>
-          <p:nvPr>
-            <p:ph type="title"/>
-          </p:nvPr>
-        </p:nvSpPr>
-        <p:spPr>
-          <a:xfrm>
-            <a:off x="320040" y="82297"/>
-            <a:ext cx="11262360" cy="704088"/>
-          </a:xfrm>
-          <a:prstGeom prst="rect">
-            <a:avLst/>
-          </a:prstGeom>
-        </p:spPr>
-        <p:txBody>
-          <a:bodyPr spcFirstLastPara="1" vert="horz" wrap="square" lIns="121900" tIns="121900" rIns="121900" bIns="121900" rtlCol="0" anchor="b" anchorCtr="0">
-            <a:noAutofit/>
-          </a:bodyPr>
-          <a:lstStyle/>
-          <a:p>
-            <a:r>
-              <a:rPr lang="en-US" dirty="0"/>
-              <a:t>Defining an </a:t>
-            </a:r>
-            <a:r>
-              <a:rPr lang="en-US" dirty="0" err="1"/>
-              <a:t>emptyDir</a:t>
-            </a:r>
-            <a:r>
-              <a:rPr lang="en-US" dirty="0"/>
-              <a:t> </a:t>
-            </a:r>
-            <a:r>
-              <a:rPr lang="en" dirty="0"/>
-              <a:t>Volume</a:t>
-            </a:r>
-            <a:endParaRPr dirty="0"/>
-          </a:p>
-        </p:txBody>
-      </p:sp>
-      <p:sp>
-        <p:nvSpPr>
-          <p:cNvPr id="7" name="Rectangle 6">
-            <a:extLst>
-              <a:ext uri="{FF2B5EF4-FFF2-40B4-BE49-F238E27FC236}">
-                <a16:creationId xmlns:a16="http://schemas.microsoft.com/office/drawing/2014/main" id="{B0B83803-9B8B-45CC-BA73-0702D856FB01}"/>
-              </a:ext>
-            </a:extLst>
-          </p:cNvPr>
-          <p:cNvSpPr/>
-          <p:nvPr/>
-        </p:nvSpPr>
-        <p:spPr>
-          <a:xfrm>
-            <a:off x="524256" y="1449976"/>
-            <a:ext cx="2987040" cy="5047536"/>
-          </a:xfrm>
-          <a:prstGeom prst="rect">
-            <a:avLst/>
-          </a:prstGeom>
-          <a:solidFill>
-            <a:schemeClr val="accent2">
-              <a:lumMod val="40000"/>
-              <a:lumOff val="60000"/>
-            </a:schemeClr>
-          </a:solidFill>
-        </p:spPr>
-        <p:txBody>
-          <a:bodyPr wrap="square">
-            <a:spAutoFit/>
-          </a:bodyPr>
-          <a:lstStyle/>
-          <a:p>
-            <a:r>
-              <a:rPr lang="en-US" sz="1400" dirty="0" err="1">
-                <a:solidFill>
-                  <a:srgbClr val="000000"/>
-                </a:solidFill>
-                <a:latin typeface="Roboto Mono"/>
-              </a:rPr>
-              <a:t>apiVersion</a:t>
-            </a:r>
-            <a:r>
-              <a:rPr lang="en-US" sz="1400" dirty="0">
-                <a:solidFill>
-                  <a:srgbClr val="000000"/>
-                </a:solidFill>
-                <a:latin typeface="Roboto Mono"/>
-              </a:rPr>
-              <a:t>: v1 </a:t>
-            </a:r>
-          </a:p>
-          <a:p>
-            <a:r>
-              <a:rPr lang="en-US" sz="1400" dirty="0">
-                <a:solidFill>
-                  <a:srgbClr val="000000"/>
-                </a:solidFill>
-                <a:latin typeface="Roboto Mono"/>
-              </a:rPr>
-              <a:t>kind: Pod </a:t>
-            </a:r>
-          </a:p>
-          <a:p>
-            <a:r>
-              <a:rPr lang="en-US" sz="1400" dirty="0">
-                <a:solidFill>
-                  <a:srgbClr val="000000"/>
-                </a:solidFill>
-                <a:latin typeface="Roboto Mono"/>
-              </a:rPr>
-              <a:t>spec: </a:t>
-            </a:r>
-          </a:p>
-          <a:p>
-            <a:r>
-              <a:rPr lang="en-US" sz="1400" b="1" dirty="0">
-                <a:solidFill>
-                  <a:srgbClr val="000000"/>
-                </a:solidFill>
-                <a:latin typeface="Roboto Mono"/>
-              </a:rPr>
-              <a:t>volumes: </a:t>
-            </a:r>
-            <a:endParaRPr lang="en-US" sz="1400" dirty="0">
-              <a:solidFill>
-                <a:srgbClr val="000000"/>
-              </a:solidFill>
-              <a:latin typeface="Roboto Mono"/>
-            </a:endParaRPr>
-          </a:p>
-          <a:p>
-            <a:r>
-              <a:rPr lang="en-US" sz="1400" b="1" dirty="0">
-                <a:solidFill>
-                  <a:srgbClr val="000000"/>
-                </a:solidFill>
-                <a:latin typeface="Roboto Mono"/>
-              </a:rPr>
-              <a:t>   -name: html </a:t>
-            </a:r>
-            <a:endParaRPr lang="en-US" sz="1400" dirty="0">
-              <a:solidFill>
-                <a:srgbClr val="000000"/>
-              </a:solidFill>
-              <a:latin typeface="Roboto Mono"/>
-            </a:endParaRPr>
-          </a:p>
-          <a:p>
-            <a:r>
-              <a:rPr lang="en-US" sz="1400" b="1" dirty="0">
-                <a:solidFill>
-                  <a:srgbClr val="000000"/>
-                </a:solidFill>
-                <a:latin typeface="Roboto Mono"/>
-              </a:rPr>
-              <a:t>    </a:t>
-            </a:r>
-            <a:r>
-              <a:rPr lang="en-US" sz="1400" b="1" dirty="0" err="1">
-                <a:solidFill>
-                  <a:srgbClr val="000000"/>
-                </a:solidFill>
-                <a:latin typeface="Roboto Mono"/>
-              </a:rPr>
-              <a:t>emptyDir</a:t>
-            </a:r>
-            <a:r>
-              <a:rPr lang="en-US" sz="1400" b="1" dirty="0">
-                <a:solidFill>
-                  <a:srgbClr val="000000"/>
-                </a:solidFill>
-                <a:latin typeface="Roboto Mono"/>
-              </a:rPr>
-              <a:t>: {}</a:t>
-            </a:r>
-            <a:endParaRPr lang="en-US" sz="1400" dirty="0">
-              <a:solidFill>
-                <a:srgbClr val="000000"/>
-              </a:solidFill>
-              <a:latin typeface="Roboto Mono"/>
-            </a:endParaRPr>
-          </a:p>
-          <a:p>
-            <a:r>
-              <a:rPr lang="en-US" sz="1400" dirty="0">
-                <a:solidFill>
-                  <a:srgbClr val="000000"/>
-                </a:solidFill>
-                <a:latin typeface="Roboto Mono"/>
-              </a:rPr>
-              <a:t>containers: </a:t>
-            </a:r>
-          </a:p>
-          <a:p>
-            <a:r>
-              <a:rPr lang="en-US" sz="1400" dirty="0">
-                <a:solidFill>
-                  <a:srgbClr val="000000"/>
-                </a:solidFill>
-                <a:latin typeface="Roboto Mono"/>
-              </a:rPr>
-              <a:t>-name: </a:t>
-            </a:r>
-            <a:r>
-              <a:rPr lang="en-US" sz="1400" dirty="0" err="1">
-                <a:solidFill>
-                  <a:srgbClr val="000000"/>
-                </a:solidFill>
-                <a:latin typeface="Roboto Mono"/>
-              </a:rPr>
-              <a:t>nginx</a:t>
-            </a:r>
-            <a:endParaRPr lang="en-US" sz="1400" dirty="0">
-              <a:solidFill>
-                <a:srgbClr val="000000"/>
-              </a:solidFill>
-              <a:latin typeface="Roboto Mono"/>
-            </a:endParaRPr>
-          </a:p>
-          <a:p>
-            <a:r>
-              <a:rPr lang="en-US" sz="1400" dirty="0">
-                <a:solidFill>
-                  <a:srgbClr val="000000"/>
-                </a:solidFill>
-                <a:latin typeface="Roboto Mono"/>
-              </a:rPr>
-              <a:t>image: </a:t>
-            </a:r>
-            <a:r>
-              <a:rPr lang="en-US" sz="1400" dirty="0" err="1">
-                <a:solidFill>
-                  <a:srgbClr val="000000"/>
-                </a:solidFill>
-                <a:latin typeface="Roboto Mono"/>
-              </a:rPr>
-              <a:t>nginx:alpine</a:t>
-            </a:r>
-            <a:endParaRPr lang="en-US" sz="1400" dirty="0">
-              <a:solidFill>
-                <a:srgbClr val="000000"/>
-              </a:solidFill>
-              <a:latin typeface="Roboto Mono"/>
-            </a:endParaRPr>
-          </a:p>
-          <a:p>
-            <a:r>
-              <a:rPr lang="en-US" sz="1400" b="1" dirty="0" err="1">
-                <a:solidFill>
-                  <a:srgbClr val="000000"/>
-                </a:solidFill>
-                <a:latin typeface="Roboto Mono"/>
-              </a:rPr>
-              <a:t>volumeMounts</a:t>
-            </a:r>
-            <a:r>
-              <a:rPr lang="en-US" sz="1400" b="1" dirty="0">
-                <a:solidFill>
-                  <a:srgbClr val="000000"/>
-                </a:solidFill>
-                <a:latin typeface="Roboto Mono"/>
-              </a:rPr>
-              <a:t>: </a:t>
-            </a:r>
-            <a:endParaRPr lang="en-US" sz="1400" dirty="0">
-              <a:solidFill>
-                <a:srgbClr val="000000"/>
-              </a:solidFill>
-              <a:latin typeface="Roboto Mono"/>
-            </a:endParaRPr>
-          </a:p>
-          <a:p>
-            <a:r>
-              <a:rPr lang="en-US" sz="1400" b="1" dirty="0">
-                <a:solidFill>
-                  <a:srgbClr val="000000"/>
-                </a:solidFill>
-                <a:latin typeface="Roboto Mono"/>
-              </a:rPr>
-              <a:t>-name: html </a:t>
-            </a:r>
-            <a:endParaRPr lang="en-US" sz="1400" dirty="0">
-              <a:solidFill>
-                <a:srgbClr val="000000"/>
-              </a:solidFill>
-              <a:latin typeface="Roboto Mono"/>
-            </a:endParaRPr>
-          </a:p>
-          <a:p>
-            <a:r>
-              <a:rPr lang="en-US" sz="1400" b="1" dirty="0" err="1">
-                <a:solidFill>
-                  <a:srgbClr val="000000"/>
-                </a:solidFill>
-                <a:latin typeface="Roboto Mono"/>
-              </a:rPr>
-              <a:t>mountPath</a:t>
-            </a:r>
-            <a:r>
-              <a:rPr lang="en-US" sz="1400" b="1" dirty="0">
-                <a:solidFill>
-                  <a:srgbClr val="000000"/>
-                </a:solidFill>
-                <a:latin typeface="Roboto Mono"/>
-              </a:rPr>
-              <a:t>: /</a:t>
-            </a:r>
-            <a:r>
-              <a:rPr lang="en-US" sz="1400" b="1" dirty="0" err="1">
-                <a:solidFill>
-                  <a:srgbClr val="000000"/>
-                </a:solidFill>
-                <a:latin typeface="Roboto Mono"/>
-              </a:rPr>
-              <a:t>usr</a:t>
-            </a:r>
-            <a:r>
-              <a:rPr lang="en-US" sz="1400" b="1" dirty="0">
-                <a:solidFill>
-                  <a:srgbClr val="000000"/>
-                </a:solidFill>
-                <a:latin typeface="Roboto Mono"/>
-              </a:rPr>
-              <a:t>/share/</a:t>
-            </a:r>
-            <a:r>
-              <a:rPr lang="en-US" sz="1400" b="1" dirty="0" err="1">
-                <a:solidFill>
-                  <a:srgbClr val="000000"/>
-                </a:solidFill>
-                <a:latin typeface="Roboto Mono"/>
-              </a:rPr>
-              <a:t>nginx</a:t>
-            </a:r>
-            <a:r>
-              <a:rPr lang="en-US" sz="1400" b="1" dirty="0">
-                <a:solidFill>
-                  <a:srgbClr val="000000"/>
-                </a:solidFill>
-                <a:latin typeface="Roboto Mono"/>
-              </a:rPr>
-              <a:t>/html</a:t>
-            </a:r>
-            <a:endParaRPr lang="en-US" sz="1400" dirty="0">
-              <a:solidFill>
-                <a:srgbClr val="000000"/>
-              </a:solidFill>
-              <a:latin typeface="Roboto Mono"/>
-            </a:endParaRPr>
-          </a:p>
-          <a:p>
-            <a:r>
-              <a:rPr lang="en-US" sz="1400" b="1" dirty="0" err="1">
-                <a:solidFill>
-                  <a:srgbClr val="000000"/>
-                </a:solidFill>
-                <a:latin typeface="Roboto Mono"/>
-              </a:rPr>
-              <a:t>readOnly</a:t>
-            </a:r>
-            <a:r>
-              <a:rPr lang="en-US" sz="1400" b="1" dirty="0">
-                <a:solidFill>
-                  <a:srgbClr val="000000"/>
-                </a:solidFill>
-                <a:latin typeface="Roboto Mono"/>
-              </a:rPr>
-              <a:t>: true </a:t>
-            </a:r>
-            <a:endParaRPr lang="en-US" sz="1400" dirty="0">
-              <a:solidFill>
-                <a:srgbClr val="000000"/>
-              </a:solidFill>
-              <a:latin typeface="Roboto Mono"/>
-            </a:endParaRPr>
-          </a:p>
-          <a:p>
-            <a:r>
-              <a:rPr lang="en-US" sz="1400" dirty="0">
-                <a:solidFill>
-                  <a:srgbClr val="000000"/>
-                </a:solidFill>
-                <a:latin typeface="Roboto Mono"/>
-              </a:rPr>
-              <a:t>-name: html-updater </a:t>
-            </a:r>
-          </a:p>
-          <a:p>
-            <a:r>
-              <a:rPr lang="en-US" sz="1400" dirty="0">
-                <a:solidFill>
-                  <a:srgbClr val="000000"/>
-                </a:solidFill>
-                <a:latin typeface="Roboto Mono"/>
-              </a:rPr>
-              <a:t>image: alpine </a:t>
-            </a:r>
-          </a:p>
-          <a:p>
-            <a:r>
-              <a:rPr lang="en-US" sz="1400" dirty="0">
-                <a:solidFill>
-                  <a:srgbClr val="000000"/>
-                </a:solidFill>
-                <a:latin typeface="Roboto Mono"/>
-              </a:rPr>
-              <a:t>command: ["/bin/</a:t>
-            </a:r>
-            <a:r>
-              <a:rPr lang="en-US" sz="1400" dirty="0" err="1">
-                <a:solidFill>
-                  <a:srgbClr val="000000"/>
-                </a:solidFill>
-                <a:latin typeface="Roboto Mono"/>
-              </a:rPr>
-              <a:t>sh</a:t>
-            </a:r>
-            <a:r>
-              <a:rPr lang="en-US" sz="1400" dirty="0">
-                <a:solidFill>
-                  <a:srgbClr val="000000"/>
-                </a:solidFill>
-                <a:latin typeface="Roboto Mono"/>
-              </a:rPr>
-              <a:t>", "-c"] </a:t>
-            </a:r>
-          </a:p>
-          <a:p>
-            <a:r>
-              <a:rPr lang="en-US" sz="1400" dirty="0" err="1">
-                <a:solidFill>
-                  <a:srgbClr val="000000"/>
-                </a:solidFill>
-                <a:latin typeface="Roboto Mono"/>
-              </a:rPr>
-              <a:t>args</a:t>
-            </a:r>
-            <a:r>
-              <a:rPr lang="en-US" sz="1400" dirty="0">
-                <a:solidFill>
-                  <a:srgbClr val="000000"/>
-                </a:solidFill>
-                <a:latin typeface="Roboto Mono"/>
-              </a:rPr>
-              <a:t>: </a:t>
-            </a:r>
-          </a:p>
-          <a:p>
-            <a:r>
-              <a:rPr lang="en-US" sz="1400" dirty="0">
-                <a:solidFill>
-                  <a:srgbClr val="000000"/>
-                </a:solidFill>
-                <a:latin typeface="Roboto Mono"/>
-              </a:rPr>
-              <a:t>-while true; do date &gt;&gt; /html/index.html; sleep 10; done </a:t>
-            </a:r>
-          </a:p>
-          <a:p>
-            <a:r>
-              <a:rPr lang="en-US" sz="1400" b="1" dirty="0" err="1">
-                <a:solidFill>
-                  <a:srgbClr val="000000"/>
-                </a:solidFill>
-                <a:latin typeface="Roboto Mono"/>
-              </a:rPr>
-              <a:t>volumeMounts</a:t>
-            </a:r>
-            <a:r>
-              <a:rPr lang="en-US" sz="1400" b="1" dirty="0">
-                <a:solidFill>
-                  <a:srgbClr val="000000"/>
-                </a:solidFill>
-                <a:latin typeface="Roboto Mono"/>
-              </a:rPr>
-              <a:t>: </a:t>
-            </a:r>
-            <a:endParaRPr lang="en-US" sz="1400" dirty="0">
-              <a:solidFill>
-                <a:srgbClr val="000000"/>
-              </a:solidFill>
-              <a:latin typeface="Roboto Mono"/>
-            </a:endParaRPr>
-          </a:p>
-          <a:p>
-            <a:r>
-              <a:rPr lang="en-US" sz="1400" b="1" dirty="0">
-                <a:solidFill>
-                  <a:srgbClr val="000000"/>
-                </a:solidFill>
-                <a:latin typeface="Roboto Mono"/>
-              </a:rPr>
-              <a:t>-name: html </a:t>
-            </a:r>
-            <a:endParaRPr lang="en-US" sz="1400" dirty="0">
-              <a:solidFill>
-                <a:srgbClr val="000000"/>
-              </a:solidFill>
-              <a:latin typeface="Roboto Mono"/>
-            </a:endParaRPr>
-          </a:p>
-          <a:p>
-            <a:r>
-              <a:rPr lang="en-US" sz="1400" b="1" dirty="0" err="1">
-                <a:solidFill>
-                  <a:srgbClr val="000000"/>
-                </a:solidFill>
-                <a:latin typeface="Roboto Mono"/>
-              </a:rPr>
-              <a:t>mountPath</a:t>
-            </a:r>
-            <a:r>
-              <a:rPr lang="en-US" sz="1400" b="1" dirty="0">
-                <a:solidFill>
-                  <a:srgbClr val="000000"/>
-                </a:solidFill>
-                <a:latin typeface="Roboto Mono"/>
-              </a:rPr>
-              <a:t>: /html </a:t>
-            </a:r>
-            <a:endParaRPr lang="en-US" sz="1400" dirty="0"/>
-          </a:p>
-        </p:txBody>
-      </p:sp>
-      <p:sp>
-        <p:nvSpPr>
-          <p:cNvPr id="11" name="Rectangle 10">
-            <a:extLst>
-              <a:ext uri="{FF2B5EF4-FFF2-40B4-BE49-F238E27FC236}">
-                <a16:creationId xmlns:a16="http://schemas.microsoft.com/office/drawing/2014/main" id="{DCAC5B83-790E-4BEF-BD6C-B64750180D30}"/>
-              </a:ext>
-            </a:extLst>
-          </p:cNvPr>
-          <p:cNvSpPr/>
-          <p:nvPr/>
-        </p:nvSpPr>
-        <p:spPr>
-          <a:xfrm>
-            <a:off x="3990261" y="2210502"/>
-            <a:ext cx="6689931" cy="646331"/>
-          </a:xfrm>
-          <a:prstGeom prst="rect">
-            <a:avLst/>
-          </a:prstGeom>
-        </p:spPr>
-        <p:txBody>
-          <a:bodyPr wrap="square">
-            <a:spAutoFit/>
-          </a:bodyPr>
-          <a:lstStyle/>
-          <a:p>
-            <a:r>
-              <a:rPr lang="en-US" dirty="0"/>
-              <a:t>Define initial Volume named “html” that is an empty directory(lifetime of the Pod</a:t>
-            </a:r>
-          </a:p>
-        </p:txBody>
-      </p:sp>
-      <p:sp>
-        <p:nvSpPr>
-          <p:cNvPr id="12" name="Arrow: Chevron 11">
-            <a:extLst>
-              <a:ext uri="{FF2B5EF4-FFF2-40B4-BE49-F238E27FC236}">
-                <a16:creationId xmlns:a16="http://schemas.microsoft.com/office/drawing/2014/main" id="{61CEBC55-40AF-4D06-9725-764BB9F91356}"/>
-              </a:ext>
-            </a:extLst>
-          </p:cNvPr>
-          <p:cNvSpPr/>
-          <p:nvPr/>
-        </p:nvSpPr>
-        <p:spPr>
-          <a:xfrm flipH="1">
-            <a:off x="3615357" y="2373647"/>
-            <a:ext cx="374904" cy="320040"/>
-          </a:xfrm>
-          <a:prstGeom prst="chevron">
-            <a:avLst/>
-          </a:prstGeom>
-          <a:gradFill flip="none" rotWithShape="1">
-            <a:gsLst>
-              <a:gs pos="0">
-                <a:schemeClr val="accent2">
-                  <a:lumMod val="67000"/>
-                </a:schemeClr>
-              </a:gs>
-              <a:gs pos="48000">
-                <a:schemeClr val="accent2">
-                  <a:lumMod val="97000"/>
-                  <a:lumOff val="3000"/>
-                </a:schemeClr>
-              </a:gs>
-              <a:gs pos="100000">
-                <a:schemeClr val="accent2">
-                  <a:lumMod val="60000"/>
-                  <a:lumOff val="40000"/>
-                </a:schemeClr>
-              </a:gs>
-            </a:gsLst>
-            <a:lin ang="16200000" scaled="1"/>
-            <a:tileRect/>
-          </a:gradFill>
-          <a:ln>
-            <a:noFill/>
-          </a:ln>
-        </p:spPr>
-        <p:style>
-          <a:lnRef idx="0">
-            <a:scrgbClr r="0" g="0" b="0"/>
-          </a:lnRef>
-          <a:fillRef idx="0">
-            <a:scrgbClr r="0" g="0" b="0"/>
-          </a:fillRef>
-          <a:effectRef idx="0">
-            <a:scrgbClr r="0" g="0" b="0"/>
-          </a:effectRef>
-          <a:fontRef idx="minor">
-            <a:schemeClr val="lt1"/>
-          </a:fontRef>
-        </p:style>
-        <p:txBody>
-          <a:bodyPr rtlCol="0" anchor="ctr"/>
-          <a:lstStyle/>
-          <a:p>
-            <a:pPr algn="ctr"/>
-            <a:endParaRPr lang="en-US">
-              <a:solidFill>
-                <a:schemeClr val="tx1"/>
-              </a:solidFill>
-            </a:endParaRPr>
-          </a:p>
-        </p:txBody>
-      </p:sp>
-      <p:sp>
-        <p:nvSpPr>
-          <p:cNvPr id="13" name="Rectangle 12">
-            <a:extLst>
-              <a:ext uri="{FF2B5EF4-FFF2-40B4-BE49-F238E27FC236}">
-                <a16:creationId xmlns:a16="http://schemas.microsoft.com/office/drawing/2014/main" id="{13A8C7EA-763E-445B-BDDD-79C2899FA264}"/>
-              </a:ext>
-            </a:extLst>
-          </p:cNvPr>
-          <p:cNvSpPr/>
-          <p:nvPr/>
-        </p:nvSpPr>
-        <p:spPr>
-          <a:xfrm>
-            <a:off x="3926253" y="3337888"/>
-            <a:ext cx="6689931" cy="369332"/>
-          </a:xfrm>
-          <a:prstGeom prst="rect">
-            <a:avLst/>
-          </a:prstGeom>
-        </p:spPr>
-        <p:txBody>
-          <a:bodyPr wrap="square">
-            <a:spAutoFit/>
-          </a:bodyPr>
-          <a:lstStyle/>
-          <a:p>
-            <a:r>
-              <a:rPr lang="en-US" dirty="0"/>
-              <a:t>Reference “html” Volume and define a </a:t>
-            </a:r>
-            <a:r>
-              <a:rPr lang="en-US" dirty="0" err="1"/>
-              <a:t>mountPath</a:t>
-            </a:r>
-            <a:endParaRPr lang="en-US" dirty="0"/>
-          </a:p>
-        </p:txBody>
-      </p:sp>
-      <p:sp>
-        <p:nvSpPr>
-          <p:cNvPr id="14" name="Arrow: Chevron 13">
-            <a:extLst>
-              <a:ext uri="{FF2B5EF4-FFF2-40B4-BE49-F238E27FC236}">
-                <a16:creationId xmlns:a16="http://schemas.microsoft.com/office/drawing/2014/main" id="{FE726463-3081-47B0-8A55-05525B20265D}"/>
-              </a:ext>
-            </a:extLst>
-          </p:cNvPr>
-          <p:cNvSpPr/>
-          <p:nvPr/>
-        </p:nvSpPr>
-        <p:spPr>
-          <a:xfrm flipH="1">
-            <a:off x="3551349" y="3362534"/>
-            <a:ext cx="374904" cy="320040"/>
-          </a:xfrm>
-          <a:prstGeom prst="chevron">
-            <a:avLst/>
-          </a:prstGeom>
-          <a:gradFill flip="none" rotWithShape="1">
-            <a:gsLst>
-              <a:gs pos="0">
-                <a:schemeClr val="accent2">
-                  <a:lumMod val="67000"/>
-                </a:schemeClr>
-              </a:gs>
-              <a:gs pos="48000">
-                <a:schemeClr val="accent2">
-                  <a:lumMod val="97000"/>
-                  <a:lumOff val="3000"/>
-                </a:schemeClr>
-              </a:gs>
-              <a:gs pos="100000">
-                <a:schemeClr val="accent2">
-                  <a:lumMod val="60000"/>
-                  <a:lumOff val="40000"/>
-                </a:schemeClr>
-              </a:gs>
-            </a:gsLst>
-            <a:lin ang="16200000" scaled="1"/>
-            <a:tileRect/>
-          </a:gradFill>
-          <a:ln>
-            <a:noFill/>
-          </a:ln>
-        </p:spPr>
-        <p:style>
-          <a:lnRef idx="0">
-            <a:scrgbClr r="0" g="0" b="0"/>
-          </a:lnRef>
-          <a:fillRef idx="0">
-            <a:scrgbClr r="0" g="0" b="0"/>
-          </a:fillRef>
-          <a:effectRef idx="0">
-            <a:scrgbClr r="0" g="0" b="0"/>
-          </a:effectRef>
-          <a:fontRef idx="minor">
-            <a:schemeClr val="lt1"/>
-          </a:fontRef>
-        </p:style>
-        <p:txBody>
-          <a:bodyPr rtlCol="0" anchor="ctr"/>
-          <a:lstStyle/>
-          <a:p>
-            <a:pPr algn="ctr"/>
-            <a:endParaRPr lang="en-US">
-              <a:solidFill>
-                <a:schemeClr val="tx1"/>
-              </a:solidFill>
-            </a:endParaRPr>
-          </a:p>
-        </p:txBody>
-      </p:sp>
-      <p:sp>
-        <p:nvSpPr>
-          <p:cNvPr id="15" name="Rectangle 14">
-            <a:extLst>
-              <a:ext uri="{FF2B5EF4-FFF2-40B4-BE49-F238E27FC236}">
-                <a16:creationId xmlns:a16="http://schemas.microsoft.com/office/drawing/2014/main" id="{356A8FD7-D14E-40F3-A6FE-2A65EF6DC6A6}"/>
-              </a:ext>
-            </a:extLst>
-          </p:cNvPr>
-          <p:cNvSpPr/>
-          <p:nvPr/>
-        </p:nvSpPr>
-        <p:spPr>
-          <a:xfrm>
-            <a:off x="3886200" y="5269836"/>
-            <a:ext cx="6689931" cy="646331"/>
-          </a:xfrm>
-          <a:prstGeom prst="rect">
-            <a:avLst/>
-          </a:prstGeom>
-        </p:spPr>
-        <p:txBody>
-          <a:bodyPr wrap="square">
-            <a:spAutoFit/>
-          </a:bodyPr>
-          <a:lstStyle/>
-          <a:p>
-            <a:r>
-              <a:rPr lang="en-US" dirty="0"/>
-              <a:t>Update file in Volume mount /html path with latest  date every 10 seconds</a:t>
-            </a:r>
-          </a:p>
-        </p:txBody>
-      </p:sp>
-      <p:sp>
-        <p:nvSpPr>
-          <p:cNvPr id="16" name="Arrow: Chevron 15">
-            <a:extLst>
-              <a:ext uri="{FF2B5EF4-FFF2-40B4-BE49-F238E27FC236}">
-                <a16:creationId xmlns:a16="http://schemas.microsoft.com/office/drawing/2014/main" id="{87A7EEF3-7BCF-4A76-A47F-63960E6A3FD2}"/>
-              </a:ext>
-            </a:extLst>
-          </p:cNvPr>
-          <p:cNvSpPr/>
-          <p:nvPr/>
-        </p:nvSpPr>
-        <p:spPr>
-          <a:xfrm flipH="1">
-            <a:off x="3511296" y="5294482"/>
-            <a:ext cx="374904" cy="320040"/>
-          </a:xfrm>
-          <a:prstGeom prst="chevron">
-            <a:avLst/>
-          </a:prstGeom>
-          <a:gradFill flip="none" rotWithShape="1">
-            <a:gsLst>
-              <a:gs pos="0">
-                <a:schemeClr val="accent2">
-                  <a:lumMod val="67000"/>
-                </a:schemeClr>
-              </a:gs>
-              <a:gs pos="48000">
-                <a:schemeClr val="accent2">
-                  <a:lumMod val="97000"/>
-                  <a:lumOff val="3000"/>
-                </a:schemeClr>
-              </a:gs>
-              <a:gs pos="100000">
-                <a:schemeClr val="accent2">
-                  <a:lumMod val="60000"/>
-                  <a:lumOff val="40000"/>
-                </a:schemeClr>
-              </a:gs>
-            </a:gsLst>
-            <a:lin ang="16200000" scaled="1"/>
-            <a:tileRect/>
-          </a:gradFill>
-          <a:ln>
-            <a:noFill/>
-          </a:ln>
-        </p:spPr>
-        <p:style>
-          <a:lnRef idx="0">
-            <a:scrgbClr r="0" g="0" b="0"/>
-          </a:lnRef>
-          <a:fillRef idx="0">
-            <a:scrgbClr r="0" g="0" b="0"/>
-          </a:fillRef>
-          <a:effectRef idx="0">
-            <a:scrgbClr r="0" g="0" b="0"/>
-          </a:effectRef>
-          <a:fontRef idx="minor">
-            <a:schemeClr val="lt1"/>
-          </a:fontRef>
-        </p:style>
-        <p:txBody>
-          <a:bodyPr rtlCol="0" anchor="ctr"/>
-          <a:lstStyle/>
-          <a:p>
-            <a:pPr algn="ctr"/>
-            <a:endParaRPr lang="en-US">
-              <a:solidFill>
-                <a:schemeClr val="tx1"/>
-              </a:solidFill>
-            </a:endParaRPr>
-          </a:p>
-        </p:txBody>
-      </p:sp>
-      <p:sp>
-        <p:nvSpPr>
-          <p:cNvPr id="17" name="Rectangle 16">
-            <a:extLst>
-              <a:ext uri="{FF2B5EF4-FFF2-40B4-BE49-F238E27FC236}">
-                <a16:creationId xmlns:a16="http://schemas.microsoft.com/office/drawing/2014/main" id="{F04CBDEA-A582-4DCF-B6D8-7FA829C07EB2}"/>
-              </a:ext>
-            </a:extLst>
-          </p:cNvPr>
-          <p:cNvSpPr/>
-          <p:nvPr/>
-        </p:nvSpPr>
-        <p:spPr>
-          <a:xfrm>
-            <a:off x="3926253" y="5916167"/>
-            <a:ext cx="6689931" cy="369332"/>
-          </a:xfrm>
-          <a:prstGeom prst="rect">
-            <a:avLst/>
-          </a:prstGeom>
-        </p:spPr>
-        <p:txBody>
-          <a:bodyPr wrap="square">
-            <a:spAutoFit/>
-          </a:bodyPr>
-          <a:lstStyle/>
-          <a:p>
-            <a:r>
-              <a:rPr lang="en-US" dirty="0"/>
-              <a:t>Reference “html”  Volume (defined above) and define a </a:t>
-            </a:r>
-            <a:r>
-              <a:rPr lang="en-US" dirty="0" err="1"/>
-              <a:t>mountPath</a:t>
-            </a:r>
-            <a:endParaRPr lang="en-US" dirty="0"/>
-          </a:p>
-        </p:txBody>
-      </p:sp>
-      <p:sp>
-        <p:nvSpPr>
-          <p:cNvPr id="18" name="Arrow: Chevron 17">
-            <a:extLst>
-              <a:ext uri="{FF2B5EF4-FFF2-40B4-BE49-F238E27FC236}">
-                <a16:creationId xmlns:a16="http://schemas.microsoft.com/office/drawing/2014/main" id="{90F426B8-B5BB-4468-B46B-A0C7919471BD}"/>
-              </a:ext>
-            </a:extLst>
-          </p:cNvPr>
-          <p:cNvSpPr/>
-          <p:nvPr/>
-        </p:nvSpPr>
-        <p:spPr>
-          <a:xfrm flipH="1">
-            <a:off x="3551349" y="5940813"/>
-            <a:ext cx="374904" cy="320040"/>
-          </a:xfrm>
-          <a:prstGeom prst="chevron">
-            <a:avLst/>
-          </a:prstGeom>
-          <a:gradFill flip="none" rotWithShape="1">
-            <a:gsLst>
-              <a:gs pos="0">
-                <a:schemeClr val="accent2">
-                  <a:lumMod val="67000"/>
-                </a:schemeClr>
-              </a:gs>
-              <a:gs pos="48000">
-                <a:schemeClr val="accent2">
-                  <a:lumMod val="97000"/>
-                  <a:lumOff val="3000"/>
-                </a:schemeClr>
-              </a:gs>
-              <a:gs pos="100000">
-                <a:schemeClr val="accent2">
-                  <a:lumMod val="60000"/>
-                  <a:lumOff val="40000"/>
-                </a:schemeClr>
-              </a:gs>
-            </a:gsLst>
-            <a:lin ang="16200000" scaled="1"/>
-            <a:tileRect/>
-          </a:gradFill>
-          <a:ln>
-            <a:noFill/>
-          </a:ln>
-        </p:spPr>
-        <p:style>
-          <a:lnRef idx="0">
-            <a:scrgbClr r="0" g="0" b="0"/>
-          </a:lnRef>
-          <a:fillRef idx="0">
-            <a:scrgbClr r="0" g="0" b="0"/>
-          </a:fillRef>
-          <a:effectRef idx="0">
-            <a:scrgbClr r="0" g="0" b="0"/>
-          </a:effectRef>
-          <a:fontRef idx="minor">
-            <a:schemeClr val="lt1"/>
-          </a:fontRef>
-        </p:style>
-        <p:txBody>
-          <a:bodyPr rtlCol="0" anchor="ctr"/>
-          <a:lstStyle/>
-          <a:p>
-            <a:pPr algn="ctr"/>
-            <a:endParaRPr lang="en-US">
-              <a:solidFill>
-                <a:schemeClr val="tx1"/>
-              </a:solidFill>
-            </a:endParaRPr>
-          </a:p>
-        </p:txBody>
-      </p:sp>
-    </p:spTree>
-    <p:extLst>
-      <p:ext uri="{BB962C8B-B14F-4D97-AF65-F5344CB8AC3E}">
-        <p14:creationId xmlns:p14="http://schemas.microsoft.com/office/powerpoint/2010/main" val="2774525939"/>
-      </p:ext>
-    </p:extLst>
-  </p:cSld>
-  <p:clrMapOvr>
-    <a:masterClrMapping/>
-  </p:clrMapOvr>
-</p:sld>
-</file>
-
-<file path=ppt/slides/slide15.xml><?xml version="1.0" encoding="utf-8"?>
-<p:sld xmlns:a="http://schemas.openxmlformats.org/drawingml/2006/main" xmlns:r="http://schemas.openxmlformats.org/officeDocument/2006/relationships" xmlns:p="http://schemas.openxmlformats.org/presentationml/2006/main">
-  <p:cSld>
-    <p:spTree>
-      <p:nvGrpSpPr>
-        <p:cNvPr id="1" name=""/>
-        <p:cNvGrpSpPr/>
-        <p:nvPr/>
-      </p:nvGrpSpPr>
-      <p:grpSpPr>
-        <a:xfrm>
-          <a:off x="0" y="0"/>
-          <a:ext cx="0" cy="0"/>
-          <a:chOff x="0" y="0"/>
-          <a:chExt cx="0" cy="0"/>
-        </a:xfrm>
-      </p:grpSpPr>
-      <p:sp>
-        <p:nvSpPr>
-          <p:cNvPr id="5" name="Google Shape;1106;p152">
-            <a:extLst>
-              <a:ext uri="{FF2B5EF4-FFF2-40B4-BE49-F238E27FC236}">
-                <a16:creationId xmlns:a16="http://schemas.microsoft.com/office/drawing/2014/main" id="{0CBA1713-E469-4351-A826-1C43F2AAC901}"/>
-              </a:ext>
-            </a:extLst>
-          </p:cNvPr>
-          <p:cNvSpPr txBox="1">
-            <a:spLocks noGrp="1"/>
-          </p:cNvSpPr>
-          <p:nvPr>
-            <p:ph type="title"/>
-          </p:nvPr>
-        </p:nvSpPr>
-        <p:spPr>
-          <a:xfrm>
-            <a:off x="416929" y="52399"/>
-            <a:ext cx="11170418" cy="740247"/>
-          </a:xfrm>
-          <a:prstGeom prst="rect">
-            <a:avLst/>
-          </a:prstGeom>
-        </p:spPr>
-        <p:txBody>
-          <a:bodyPr spcFirstLastPara="1" vert="horz" wrap="square" lIns="121900" tIns="121900" rIns="121900" bIns="121900" rtlCol="0" anchor="b" anchorCtr="0">
-            <a:noAutofit/>
-          </a:bodyPr>
-          <a:lstStyle/>
-          <a:p>
-            <a:r>
-              <a:rPr lang="en-US" dirty="0"/>
-              <a:t>Persistent volumes</a:t>
-            </a:r>
-            <a:endParaRPr dirty="0"/>
-          </a:p>
-        </p:txBody>
-      </p:sp>
-      <p:sp>
-        <p:nvSpPr>
-          <p:cNvPr id="4" name="Rectangle 3">
-            <a:extLst>
-              <a:ext uri="{FF2B5EF4-FFF2-40B4-BE49-F238E27FC236}">
-                <a16:creationId xmlns:a16="http://schemas.microsoft.com/office/drawing/2014/main" id="{C3BC01C9-DD70-4D3B-BF73-A024CA66AD05}"/>
-              </a:ext>
-            </a:extLst>
-          </p:cNvPr>
-          <p:cNvSpPr/>
-          <p:nvPr/>
-        </p:nvSpPr>
-        <p:spPr>
-          <a:xfrm>
-            <a:off x="549788" y="1240702"/>
-            <a:ext cx="6481947" cy="1200329"/>
-          </a:xfrm>
-          <a:prstGeom prst="rect">
-            <a:avLst/>
-          </a:prstGeom>
-        </p:spPr>
-        <p:txBody>
-          <a:bodyPr wrap="square">
-            <a:spAutoFit/>
-          </a:bodyPr>
-          <a:lstStyle/>
-          <a:p>
-            <a:pPr marL="342900" indent="-342900">
-              <a:buFont typeface="Arial" panose="020B0604020202020204" pitchFamily="34" charset="0"/>
-              <a:buChar char="•"/>
-            </a:pPr>
-            <a:r>
-              <a:rPr lang="en-US" sz="2400" dirty="0"/>
-              <a:t>A Persistent volume is cluster-wide storage resource that relies on network-attached storage(NAS)</a:t>
-            </a:r>
-          </a:p>
-        </p:txBody>
-      </p:sp>
-      <p:sp>
-        <p:nvSpPr>
-          <p:cNvPr id="12" name="Rectangle 11">
-            <a:extLst>
-              <a:ext uri="{FF2B5EF4-FFF2-40B4-BE49-F238E27FC236}">
-                <a16:creationId xmlns:a16="http://schemas.microsoft.com/office/drawing/2014/main" id="{6DA558C6-07C3-40B5-8D5C-93291DCFF5F9}"/>
-              </a:ext>
-            </a:extLst>
-          </p:cNvPr>
-          <p:cNvSpPr/>
-          <p:nvPr/>
-        </p:nvSpPr>
-        <p:spPr>
-          <a:xfrm>
-            <a:off x="549788" y="2438613"/>
-            <a:ext cx="6271634" cy="461665"/>
-          </a:xfrm>
-          <a:prstGeom prst="rect">
-            <a:avLst/>
-          </a:prstGeom>
-        </p:spPr>
-        <p:txBody>
-          <a:bodyPr wrap="square">
-            <a:spAutoFit/>
-          </a:bodyPr>
-          <a:lstStyle/>
-          <a:p>
-            <a:pPr marL="342900" indent="-342900">
-              <a:buFont typeface="Arial" panose="020B0604020202020204" pitchFamily="34" charset="0"/>
-              <a:buChar char="•"/>
-            </a:pPr>
-            <a:r>
-              <a:rPr lang="en-US" sz="2400" dirty="0"/>
-              <a:t>Normally provisioned by cluster administrator</a:t>
-            </a:r>
-          </a:p>
-        </p:txBody>
-      </p:sp>
-      <p:sp>
-        <p:nvSpPr>
-          <p:cNvPr id="13" name="Rectangle 12">
-            <a:extLst>
-              <a:ext uri="{FF2B5EF4-FFF2-40B4-BE49-F238E27FC236}">
-                <a16:creationId xmlns:a16="http://schemas.microsoft.com/office/drawing/2014/main" id="{B5618721-2FB2-429C-B0B4-2AB1D7587C0D}"/>
-              </a:ext>
-            </a:extLst>
-          </p:cNvPr>
-          <p:cNvSpPr/>
-          <p:nvPr/>
-        </p:nvSpPr>
-        <p:spPr>
-          <a:xfrm>
-            <a:off x="549787" y="2982312"/>
-            <a:ext cx="6271635" cy="830997"/>
-          </a:xfrm>
-          <a:prstGeom prst="rect">
-            <a:avLst/>
-          </a:prstGeom>
-        </p:spPr>
-        <p:txBody>
-          <a:bodyPr wrap="square">
-            <a:spAutoFit/>
-          </a:bodyPr>
-          <a:lstStyle/>
-          <a:p>
-            <a:pPr marL="342900" indent="-342900">
-              <a:buFont typeface="Arial" panose="020B0604020202020204" pitchFamily="34" charset="0"/>
-              <a:buChar char="•"/>
-            </a:pPr>
-            <a:r>
-              <a:rPr lang="en-US" sz="2400" dirty="0"/>
-              <a:t>Available to a pod even if it gets rescheduled to a different node</a:t>
-            </a:r>
-            <a:endParaRPr lang="en-US" sz="2400" b="1" dirty="0"/>
-          </a:p>
-        </p:txBody>
-      </p:sp>
-      <p:sp>
-        <p:nvSpPr>
-          <p:cNvPr id="14" name="Rectangle 13">
-            <a:extLst>
-              <a:ext uri="{FF2B5EF4-FFF2-40B4-BE49-F238E27FC236}">
-                <a16:creationId xmlns:a16="http://schemas.microsoft.com/office/drawing/2014/main" id="{BAE2D1BC-4979-4528-BA50-C18DC1EC1206}"/>
-              </a:ext>
-            </a:extLst>
-          </p:cNvPr>
-          <p:cNvSpPr/>
-          <p:nvPr/>
-        </p:nvSpPr>
-        <p:spPr>
-          <a:xfrm>
-            <a:off x="515505" y="4585422"/>
-            <a:ext cx="6180194" cy="830997"/>
-          </a:xfrm>
-          <a:prstGeom prst="rect">
-            <a:avLst/>
-          </a:prstGeom>
-        </p:spPr>
-        <p:txBody>
-          <a:bodyPr wrap="square">
-            <a:spAutoFit/>
-          </a:bodyPr>
-          <a:lstStyle/>
-          <a:p>
-            <a:pPr marL="342900" indent="-342900">
-              <a:buFont typeface="Arial" panose="020B0604020202020204" pitchFamily="34" charset="0"/>
-              <a:buChar char="•"/>
-            </a:pPr>
-            <a:r>
-              <a:rPr lang="en-US" sz="2400" dirty="0"/>
-              <a:t>Associated with a Pod by using a </a:t>
-            </a:r>
-            <a:r>
-              <a:rPr lang="en-US" sz="2400" dirty="0" err="1"/>
-              <a:t>PersistentVolumeClaim</a:t>
-            </a:r>
-            <a:r>
-              <a:rPr lang="en-US" sz="2400" dirty="0"/>
-              <a:t>(PVC)</a:t>
-            </a:r>
-          </a:p>
-        </p:txBody>
-      </p:sp>
-      <p:sp>
-        <p:nvSpPr>
-          <p:cNvPr id="15" name="Rectangle 14">
-            <a:extLst>
-              <a:ext uri="{FF2B5EF4-FFF2-40B4-BE49-F238E27FC236}">
-                <a16:creationId xmlns:a16="http://schemas.microsoft.com/office/drawing/2014/main" id="{1AF7AEE9-3119-4D9C-8A4D-BD535AED81C1}"/>
-              </a:ext>
-            </a:extLst>
-          </p:cNvPr>
-          <p:cNvSpPr/>
-          <p:nvPr/>
-        </p:nvSpPr>
-        <p:spPr>
-          <a:xfrm>
-            <a:off x="549787" y="3754425"/>
-            <a:ext cx="6180194" cy="830997"/>
-          </a:xfrm>
-          <a:prstGeom prst="rect">
-            <a:avLst/>
-          </a:prstGeom>
-        </p:spPr>
-        <p:txBody>
-          <a:bodyPr wrap="square">
-            <a:spAutoFit/>
-          </a:bodyPr>
-          <a:lstStyle/>
-          <a:p>
-            <a:pPr marL="342900" indent="-342900">
-              <a:buFont typeface="Arial" panose="020B0604020202020204" pitchFamily="34" charset="0"/>
-              <a:buChar char="•"/>
-            </a:pPr>
-            <a:r>
-              <a:rPr lang="en-US" sz="2400" dirty="0"/>
-              <a:t>Rely on a storage provider such as NFS, cloud storage, or other options</a:t>
-            </a:r>
-          </a:p>
-        </p:txBody>
-      </p:sp>
-      <p:pic>
-        <p:nvPicPr>
-          <p:cNvPr id="2" name="Picture 1">
-            <a:extLst>
-              <a:ext uri="{FF2B5EF4-FFF2-40B4-BE49-F238E27FC236}">
-                <a16:creationId xmlns:a16="http://schemas.microsoft.com/office/drawing/2014/main" id="{4D743A2F-F4D1-4F18-83EB-9328DC34B031}"/>
-              </a:ext>
-            </a:extLst>
-          </p:cNvPr>
-          <p:cNvPicPr>
-            <a:picLocks noChangeAspect="1"/>
-          </p:cNvPicPr>
-          <p:nvPr/>
-        </p:nvPicPr>
-        <p:blipFill>
-          <a:blip r:embed="rId2"/>
-          <a:stretch>
-            <a:fillRect/>
-          </a:stretch>
-        </p:blipFill>
-        <p:spPr>
-          <a:xfrm>
-            <a:off x="7373473" y="1549629"/>
-            <a:ext cx="3927000" cy="4020000"/>
-          </a:xfrm>
-          <a:prstGeom prst="rect">
-            <a:avLst/>
-          </a:prstGeom>
-        </p:spPr>
-      </p:pic>
-    </p:spTree>
-    <p:extLst>
-      <p:ext uri="{BB962C8B-B14F-4D97-AF65-F5344CB8AC3E}">
-        <p14:creationId xmlns:p14="http://schemas.microsoft.com/office/powerpoint/2010/main" val="210429626"/>
-      </p:ext>
-    </p:extLst>
-  </p:cSld>
-  <p:clrMapOvr>
-    <a:masterClrMapping/>
-  </p:clrMapOvr>
-</p:sld>
-</file>
-
-<file path=ppt/slides/slide16.xml><?xml version="1.0" encoding="utf-8"?>
-<p:sld xmlns:a="http://schemas.openxmlformats.org/drawingml/2006/main" xmlns:r="http://schemas.openxmlformats.org/officeDocument/2006/relationships" xmlns:p="http://schemas.openxmlformats.org/presentationml/2006/main">
-  <p:cSld>
-    <p:spTree>
-      <p:nvGrpSpPr>
-        <p:cNvPr id="1" name=""/>
-        <p:cNvGrpSpPr/>
-        <p:nvPr/>
-      </p:nvGrpSpPr>
-      <p:grpSpPr>
-        <a:xfrm>
-          <a:off x="0" y="0"/>
-          <a:ext cx="0" cy="0"/>
-          <a:chOff x="0" y="0"/>
-          <a:chExt cx="0" cy="0"/>
-        </a:xfrm>
-      </p:grpSpPr>
-      <p:sp>
-        <p:nvSpPr>
-          <p:cNvPr id="4" name="Google Shape;1046;p144">
-            <a:extLst>
-              <a:ext uri="{FF2B5EF4-FFF2-40B4-BE49-F238E27FC236}">
-                <a16:creationId xmlns:a16="http://schemas.microsoft.com/office/drawing/2014/main" id="{C65F712D-C4D7-4D92-894B-5D11A9EBEB19}"/>
-              </a:ext>
-            </a:extLst>
-          </p:cNvPr>
-          <p:cNvSpPr txBox="1">
-            <a:spLocks noGrp="1"/>
-          </p:cNvSpPr>
-          <p:nvPr>
-            <p:ph type="title"/>
-          </p:nvPr>
-        </p:nvSpPr>
-        <p:spPr>
-          <a:xfrm>
-            <a:off x="609600" y="274637"/>
-            <a:ext cx="10972800" cy="1143200"/>
-          </a:xfrm>
-          <a:prstGeom prst="rect">
-            <a:avLst/>
-          </a:prstGeom>
-        </p:spPr>
-        <p:txBody>
-          <a:bodyPr spcFirstLastPara="1" vert="horz" wrap="square" lIns="121900" tIns="121900" rIns="121900" bIns="121900" rtlCol="0" anchor="b" anchorCtr="0">
-            <a:noAutofit/>
-          </a:bodyPr>
-          <a:lstStyle/>
-          <a:p>
-            <a:r>
-              <a:rPr lang="en" dirty="0"/>
-              <a:t>PersistentVolumeClaim</a:t>
-            </a:r>
-            <a:endParaRPr dirty="0"/>
-          </a:p>
-        </p:txBody>
-      </p:sp>
-      <p:sp>
-        <p:nvSpPr>
-          <p:cNvPr id="6" name="Rectangle 5">
-            <a:extLst>
-              <a:ext uri="{FF2B5EF4-FFF2-40B4-BE49-F238E27FC236}">
-                <a16:creationId xmlns:a16="http://schemas.microsoft.com/office/drawing/2014/main" id="{0A8DBE26-28D6-4E21-8D9D-D8E844F2DED1}"/>
-              </a:ext>
-            </a:extLst>
-          </p:cNvPr>
-          <p:cNvSpPr/>
-          <p:nvPr/>
-        </p:nvSpPr>
-        <p:spPr>
-          <a:xfrm>
-            <a:off x="1116715" y="2038725"/>
-            <a:ext cx="8585068" cy="461665"/>
-          </a:xfrm>
-          <a:prstGeom prst="rect">
-            <a:avLst/>
-          </a:prstGeom>
-        </p:spPr>
-        <p:txBody>
-          <a:bodyPr wrap="square">
-            <a:spAutoFit/>
-          </a:bodyPr>
-          <a:lstStyle/>
-          <a:p>
-            <a:pPr indent="-507987">
-              <a:buSzPts val="2400"/>
-              <a:buFont typeface="Arial" panose="020B0604020202020204" pitchFamily="34" charset="0"/>
-              <a:buChar char="•"/>
-            </a:pPr>
-            <a:r>
-              <a:rPr lang="en-US" sz="2400" dirty="0"/>
-              <a:t>A </a:t>
-            </a:r>
-            <a:r>
-              <a:rPr lang="en-US" sz="2400" b="1" dirty="0" err="1"/>
-              <a:t>PersistentVolumeClaim</a:t>
-            </a:r>
-            <a:r>
-              <a:rPr lang="en-US" sz="2400" dirty="0"/>
-              <a:t> (PVC) is a request   for storage unit.</a:t>
-            </a:r>
-          </a:p>
-        </p:txBody>
-      </p:sp>
-      <p:sp>
-        <p:nvSpPr>
-          <p:cNvPr id="7" name="Rectangle 6">
-            <a:extLst>
-              <a:ext uri="{FF2B5EF4-FFF2-40B4-BE49-F238E27FC236}">
-                <a16:creationId xmlns:a16="http://schemas.microsoft.com/office/drawing/2014/main" id="{0C848B38-88DD-4A2B-855B-578879CF51AF}"/>
-              </a:ext>
-            </a:extLst>
-          </p:cNvPr>
-          <p:cNvSpPr/>
-          <p:nvPr/>
-        </p:nvSpPr>
-        <p:spPr>
-          <a:xfrm>
-            <a:off x="1116715" y="2967335"/>
-            <a:ext cx="10688189" cy="461665"/>
-          </a:xfrm>
-          <a:prstGeom prst="rect">
-            <a:avLst/>
-          </a:prstGeom>
-        </p:spPr>
-        <p:txBody>
-          <a:bodyPr wrap="square">
-            <a:spAutoFit/>
-          </a:bodyPr>
-          <a:lstStyle/>
-          <a:p>
-            <a:pPr indent="-507987">
-              <a:spcBef>
-                <a:spcPts val="1333"/>
-              </a:spcBef>
-              <a:buSzPts val="2400"/>
-              <a:buFont typeface="Arial" panose="020B0604020202020204" pitchFamily="34" charset="0"/>
-              <a:buChar char="•"/>
-            </a:pPr>
-            <a:r>
-              <a:rPr lang="en-US" sz="2400" dirty="0"/>
-              <a:t>Satisfies a set of requirements instead of mapping to a storage resource directly.</a:t>
-            </a:r>
-          </a:p>
-        </p:txBody>
-      </p:sp>
-      <p:sp>
-        <p:nvSpPr>
-          <p:cNvPr id="8" name="Rectangle 7">
-            <a:extLst>
-              <a:ext uri="{FF2B5EF4-FFF2-40B4-BE49-F238E27FC236}">
-                <a16:creationId xmlns:a16="http://schemas.microsoft.com/office/drawing/2014/main" id="{902BDC60-A048-481F-9DEF-0CE5114C1070}"/>
-              </a:ext>
-            </a:extLst>
-          </p:cNvPr>
-          <p:cNvSpPr/>
-          <p:nvPr/>
-        </p:nvSpPr>
-        <p:spPr>
-          <a:xfrm>
-            <a:off x="1116715" y="3923329"/>
-            <a:ext cx="10285853" cy="830997"/>
-          </a:xfrm>
-          <a:prstGeom prst="rect">
-            <a:avLst/>
-          </a:prstGeom>
-        </p:spPr>
-        <p:txBody>
-          <a:bodyPr wrap="square">
-            <a:spAutoFit/>
-          </a:bodyPr>
-          <a:lstStyle/>
-          <a:p>
-            <a:pPr indent="-507987">
-              <a:spcBef>
-                <a:spcPts val="1333"/>
-              </a:spcBef>
-              <a:buSzPts val="2400"/>
-              <a:buFont typeface="Arial" panose="020B0604020202020204" pitchFamily="34" charset="0"/>
-              <a:buChar char="•"/>
-            </a:pPr>
-            <a:r>
-              <a:rPr lang="en-US" sz="2400" dirty="0"/>
-              <a:t>Ensures that an application’s ‘</a:t>
-            </a:r>
-            <a:r>
-              <a:rPr lang="en-US" sz="2400" i="1" dirty="0"/>
-              <a:t>claim</a:t>
-            </a:r>
-            <a:r>
-              <a:rPr lang="en-US" sz="2400" dirty="0"/>
-              <a:t>’ for storage is portable across numerous</a:t>
-            </a:r>
-            <a:br>
-              <a:rPr lang="en-US" sz="2400" dirty="0"/>
-            </a:br>
-            <a:r>
-              <a:rPr lang="en-US" sz="2400" dirty="0"/>
-              <a:t>       backends or providers.</a:t>
-            </a:r>
-          </a:p>
-        </p:txBody>
-      </p:sp>
-    </p:spTree>
-    <p:extLst>
-      <p:ext uri="{BB962C8B-B14F-4D97-AF65-F5344CB8AC3E}">
-        <p14:creationId xmlns:p14="http://schemas.microsoft.com/office/powerpoint/2010/main" val="3658403698"/>
-      </p:ext>
-    </p:extLst>
-  </p:cSld>
-  <p:clrMapOvr>
-    <a:masterClrMapping/>
-  </p:clrMapOvr>
-</p:sld>
-</file>
-
-<file path=ppt/slides/slide17.xml><?xml version="1.0" encoding="utf-8"?>
-<p:sld xmlns:a="http://schemas.openxmlformats.org/drawingml/2006/main" xmlns:r="http://schemas.openxmlformats.org/officeDocument/2006/relationships" xmlns:p="http://schemas.openxmlformats.org/presentationml/2006/main">
-  <p:cSld>
-    <p:spTree>
-      <p:nvGrpSpPr>
-        <p:cNvPr id="1" name=""/>
-        <p:cNvGrpSpPr/>
-        <p:nvPr/>
-      </p:nvGrpSpPr>
-      <p:grpSpPr>
-        <a:xfrm>
-          <a:off x="0" y="0"/>
-          <a:ext cx="0" cy="0"/>
-          <a:chOff x="0" y="0"/>
-          <a:chExt cx="0" cy="0"/>
-        </a:xfrm>
-      </p:grpSpPr>
-      <p:sp>
-        <p:nvSpPr>
-          <p:cNvPr id="4" name="Google Shape;1046;p144">
-            <a:extLst>
-              <a:ext uri="{FF2B5EF4-FFF2-40B4-BE49-F238E27FC236}">
-                <a16:creationId xmlns:a16="http://schemas.microsoft.com/office/drawing/2014/main" id="{C65F712D-C4D7-4D92-894B-5D11A9EBEB19}"/>
-              </a:ext>
-            </a:extLst>
-          </p:cNvPr>
-          <p:cNvSpPr txBox="1">
-            <a:spLocks noGrp="1"/>
-          </p:cNvSpPr>
-          <p:nvPr>
-            <p:ph type="title"/>
-          </p:nvPr>
-        </p:nvSpPr>
-        <p:spPr>
-          <a:xfrm>
-            <a:off x="197617" y="-298119"/>
-            <a:ext cx="10972800" cy="1143200"/>
-          </a:xfrm>
-          <a:prstGeom prst="rect">
-            <a:avLst/>
-          </a:prstGeom>
-        </p:spPr>
-        <p:txBody>
-          <a:bodyPr spcFirstLastPara="1" vert="horz" wrap="square" lIns="121900" tIns="121900" rIns="121900" bIns="121900" rtlCol="0" anchor="b" anchorCtr="0">
-            <a:noAutofit/>
-          </a:bodyPr>
-          <a:lstStyle/>
-          <a:p>
-            <a:r>
-              <a:rPr lang="en-US"/>
-              <a:t>PersistentVolume Workflow</a:t>
-            </a:r>
-            <a:endParaRPr lang="en-US" dirty="0"/>
-          </a:p>
-        </p:txBody>
-      </p:sp>
-      <p:pic>
-        <p:nvPicPr>
-          <p:cNvPr id="2" name="Picture 1">
-            <a:extLst>
-              <a:ext uri="{FF2B5EF4-FFF2-40B4-BE49-F238E27FC236}">
-                <a16:creationId xmlns:a16="http://schemas.microsoft.com/office/drawing/2014/main" id="{37A9B198-36E4-4B82-8E4B-E6AB21488D65}"/>
-              </a:ext>
-            </a:extLst>
-          </p:cNvPr>
-          <p:cNvPicPr>
-            <a:picLocks noChangeAspect="1"/>
-          </p:cNvPicPr>
-          <p:nvPr/>
-        </p:nvPicPr>
-        <p:blipFill>
-          <a:blip r:embed="rId2"/>
-          <a:stretch>
-            <a:fillRect/>
-          </a:stretch>
-        </p:blipFill>
-        <p:spPr>
-          <a:xfrm>
-            <a:off x="668111" y="2096491"/>
-            <a:ext cx="10855777" cy="3725200"/>
-          </a:xfrm>
-          <a:prstGeom prst="rect">
-            <a:avLst/>
-          </a:prstGeom>
-        </p:spPr>
-      </p:pic>
-      <p:sp>
-        <p:nvSpPr>
-          <p:cNvPr id="7" name="Rectangle 6">
-            <a:extLst>
-              <a:ext uri="{FF2B5EF4-FFF2-40B4-BE49-F238E27FC236}">
-                <a16:creationId xmlns:a16="http://schemas.microsoft.com/office/drawing/2014/main" id="{12571F47-E337-42A5-A097-9BE9053D7F67}"/>
-              </a:ext>
-            </a:extLst>
-          </p:cNvPr>
-          <p:cNvSpPr/>
-          <p:nvPr/>
-        </p:nvSpPr>
-        <p:spPr>
-          <a:xfrm>
-            <a:off x="5164914" y="5775795"/>
-            <a:ext cx="4983480" cy="369332"/>
-          </a:xfrm>
-          <a:prstGeom prst="rect">
-            <a:avLst/>
-          </a:prstGeom>
-        </p:spPr>
-        <p:txBody>
-          <a:bodyPr wrap="square">
-            <a:spAutoFit/>
-          </a:bodyPr>
-          <a:lstStyle/>
-          <a:p>
-            <a:r>
-              <a:rPr lang="en-US"/>
-              <a:t>Create network storage resource(NFS ,Cloud etc.</a:t>
-            </a:r>
-            <a:endParaRPr lang="en-US" dirty="0"/>
-          </a:p>
-        </p:txBody>
-      </p:sp>
-      <p:pic>
-        <p:nvPicPr>
-          <p:cNvPr id="8" name="Picture 7">
-            <a:extLst>
-              <a:ext uri="{FF2B5EF4-FFF2-40B4-BE49-F238E27FC236}">
-                <a16:creationId xmlns:a16="http://schemas.microsoft.com/office/drawing/2014/main" id="{AAAD4DB8-DD18-4821-9610-CC95B41B344B}"/>
-              </a:ext>
-            </a:extLst>
-          </p:cNvPr>
-          <p:cNvPicPr>
-            <a:picLocks noChangeAspect="1"/>
-          </p:cNvPicPr>
-          <p:nvPr/>
-        </p:nvPicPr>
-        <p:blipFill>
-          <a:blip r:embed="rId3"/>
-          <a:stretch>
-            <a:fillRect/>
-          </a:stretch>
-        </p:blipFill>
-        <p:spPr>
-          <a:xfrm>
-            <a:off x="7177775" y="5357344"/>
-            <a:ext cx="478879" cy="464347"/>
-          </a:xfrm>
-          <a:prstGeom prst="rect">
-            <a:avLst/>
-          </a:prstGeom>
-        </p:spPr>
-      </p:pic>
-      <p:pic>
-        <p:nvPicPr>
-          <p:cNvPr id="9" name="Picture 8">
-            <a:extLst>
-              <a:ext uri="{FF2B5EF4-FFF2-40B4-BE49-F238E27FC236}">
-                <a16:creationId xmlns:a16="http://schemas.microsoft.com/office/drawing/2014/main" id="{15C7DFE5-4CC1-4212-8774-DDF9C7E380FB}"/>
-              </a:ext>
-            </a:extLst>
-          </p:cNvPr>
-          <p:cNvPicPr>
-            <a:picLocks noChangeAspect="1"/>
-          </p:cNvPicPr>
-          <p:nvPr/>
-        </p:nvPicPr>
-        <p:blipFill>
-          <a:blip r:embed="rId4"/>
-          <a:stretch>
-            <a:fillRect/>
-          </a:stretch>
-        </p:blipFill>
-        <p:spPr>
-          <a:xfrm>
-            <a:off x="7137636" y="1869022"/>
-            <a:ext cx="519018" cy="447349"/>
-          </a:xfrm>
-          <a:prstGeom prst="rect">
-            <a:avLst/>
-          </a:prstGeom>
-        </p:spPr>
-      </p:pic>
-      <p:sp>
-        <p:nvSpPr>
-          <p:cNvPr id="10" name="Rectangle 9">
-            <a:extLst>
-              <a:ext uri="{FF2B5EF4-FFF2-40B4-BE49-F238E27FC236}">
-                <a16:creationId xmlns:a16="http://schemas.microsoft.com/office/drawing/2014/main" id="{12D0C76E-7DF4-44FD-80BC-12F9B4443F2F}"/>
-              </a:ext>
-            </a:extLst>
-          </p:cNvPr>
-          <p:cNvSpPr/>
-          <p:nvPr/>
-        </p:nvSpPr>
-        <p:spPr>
-          <a:xfrm>
-            <a:off x="6730667" y="1147620"/>
-            <a:ext cx="4983480" cy="646331"/>
-          </a:xfrm>
-          <a:prstGeom prst="rect">
-            <a:avLst/>
-          </a:prstGeom>
-        </p:spPr>
-        <p:txBody>
-          <a:bodyPr wrap="square">
-            <a:spAutoFit/>
-          </a:bodyPr>
-          <a:lstStyle/>
-          <a:p>
-            <a:r>
-              <a:rPr lang="en-US"/>
-              <a:t>Define a persistence volume(PV) and send to the Kubernetes API</a:t>
-            </a:r>
-            <a:endParaRPr lang="en-US" dirty="0"/>
-          </a:p>
-        </p:txBody>
-      </p:sp>
-      <p:sp>
-        <p:nvSpPr>
-          <p:cNvPr id="11" name="Rectangle 10">
-            <a:extLst>
-              <a:ext uri="{FF2B5EF4-FFF2-40B4-BE49-F238E27FC236}">
-                <a16:creationId xmlns:a16="http://schemas.microsoft.com/office/drawing/2014/main" id="{72474500-8832-4BA0-8546-7EBE7C82F728}"/>
-              </a:ext>
-            </a:extLst>
-          </p:cNvPr>
-          <p:cNvSpPr/>
-          <p:nvPr/>
-        </p:nvSpPr>
-        <p:spPr>
-          <a:xfrm>
-            <a:off x="2836030" y="1403723"/>
-            <a:ext cx="4983480" cy="369332"/>
-          </a:xfrm>
-          <a:prstGeom prst="rect">
-            <a:avLst/>
-          </a:prstGeom>
-        </p:spPr>
-        <p:txBody>
-          <a:bodyPr wrap="square">
-            <a:spAutoFit/>
-          </a:bodyPr>
-          <a:lstStyle/>
-          <a:p>
-            <a:r>
-              <a:rPr lang="en-US" dirty="0"/>
-              <a:t>Create a </a:t>
-            </a:r>
-            <a:r>
-              <a:rPr lang="en-US" dirty="0" err="1"/>
-              <a:t>PersistentVolumeclaim</a:t>
-            </a:r>
-            <a:r>
-              <a:rPr lang="en-US" dirty="0"/>
-              <a:t>(PVC)</a:t>
-            </a:r>
-          </a:p>
-        </p:txBody>
-      </p:sp>
-      <p:pic>
-        <p:nvPicPr>
-          <p:cNvPr id="3" name="Picture 2">
-            <a:extLst>
-              <a:ext uri="{FF2B5EF4-FFF2-40B4-BE49-F238E27FC236}">
-                <a16:creationId xmlns:a16="http://schemas.microsoft.com/office/drawing/2014/main" id="{7571C2D3-D12D-4B47-974B-985253DA0FEF}"/>
-              </a:ext>
-            </a:extLst>
-          </p:cNvPr>
-          <p:cNvPicPr>
-            <a:picLocks noChangeAspect="1"/>
-          </p:cNvPicPr>
-          <p:nvPr/>
-        </p:nvPicPr>
-        <p:blipFill>
-          <a:blip r:embed="rId5"/>
-          <a:stretch>
-            <a:fillRect/>
-          </a:stretch>
-        </p:blipFill>
-        <p:spPr>
-          <a:xfrm>
-            <a:off x="5876817" y="3129989"/>
-            <a:ext cx="513217" cy="469027"/>
-          </a:xfrm>
-          <a:prstGeom prst="rect">
-            <a:avLst/>
-          </a:prstGeom>
-        </p:spPr>
-      </p:pic>
-      <p:pic>
-        <p:nvPicPr>
-          <p:cNvPr id="5" name="Picture 4">
-            <a:extLst>
-              <a:ext uri="{FF2B5EF4-FFF2-40B4-BE49-F238E27FC236}">
-                <a16:creationId xmlns:a16="http://schemas.microsoft.com/office/drawing/2014/main" id="{CC0A5D2A-C8DF-4987-B263-EAF9A8BC81D8}"/>
-              </a:ext>
-            </a:extLst>
-          </p:cNvPr>
-          <p:cNvPicPr>
-            <a:picLocks noChangeAspect="1"/>
-          </p:cNvPicPr>
-          <p:nvPr/>
-        </p:nvPicPr>
-        <p:blipFill>
-          <a:blip r:embed="rId6"/>
-          <a:stretch>
-            <a:fillRect/>
-          </a:stretch>
-        </p:blipFill>
-        <p:spPr>
-          <a:xfrm>
-            <a:off x="4522806" y="1802893"/>
-            <a:ext cx="531559" cy="513478"/>
-          </a:xfrm>
-          <a:prstGeom prst="rect">
-            <a:avLst/>
-          </a:prstGeom>
-        </p:spPr>
-      </p:pic>
-      <p:sp>
-        <p:nvSpPr>
-          <p:cNvPr id="12" name="Rectangle 11">
-            <a:extLst>
-              <a:ext uri="{FF2B5EF4-FFF2-40B4-BE49-F238E27FC236}">
-                <a16:creationId xmlns:a16="http://schemas.microsoft.com/office/drawing/2014/main" id="{2A8FE44B-D053-4BED-AF52-FD17CEDEE300}"/>
-              </a:ext>
-            </a:extLst>
-          </p:cNvPr>
-          <p:cNvSpPr/>
-          <p:nvPr/>
-        </p:nvSpPr>
-        <p:spPr>
-          <a:xfrm>
-            <a:off x="5164914" y="3553120"/>
-            <a:ext cx="4983480" cy="646331"/>
-          </a:xfrm>
-          <a:prstGeom prst="rect">
-            <a:avLst/>
-          </a:prstGeom>
-        </p:spPr>
-        <p:txBody>
-          <a:bodyPr wrap="square">
-            <a:spAutoFit/>
-          </a:bodyPr>
-          <a:lstStyle/>
-          <a:p>
-            <a:r>
-              <a:rPr lang="en-US"/>
-              <a:t>Kubernetes binds the </a:t>
-            </a:r>
-            <a:br>
-              <a:rPr lang="en-US"/>
-            </a:br>
-            <a:r>
-              <a:rPr lang="en-US"/>
-              <a:t>PVC to PV</a:t>
-            </a:r>
-            <a:endParaRPr lang="en-US" dirty="0"/>
-          </a:p>
-        </p:txBody>
-      </p:sp>
-      <p:pic>
-        <p:nvPicPr>
-          <p:cNvPr id="6" name="Picture 5">
-            <a:extLst>
-              <a:ext uri="{FF2B5EF4-FFF2-40B4-BE49-F238E27FC236}">
-                <a16:creationId xmlns:a16="http://schemas.microsoft.com/office/drawing/2014/main" id="{8E3BB6DE-0029-414E-B5ED-725BDFFAA73F}"/>
-              </a:ext>
-            </a:extLst>
-          </p:cNvPr>
-          <p:cNvPicPr>
-            <a:picLocks noChangeAspect="1"/>
-          </p:cNvPicPr>
-          <p:nvPr/>
-        </p:nvPicPr>
-        <p:blipFill>
-          <a:blip r:embed="rId7"/>
-          <a:stretch>
-            <a:fillRect/>
-          </a:stretch>
-        </p:blipFill>
-        <p:spPr>
-          <a:xfrm>
-            <a:off x="1433771" y="3807838"/>
-            <a:ext cx="539037" cy="486760"/>
-          </a:xfrm>
-          <a:prstGeom prst="rect">
-            <a:avLst/>
-          </a:prstGeom>
-        </p:spPr>
-      </p:pic>
-      <p:sp>
-        <p:nvSpPr>
-          <p:cNvPr id="20" name="Rectangle 19">
-            <a:extLst>
-              <a:ext uri="{FF2B5EF4-FFF2-40B4-BE49-F238E27FC236}">
-                <a16:creationId xmlns:a16="http://schemas.microsoft.com/office/drawing/2014/main" id="{68AD2AE8-7623-4869-91D3-D4A13248FE13}"/>
-              </a:ext>
-            </a:extLst>
-          </p:cNvPr>
-          <p:cNvSpPr/>
-          <p:nvPr/>
-        </p:nvSpPr>
-        <p:spPr>
-          <a:xfrm>
-            <a:off x="344290" y="4309060"/>
-            <a:ext cx="4983480" cy="369332"/>
-          </a:xfrm>
-          <a:prstGeom prst="rect">
-            <a:avLst/>
-          </a:prstGeom>
-        </p:spPr>
-        <p:txBody>
-          <a:bodyPr wrap="square">
-            <a:spAutoFit/>
-          </a:bodyPr>
-          <a:lstStyle/>
-          <a:p>
-            <a:r>
-              <a:rPr lang="en-US" dirty="0"/>
-              <a:t>Pod volume references the PVC</a:t>
-            </a:r>
-          </a:p>
-        </p:txBody>
-      </p:sp>
-    </p:spTree>
-    <p:extLst>
-      <p:ext uri="{BB962C8B-B14F-4D97-AF65-F5344CB8AC3E}">
-        <p14:creationId xmlns:p14="http://schemas.microsoft.com/office/powerpoint/2010/main" val="3174640476"/>
-      </p:ext>
-    </p:extLst>
-  </p:cSld>
-  <p:clrMapOvr>
-    <a:masterClrMapping/>
-  </p:clrMapOvr>
-</p:sld>
-</file>
-
-<file path=ppt/slides/slide18.xml><?xml version="1.0" encoding="utf-8"?>
-<p:sld xmlns:a="http://schemas.openxmlformats.org/drawingml/2006/main" xmlns:r="http://schemas.openxmlformats.org/officeDocument/2006/relationships" xmlns:p="http://schemas.openxmlformats.org/presentationml/2006/main">
-  <p:cSld>
-    <p:spTree>
-      <p:nvGrpSpPr>
-        <p:cNvPr id="1" name=""/>
-        <p:cNvGrpSpPr/>
-        <p:nvPr/>
-      </p:nvGrpSpPr>
-      <p:grpSpPr>
-        <a:xfrm>
-          <a:off x="0" y="0"/>
-          <a:ext cx="0" cy="0"/>
-          <a:chOff x="0" y="0"/>
-          <a:chExt cx="0" cy="0"/>
-        </a:xfrm>
-      </p:grpSpPr>
-      <p:sp>
-        <p:nvSpPr>
-          <p:cNvPr id="6" name="Google Shape;993;p137">
-            <a:extLst>
-              <a:ext uri="{FF2B5EF4-FFF2-40B4-BE49-F238E27FC236}">
-                <a16:creationId xmlns:a16="http://schemas.microsoft.com/office/drawing/2014/main" id="{4C474BEB-ECB2-4627-BD28-A8230A54ECBF}"/>
-              </a:ext>
-            </a:extLst>
-          </p:cNvPr>
-          <p:cNvSpPr txBox="1">
-            <a:spLocks noGrp="1"/>
-          </p:cNvSpPr>
-          <p:nvPr>
-            <p:ph type="title"/>
-          </p:nvPr>
-        </p:nvSpPr>
-        <p:spPr>
-          <a:xfrm>
-            <a:off x="609600" y="274637"/>
-            <a:ext cx="10972800" cy="731203"/>
-          </a:xfrm>
-          <a:prstGeom prst="rect">
-            <a:avLst/>
-          </a:prstGeom>
-        </p:spPr>
-        <p:txBody>
-          <a:bodyPr spcFirstLastPara="1" vert="horz" wrap="square" lIns="121900" tIns="121900" rIns="121900" bIns="121900" rtlCol="0" anchor="b" anchorCtr="0">
-            <a:noAutofit/>
-          </a:bodyPr>
-          <a:lstStyle/>
-          <a:p>
-            <a:r>
-              <a:rPr lang="en" dirty="0"/>
-              <a:t>Storage </a:t>
-            </a:r>
-            <a:r>
-              <a:rPr lang="en-US" dirty="0"/>
-              <a:t>Class Core Concepts</a:t>
-            </a:r>
-            <a:endParaRPr dirty="0"/>
-          </a:p>
-        </p:txBody>
-      </p:sp>
-      <p:sp>
-        <p:nvSpPr>
-          <p:cNvPr id="7" name="Google Shape;994;p137">
-            <a:extLst>
-              <a:ext uri="{FF2B5EF4-FFF2-40B4-BE49-F238E27FC236}">
-                <a16:creationId xmlns:a16="http://schemas.microsoft.com/office/drawing/2014/main" id="{3C10F1D5-8786-492D-9230-3D09030F4446}"/>
-              </a:ext>
-            </a:extLst>
-          </p:cNvPr>
-          <p:cNvSpPr txBox="1">
-            <a:spLocks/>
-          </p:cNvSpPr>
-          <p:nvPr/>
-        </p:nvSpPr>
-        <p:spPr>
-          <a:xfrm>
-            <a:off x="609600" y="4130381"/>
-            <a:ext cx="10972800" cy="2459578"/>
-          </a:xfrm>
-          <a:prstGeom prst="rect">
-            <a:avLst/>
-          </a:prstGeom>
-        </p:spPr>
-        <p:txBody>
-          <a:bodyPr spcFirstLastPara="1" vert="horz" wrap="square" lIns="121900" tIns="121900" rIns="121900" bIns="121900" rtlCol="0" anchor="t" anchorCtr="0">
-            <a:noAutofit/>
-          </a:bodyPr>
-          <a:lstStyle>
-            <a:lvl1pPr marL="228600" indent="-228600" algn="l" defTabSz="914400" rtl="0" eaLnBrk="1" latinLnBrk="0" hangingPunct="1">
-              <a:lnSpc>
-                <a:spcPct val="90000"/>
-              </a:lnSpc>
-              <a:spcBef>
-                <a:spcPts val="1000"/>
-              </a:spcBef>
-              <a:buFont typeface="Arial" panose="020B0604020202020204" pitchFamily="34" charset="0"/>
-              <a:buChar char="•"/>
-              <a:defRPr sz="2800" kern="1200">
-                <a:solidFill>
-                  <a:schemeClr val="tx1"/>
-                </a:solidFill>
-                <a:latin typeface="+mn-lt"/>
-                <a:ea typeface="+mn-ea"/>
-                <a:cs typeface="+mn-cs"/>
-              </a:defRPr>
-            </a:lvl1pPr>
-            <a:lvl2pPr marL="685800" indent="-228600" algn="l" defTabSz="914400" rtl="0" eaLnBrk="1" latinLnBrk="0" hangingPunct="1">
-              <a:lnSpc>
-                <a:spcPct val="90000"/>
-              </a:lnSpc>
-              <a:spcBef>
-                <a:spcPts val="500"/>
-              </a:spcBef>
-              <a:buFont typeface="Arial" panose="020B0604020202020204" pitchFamily="34" charset="0"/>
-              <a:buChar char="•"/>
-              <a:defRPr sz="2400" kern="1200">
-                <a:solidFill>
-                  <a:schemeClr val="tx1"/>
-                </a:solidFill>
-                <a:latin typeface="+mn-lt"/>
-                <a:ea typeface="+mn-ea"/>
-                <a:cs typeface="+mn-cs"/>
-              </a:defRPr>
-            </a:lvl2pPr>
-            <a:lvl3pPr marL="1143000" indent="-228600" algn="l" defTabSz="914400" rtl="0" eaLnBrk="1" latinLnBrk="0" hangingPunct="1">
-              <a:lnSpc>
-                <a:spcPct val="90000"/>
-              </a:lnSpc>
-              <a:spcBef>
-                <a:spcPts val="500"/>
-              </a:spcBef>
-              <a:buFont typeface="Arial" panose="020B0604020202020204" pitchFamily="34" charset="0"/>
-              <a:buChar char="•"/>
-              <a:defRPr sz="2000" kern="1200">
-                <a:solidFill>
-                  <a:schemeClr val="tx1"/>
-                </a:solidFill>
-                <a:latin typeface="+mn-lt"/>
-                <a:ea typeface="+mn-ea"/>
-                <a:cs typeface="+mn-cs"/>
-              </a:defRPr>
-            </a:lvl3pPr>
-            <a:lvl4pPr marL="1600200" indent="-228600" algn="l" defTabSz="914400" rtl="0" eaLnBrk="1" latinLnBrk="0" hangingPunct="1">
-              <a:lnSpc>
-                <a:spcPct val="90000"/>
-              </a:lnSpc>
-              <a:spcBef>
-                <a:spcPts val="500"/>
-              </a:spcBef>
-              <a:buFont typeface="Arial" panose="020B0604020202020204" pitchFamily="34" charset="0"/>
-              <a:buChar char="•"/>
-              <a:defRPr sz="1800" kern="1200">
-                <a:solidFill>
-                  <a:schemeClr val="tx1"/>
-                </a:solidFill>
-                <a:latin typeface="+mn-lt"/>
-                <a:ea typeface="+mn-ea"/>
-                <a:cs typeface="+mn-cs"/>
-              </a:defRPr>
-            </a:lvl4pPr>
-            <a:lvl5pPr marL="2057400" indent="-228600" algn="l" defTabSz="914400" rtl="0" eaLnBrk="1" latinLnBrk="0" hangingPunct="1">
-              <a:lnSpc>
-                <a:spcPct val="90000"/>
-              </a:lnSpc>
-              <a:spcBef>
-                <a:spcPts val="500"/>
-              </a:spcBef>
-              <a:buFont typeface="Arial" panose="020B0604020202020204" pitchFamily="34" charset="0"/>
-              <a:buChar char="•"/>
-              <a:defRPr sz="1800" kern="1200">
-                <a:solidFill>
-                  <a:schemeClr val="tx1"/>
-                </a:solidFill>
-                <a:latin typeface="+mn-lt"/>
-                <a:ea typeface="+mn-ea"/>
-                <a:cs typeface="+mn-cs"/>
-              </a:defRPr>
-            </a:lvl5pPr>
-            <a:lvl6pPr marL="2514600" indent="-228600" algn="l" defTabSz="914400" rtl="0" eaLnBrk="1" latinLnBrk="0" hangingPunct="1">
-              <a:lnSpc>
-                <a:spcPct val="90000"/>
-              </a:lnSpc>
-              <a:spcBef>
-                <a:spcPts val="500"/>
-              </a:spcBef>
-              <a:buFont typeface="Arial" panose="020B0604020202020204" pitchFamily="34" charset="0"/>
-              <a:buChar char="•"/>
-              <a:defRPr sz="1800" kern="1200">
-                <a:solidFill>
-                  <a:schemeClr val="tx1"/>
-                </a:solidFill>
-                <a:latin typeface="+mn-lt"/>
-                <a:ea typeface="+mn-ea"/>
-                <a:cs typeface="+mn-cs"/>
-              </a:defRPr>
-            </a:lvl6pPr>
-            <a:lvl7pPr marL="2971800" indent="-228600" algn="l" defTabSz="914400" rtl="0" eaLnBrk="1" latinLnBrk="0" hangingPunct="1">
-              <a:lnSpc>
-                <a:spcPct val="90000"/>
-              </a:lnSpc>
-              <a:spcBef>
-                <a:spcPts val="500"/>
-              </a:spcBef>
-              <a:buFont typeface="Arial" panose="020B0604020202020204" pitchFamily="34" charset="0"/>
-              <a:buChar char="•"/>
-              <a:defRPr sz="1800" kern="1200">
-                <a:solidFill>
-                  <a:schemeClr val="tx1"/>
-                </a:solidFill>
-                <a:latin typeface="+mn-lt"/>
-                <a:ea typeface="+mn-ea"/>
-                <a:cs typeface="+mn-cs"/>
-              </a:defRPr>
-            </a:lvl7pPr>
-            <a:lvl8pPr marL="3429000" indent="-228600" algn="l" defTabSz="914400" rtl="0" eaLnBrk="1" latinLnBrk="0" hangingPunct="1">
-              <a:lnSpc>
-                <a:spcPct val="90000"/>
-              </a:lnSpc>
-              <a:spcBef>
-                <a:spcPts val="500"/>
-              </a:spcBef>
-              <a:buFont typeface="Arial" panose="020B0604020202020204" pitchFamily="34" charset="0"/>
-              <a:buChar char="•"/>
-              <a:defRPr sz="1800" kern="1200">
-                <a:solidFill>
-                  <a:schemeClr val="tx1"/>
-                </a:solidFill>
-                <a:latin typeface="+mn-lt"/>
-                <a:ea typeface="+mn-ea"/>
-                <a:cs typeface="+mn-cs"/>
-              </a:defRPr>
-            </a:lvl8pPr>
-            <a:lvl9pPr marL="3886200" indent="-228600" algn="l" defTabSz="914400" rtl="0" eaLnBrk="1" latinLnBrk="0" hangingPunct="1">
-              <a:lnSpc>
-                <a:spcPct val="90000"/>
-              </a:lnSpc>
-              <a:spcBef>
-                <a:spcPts val="500"/>
-              </a:spcBef>
-              <a:buFont typeface="Arial" panose="020B0604020202020204" pitchFamily="34" charset="0"/>
-              <a:buChar char="•"/>
-              <a:defRPr sz="1800" kern="1200">
-                <a:solidFill>
-                  <a:schemeClr val="tx1"/>
-                </a:solidFill>
-                <a:latin typeface="+mn-lt"/>
-                <a:ea typeface="+mn-ea"/>
-                <a:cs typeface="+mn-cs"/>
-              </a:defRPr>
-            </a:lvl9pPr>
-          </a:lstStyle>
-          <a:p>
-            <a:pPr marL="0" indent="0">
-              <a:buFont typeface="Arial" panose="020B0604020202020204" pitchFamily="34" charset="0"/>
-              <a:buNone/>
-            </a:pPr>
-            <a:endParaRPr lang="en-US" sz="3200" dirty="0"/>
-          </a:p>
-          <a:p>
-            <a:pPr marL="0" indent="0">
-              <a:buFont typeface="Arial" panose="020B0604020202020204" pitchFamily="34" charset="0"/>
-              <a:buNone/>
-            </a:pPr>
-            <a:endParaRPr lang="en-US" sz="3200" dirty="0"/>
-          </a:p>
-        </p:txBody>
-      </p:sp>
-      <p:sp>
-        <p:nvSpPr>
-          <p:cNvPr id="2" name="Rectangle 1">
-            <a:extLst>
-              <a:ext uri="{FF2B5EF4-FFF2-40B4-BE49-F238E27FC236}">
-                <a16:creationId xmlns:a16="http://schemas.microsoft.com/office/drawing/2014/main" id="{ACAC7C74-8D59-4550-A840-75067F791BF7}"/>
-              </a:ext>
-            </a:extLst>
-          </p:cNvPr>
-          <p:cNvSpPr/>
-          <p:nvPr/>
-        </p:nvSpPr>
-        <p:spPr>
-          <a:xfrm>
-            <a:off x="708286" y="1313015"/>
             <a:ext cx="6881234" cy="830997"/>
           </a:xfrm>
           <a:prstGeom prst="rect">
@@ -19939,7 +19390,7 @@
 </p:sld>
 </file>
 
-<file path=ppt/slides/slide19.xml><?xml version="1.0" encoding="utf-8"?>
+<file path=ppt/slides/slide18.xml><?xml version="1.0" encoding="utf-8"?>
 <p:sld xmlns:a="http://schemas.openxmlformats.org/drawingml/2006/main" xmlns:r="http://schemas.openxmlformats.org/officeDocument/2006/relationships" xmlns:p="http://schemas.openxmlformats.org/presentationml/2006/main">
   <p:cSld>
     <p:spTree>
@@ -20635,6 +20086,63 @@
     <p:extLst>
       <p:ext uri="{BB962C8B-B14F-4D97-AF65-F5344CB8AC3E}">
         <p14:creationId xmlns:p14="http://schemas.microsoft.com/office/powerpoint/2010/main" val="3483921034"/>
+      </p:ext>
+    </p:extLst>
+  </p:cSld>
+  <p:clrMapOvr>
+    <a:masterClrMapping/>
+  </p:clrMapOvr>
+</p:sld>
+</file>
+
+<file path=ppt/slides/slide19.xml><?xml version="1.0" encoding="utf-8"?>
+<p:sld xmlns:a="http://schemas.openxmlformats.org/drawingml/2006/main" xmlns:r="http://schemas.openxmlformats.org/officeDocument/2006/relationships" xmlns:p="http://schemas.openxmlformats.org/presentationml/2006/main">
+  <p:cSld>
+    <p:spTree>
+      <p:nvGrpSpPr>
+        <p:cNvPr id="1" name=""/>
+        <p:cNvGrpSpPr/>
+        <p:nvPr/>
+      </p:nvGrpSpPr>
+      <p:grpSpPr>
+        <a:xfrm>
+          <a:off x="0" y="0"/>
+          <a:ext cx="0" cy="0"/>
+          <a:chOff x="0" y="0"/>
+          <a:chExt cx="0" cy="0"/>
+        </a:xfrm>
+      </p:grpSpPr>
+      <p:sp>
+        <p:nvSpPr>
+          <p:cNvPr id="4" name="Title 3"/>
+          <p:cNvSpPr>
+            <a:spLocks noGrp="1"/>
+          </p:cNvSpPr>
+          <p:nvPr>
+            <p:ph type="title"/>
+          </p:nvPr>
+        </p:nvSpPr>
+        <p:spPr>
+          <a:xfrm>
+            <a:off x="404150" y="2518659"/>
+            <a:ext cx="11300170" cy="1218795"/>
+          </a:xfrm>
+        </p:spPr>
+        <p:txBody>
+          <a:bodyPr/>
+          <a:lstStyle/>
+          <a:p>
+            <a:r>
+              <a:rPr lang="en-US" sz="4400" dirty="0"/>
+              <a:t>Lab 6 &amp; 7: Data Persistence in Kubernetes </a:t>
+            </a:r>
+          </a:p>
+        </p:txBody>
+      </p:sp>
+    </p:spTree>
+    <p:extLst>
+      <p:ext uri="{BB962C8B-B14F-4D97-AF65-F5344CB8AC3E}">
+        <p14:creationId xmlns:p14="http://schemas.microsoft.com/office/powerpoint/2010/main" val="1661859103"/>
       </p:ext>
     </p:extLst>
   </p:cSld>
@@ -28925,6 +28433,76 @@
   <p:cSld>
     <p:spTree>
       <p:nvGrpSpPr>
+        <p:cNvPr id="1" name="Shape 985"/>
+        <p:cNvGrpSpPr/>
+        <p:nvPr/>
+      </p:nvGrpSpPr>
+      <p:grpSpPr>
+        <a:xfrm>
+          <a:off x="0" y="0"/>
+          <a:ext cx="0" cy="0"/>
+          <a:chOff x="0" y="0"/>
+          <a:chExt cx="0" cy="0"/>
+        </a:xfrm>
+      </p:grpSpPr>
+      <p:sp>
+        <p:nvSpPr>
+          <p:cNvPr id="987" name="Google Shape;987;p136"/>
+          <p:cNvSpPr txBox="1">
+            <a:spLocks noGrp="1"/>
+          </p:cNvSpPr>
+          <p:nvPr>
+            <p:ph type="ctrTitle" idx="4294967295"/>
+          </p:nvPr>
+        </p:nvSpPr>
+        <p:spPr>
+          <a:xfrm>
+            <a:off x="3084843" y="1925481"/>
+            <a:ext cx="5776913" cy="2057400"/>
+          </a:xfrm>
+          <a:prstGeom prst="rect">
+            <a:avLst/>
+          </a:prstGeom>
+        </p:spPr>
+        <p:txBody>
+          <a:bodyPr spcFirstLastPara="1" vert="horz" wrap="square" lIns="121900" tIns="121900" rIns="121900" bIns="121900" rtlCol="0" anchor="ctr" anchorCtr="0">
+            <a:noAutofit/>
+          </a:bodyPr>
+          <a:lstStyle/>
+          <a:p>
+            <a:pPr algn="ctr"/>
+            <a:r>
+              <a:rPr lang="en-US" dirty="0"/>
+              <a:t>Understanding Persistent </a:t>
+            </a:r>
+            <a:r>
+              <a:rPr lang="en" dirty="0"/>
+              <a:t>Storage</a:t>
+            </a:r>
+            <a:br>
+              <a:rPr lang="en" dirty="0"/>
+            </a:br>
+            <a:r>
+              <a:rPr lang="en-US" dirty="0"/>
+              <a:t>in Kubernetes</a:t>
+            </a:r>
+            <a:endParaRPr dirty="0"/>
+          </a:p>
+        </p:txBody>
+      </p:sp>
+    </p:spTree>
+  </p:cSld>
+  <p:clrMapOvr>
+    <a:masterClrMapping/>
+  </p:clrMapOvr>
+</p:sld>
+</file>
+
+<file path=ppt/slides/slide9.xml><?xml version="1.0" encoding="utf-8"?>
+<p:sld xmlns:a="http://schemas.openxmlformats.org/drawingml/2006/main" xmlns:r="http://schemas.openxmlformats.org/officeDocument/2006/relationships" xmlns:p="http://schemas.openxmlformats.org/presentationml/2006/main">
+  <p:cSld>
+    <p:spTree>
+      <p:nvGrpSpPr>
         <p:cNvPr id="1" name=""/>
         <p:cNvGrpSpPr/>
         <p:nvPr/>
@@ -28939,8 +28517,14 @@
       </p:grpSpPr>
       <p:sp>
         <p:nvSpPr>
-          <p:cNvPr id="4" name="Title 3"/>
-          <p:cNvSpPr>
+          <p:cNvPr id="6" name="Google Shape;993;p137">
+            <a:extLst>
+              <a:ext uri="{FF2B5EF4-FFF2-40B4-BE49-F238E27FC236}">
+                <a16:creationId xmlns:a16="http://schemas.microsoft.com/office/drawing/2014/main" id="{4C474BEB-ECB2-4627-BD28-A8230A54ECBF}"/>
+              </a:ext>
+            </a:extLst>
+          </p:cNvPr>
+          <p:cNvSpPr txBox="1">
             <a:spLocks noGrp="1"/>
           </p:cNvSpPr>
           <p:nvPr>
@@ -28949,97 +28533,513 @@
         </p:nvSpPr>
         <p:spPr>
           <a:xfrm>
-            <a:off x="404150" y="2518659"/>
-            <a:ext cx="11300170" cy="1218795"/>
-          </a:xfrm>
-        </p:spPr>
-        <p:txBody>
-          <a:bodyPr/>
+            <a:off x="609600" y="274637"/>
+            <a:ext cx="10972800" cy="731203"/>
+          </a:xfrm>
+          <a:prstGeom prst="rect">
+            <a:avLst/>
+          </a:prstGeom>
+        </p:spPr>
+        <p:txBody>
+          <a:bodyPr spcFirstLastPara="1" vert="horz" wrap="square" lIns="121900" tIns="121900" rIns="121900" bIns="121900" rtlCol="0" anchor="b" anchorCtr="0">
+            <a:noAutofit/>
+          </a:bodyPr>
           <a:lstStyle/>
           <a:p>
             <a:r>
-              <a:rPr lang="en-US" sz="4400" dirty="0"/>
-              <a:t>Lab 6 &amp; 7: Data Persistence in Kubernetes </a:t>
-            </a:r>
-          </a:p>
-        </p:txBody>
-      </p:sp>
+              <a:rPr lang="en" dirty="0"/>
+              <a:t>Storage </a:t>
+            </a:r>
+            <a:r>
+              <a:rPr lang="en-US" dirty="0"/>
+              <a:t>Core Concepts</a:t>
+            </a:r>
+            <a:endParaRPr dirty="0"/>
+          </a:p>
+        </p:txBody>
+      </p:sp>
+      <p:sp>
+        <p:nvSpPr>
+          <p:cNvPr id="7" name="Google Shape;994;p137">
+            <a:extLst>
+              <a:ext uri="{FF2B5EF4-FFF2-40B4-BE49-F238E27FC236}">
+                <a16:creationId xmlns:a16="http://schemas.microsoft.com/office/drawing/2014/main" id="{3C10F1D5-8786-492D-9230-3D09030F4446}"/>
+              </a:ext>
+            </a:extLst>
+          </p:cNvPr>
+          <p:cNvSpPr txBox="1">
+            <a:spLocks/>
+          </p:cNvSpPr>
+          <p:nvPr/>
+        </p:nvSpPr>
+        <p:spPr>
+          <a:xfrm>
+            <a:off x="609600" y="4130381"/>
+            <a:ext cx="10972800" cy="2459578"/>
+          </a:xfrm>
+          <a:prstGeom prst="rect">
+            <a:avLst/>
+          </a:prstGeom>
+        </p:spPr>
+        <p:txBody>
+          <a:bodyPr spcFirstLastPara="1" vert="horz" wrap="square" lIns="121900" tIns="121900" rIns="121900" bIns="121900" rtlCol="0" anchor="t" anchorCtr="0">
+            <a:noAutofit/>
+          </a:bodyPr>
+          <a:lstStyle>
+            <a:lvl1pPr marL="228600" indent="-228600" algn="l" defTabSz="914400" rtl="0" eaLnBrk="1" latinLnBrk="0" hangingPunct="1">
+              <a:lnSpc>
+                <a:spcPct val="90000"/>
+              </a:lnSpc>
+              <a:spcBef>
+                <a:spcPts val="1000"/>
+              </a:spcBef>
+              <a:buFont typeface="Arial" panose="020B0604020202020204" pitchFamily="34" charset="0"/>
+              <a:buChar char="•"/>
+              <a:defRPr sz="2800" kern="1200">
+                <a:solidFill>
+                  <a:schemeClr val="tx1"/>
+                </a:solidFill>
+                <a:latin typeface="+mn-lt"/>
+                <a:ea typeface="+mn-ea"/>
+                <a:cs typeface="+mn-cs"/>
+              </a:defRPr>
+            </a:lvl1pPr>
+            <a:lvl2pPr marL="685800" indent="-228600" algn="l" defTabSz="914400" rtl="0" eaLnBrk="1" latinLnBrk="0" hangingPunct="1">
+              <a:lnSpc>
+                <a:spcPct val="90000"/>
+              </a:lnSpc>
+              <a:spcBef>
+                <a:spcPts val="500"/>
+              </a:spcBef>
+              <a:buFont typeface="Arial" panose="020B0604020202020204" pitchFamily="34" charset="0"/>
+              <a:buChar char="•"/>
+              <a:defRPr sz="2400" kern="1200">
+                <a:solidFill>
+                  <a:schemeClr val="tx1"/>
+                </a:solidFill>
+                <a:latin typeface="+mn-lt"/>
+                <a:ea typeface="+mn-ea"/>
+                <a:cs typeface="+mn-cs"/>
+              </a:defRPr>
+            </a:lvl2pPr>
+            <a:lvl3pPr marL="1143000" indent="-228600" algn="l" defTabSz="914400" rtl="0" eaLnBrk="1" latinLnBrk="0" hangingPunct="1">
+              <a:lnSpc>
+                <a:spcPct val="90000"/>
+              </a:lnSpc>
+              <a:spcBef>
+                <a:spcPts val="500"/>
+              </a:spcBef>
+              <a:buFont typeface="Arial" panose="020B0604020202020204" pitchFamily="34" charset="0"/>
+              <a:buChar char="•"/>
+              <a:defRPr sz="2000" kern="1200">
+                <a:solidFill>
+                  <a:schemeClr val="tx1"/>
+                </a:solidFill>
+                <a:latin typeface="+mn-lt"/>
+                <a:ea typeface="+mn-ea"/>
+                <a:cs typeface="+mn-cs"/>
+              </a:defRPr>
+            </a:lvl3pPr>
+            <a:lvl4pPr marL="1600200" indent="-228600" algn="l" defTabSz="914400" rtl="0" eaLnBrk="1" latinLnBrk="0" hangingPunct="1">
+              <a:lnSpc>
+                <a:spcPct val="90000"/>
+              </a:lnSpc>
+              <a:spcBef>
+                <a:spcPts val="500"/>
+              </a:spcBef>
+              <a:buFont typeface="Arial" panose="020B0604020202020204" pitchFamily="34" charset="0"/>
+              <a:buChar char="•"/>
+              <a:defRPr sz="1800" kern="1200">
+                <a:solidFill>
+                  <a:schemeClr val="tx1"/>
+                </a:solidFill>
+                <a:latin typeface="+mn-lt"/>
+                <a:ea typeface="+mn-ea"/>
+                <a:cs typeface="+mn-cs"/>
+              </a:defRPr>
+            </a:lvl4pPr>
+            <a:lvl5pPr marL="2057400" indent="-228600" algn="l" defTabSz="914400" rtl="0" eaLnBrk="1" latinLnBrk="0" hangingPunct="1">
+              <a:lnSpc>
+                <a:spcPct val="90000"/>
+              </a:lnSpc>
+              <a:spcBef>
+                <a:spcPts val="500"/>
+              </a:spcBef>
+              <a:buFont typeface="Arial" panose="020B0604020202020204" pitchFamily="34" charset="0"/>
+              <a:buChar char="•"/>
+              <a:defRPr sz="1800" kern="1200">
+                <a:solidFill>
+                  <a:schemeClr val="tx1"/>
+                </a:solidFill>
+                <a:latin typeface="+mn-lt"/>
+                <a:ea typeface="+mn-ea"/>
+                <a:cs typeface="+mn-cs"/>
+              </a:defRPr>
+            </a:lvl5pPr>
+            <a:lvl6pPr marL="2514600" indent="-228600" algn="l" defTabSz="914400" rtl="0" eaLnBrk="1" latinLnBrk="0" hangingPunct="1">
+              <a:lnSpc>
+                <a:spcPct val="90000"/>
+              </a:lnSpc>
+              <a:spcBef>
+                <a:spcPts val="500"/>
+              </a:spcBef>
+              <a:buFont typeface="Arial" panose="020B0604020202020204" pitchFamily="34" charset="0"/>
+              <a:buChar char="•"/>
+              <a:defRPr sz="1800" kern="1200">
+                <a:solidFill>
+                  <a:schemeClr val="tx1"/>
+                </a:solidFill>
+                <a:latin typeface="+mn-lt"/>
+                <a:ea typeface="+mn-ea"/>
+                <a:cs typeface="+mn-cs"/>
+              </a:defRPr>
+            </a:lvl6pPr>
+            <a:lvl7pPr marL="2971800" indent="-228600" algn="l" defTabSz="914400" rtl="0" eaLnBrk="1" latinLnBrk="0" hangingPunct="1">
+              <a:lnSpc>
+                <a:spcPct val="90000"/>
+              </a:lnSpc>
+              <a:spcBef>
+                <a:spcPts val="500"/>
+              </a:spcBef>
+              <a:buFont typeface="Arial" panose="020B0604020202020204" pitchFamily="34" charset="0"/>
+              <a:buChar char="•"/>
+              <a:defRPr sz="1800" kern="1200">
+                <a:solidFill>
+                  <a:schemeClr val="tx1"/>
+                </a:solidFill>
+                <a:latin typeface="+mn-lt"/>
+                <a:ea typeface="+mn-ea"/>
+                <a:cs typeface="+mn-cs"/>
+              </a:defRPr>
+            </a:lvl7pPr>
+            <a:lvl8pPr marL="3429000" indent="-228600" algn="l" defTabSz="914400" rtl="0" eaLnBrk="1" latinLnBrk="0" hangingPunct="1">
+              <a:lnSpc>
+                <a:spcPct val="90000"/>
+              </a:lnSpc>
+              <a:spcBef>
+                <a:spcPts val="500"/>
+              </a:spcBef>
+              <a:buFont typeface="Arial" panose="020B0604020202020204" pitchFamily="34" charset="0"/>
+              <a:buChar char="•"/>
+              <a:defRPr sz="1800" kern="1200">
+                <a:solidFill>
+                  <a:schemeClr val="tx1"/>
+                </a:solidFill>
+                <a:latin typeface="+mn-lt"/>
+                <a:ea typeface="+mn-ea"/>
+                <a:cs typeface="+mn-cs"/>
+              </a:defRPr>
+            </a:lvl8pPr>
+            <a:lvl9pPr marL="3886200" indent="-228600" algn="l" defTabSz="914400" rtl="0" eaLnBrk="1" latinLnBrk="0" hangingPunct="1">
+              <a:lnSpc>
+                <a:spcPct val="90000"/>
+              </a:lnSpc>
+              <a:spcBef>
+                <a:spcPts val="500"/>
+              </a:spcBef>
+              <a:buFont typeface="Arial" panose="020B0604020202020204" pitchFamily="34" charset="0"/>
+              <a:buChar char="•"/>
+              <a:defRPr sz="1800" kern="1200">
+                <a:solidFill>
+                  <a:schemeClr val="tx1"/>
+                </a:solidFill>
+                <a:latin typeface="+mn-lt"/>
+                <a:ea typeface="+mn-ea"/>
+                <a:cs typeface="+mn-cs"/>
+              </a:defRPr>
+            </a:lvl9pPr>
+          </a:lstStyle>
+          <a:p>
+            <a:pPr marL="0" indent="0">
+              <a:buFont typeface="Arial" panose="020B0604020202020204" pitchFamily="34" charset="0"/>
+              <a:buNone/>
+            </a:pPr>
+            <a:endParaRPr lang="en-US" sz="3200" dirty="0"/>
+          </a:p>
+          <a:p>
+            <a:pPr marL="0" indent="0">
+              <a:buFont typeface="Arial" panose="020B0604020202020204" pitchFamily="34" charset="0"/>
+              <a:buNone/>
+            </a:pPr>
+            <a:endParaRPr lang="en-US" sz="3200" dirty="0"/>
+          </a:p>
+        </p:txBody>
+      </p:sp>
+      <p:sp>
+        <p:nvSpPr>
+          <p:cNvPr id="2" name="Rectangle 1">
+            <a:extLst>
+              <a:ext uri="{FF2B5EF4-FFF2-40B4-BE49-F238E27FC236}">
+                <a16:creationId xmlns:a16="http://schemas.microsoft.com/office/drawing/2014/main" id="{ACAC7C74-8D59-4550-A840-75067F791BF7}"/>
+              </a:ext>
+            </a:extLst>
+          </p:cNvPr>
+          <p:cNvSpPr/>
+          <p:nvPr/>
+        </p:nvSpPr>
+        <p:spPr>
+          <a:xfrm>
+            <a:off x="708286" y="1313015"/>
+            <a:ext cx="6019223" cy="830997"/>
+          </a:xfrm>
+          <a:prstGeom prst="rect">
+            <a:avLst/>
+          </a:prstGeom>
+        </p:spPr>
+        <p:txBody>
+          <a:bodyPr wrap="square">
+            <a:spAutoFit/>
+          </a:bodyPr>
+          <a:lstStyle/>
+          <a:p>
+            <a:pPr marL="342900" indent="-342900">
+              <a:buFont typeface="Arial" panose="020B0604020202020204" pitchFamily="34" charset="0"/>
+              <a:buChar char="•"/>
+            </a:pPr>
+            <a:r>
+              <a:rPr lang="en-US" sz="2400" dirty="0"/>
+              <a:t>Pods live and die so their file system is short lived(ephemeral)</a:t>
+            </a:r>
+          </a:p>
+        </p:txBody>
+      </p:sp>
+      <p:sp>
+        <p:nvSpPr>
+          <p:cNvPr id="5" name="Rectangle 4">
+            <a:extLst>
+              <a:ext uri="{FF2B5EF4-FFF2-40B4-BE49-F238E27FC236}">
+                <a16:creationId xmlns:a16="http://schemas.microsoft.com/office/drawing/2014/main" id="{CB6386F7-D1D6-49C6-8145-72D1778F757E}"/>
+              </a:ext>
+            </a:extLst>
+          </p:cNvPr>
+          <p:cNvSpPr/>
+          <p:nvPr/>
+        </p:nvSpPr>
+        <p:spPr>
+          <a:xfrm>
+            <a:off x="708286" y="2233180"/>
+            <a:ext cx="6019223" cy="830997"/>
+          </a:xfrm>
+          <a:prstGeom prst="rect">
+            <a:avLst/>
+          </a:prstGeom>
+        </p:spPr>
+        <p:txBody>
+          <a:bodyPr wrap="square">
+            <a:spAutoFit/>
+          </a:bodyPr>
+          <a:lstStyle/>
+          <a:p>
+            <a:pPr marL="342900" indent="-342900">
+              <a:buFont typeface="Arial" panose="020B0604020202020204" pitchFamily="34" charset="0"/>
+              <a:buChar char="•"/>
+            </a:pPr>
+            <a:r>
+              <a:rPr lang="en-US" sz="2400" dirty="0"/>
+              <a:t>Volumes can be used to store state/data and use it in pod</a:t>
+            </a:r>
+          </a:p>
+        </p:txBody>
+      </p:sp>
+      <p:sp>
+        <p:nvSpPr>
+          <p:cNvPr id="8" name="Rectangle 7">
+            <a:extLst>
+              <a:ext uri="{FF2B5EF4-FFF2-40B4-BE49-F238E27FC236}">
+                <a16:creationId xmlns:a16="http://schemas.microsoft.com/office/drawing/2014/main" id="{995E47B3-986C-4558-8AAE-CC8B22ADF1EC}"/>
+              </a:ext>
+            </a:extLst>
+          </p:cNvPr>
+          <p:cNvSpPr/>
+          <p:nvPr/>
+        </p:nvSpPr>
+        <p:spPr>
+          <a:xfrm>
+            <a:off x="687525" y="3023417"/>
+            <a:ext cx="6019223" cy="830997"/>
+          </a:xfrm>
+          <a:prstGeom prst="rect">
+            <a:avLst/>
+          </a:prstGeom>
+        </p:spPr>
+        <p:txBody>
+          <a:bodyPr wrap="square">
+            <a:spAutoFit/>
+          </a:bodyPr>
+          <a:lstStyle/>
+          <a:p>
+            <a:pPr marL="342900" indent="-342900">
+              <a:buFont typeface="Arial" panose="020B0604020202020204" pitchFamily="34" charset="0"/>
+              <a:buChar char="•"/>
+            </a:pPr>
+            <a:r>
+              <a:rPr lang="en-US" sz="2400" dirty="0"/>
+              <a:t>A pod can have multiple volumes attached to it.</a:t>
+            </a:r>
+          </a:p>
+        </p:txBody>
+      </p:sp>
+      <p:sp>
+        <p:nvSpPr>
+          <p:cNvPr id="9" name="Rectangle 8">
+            <a:extLst>
+              <a:ext uri="{FF2B5EF4-FFF2-40B4-BE49-F238E27FC236}">
+                <a16:creationId xmlns:a16="http://schemas.microsoft.com/office/drawing/2014/main" id="{39DA8FB7-35EB-49EE-A819-66738B856BD7}"/>
+              </a:ext>
+            </a:extLst>
+          </p:cNvPr>
+          <p:cNvSpPr/>
+          <p:nvPr/>
+        </p:nvSpPr>
+        <p:spPr>
+          <a:xfrm>
+            <a:off x="699142" y="3808719"/>
+            <a:ext cx="6019223" cy="830997"/>
+          </a:xfrm>
+          <a:prstGeom prst="rect">
+            <a:avLst/>
+          </a:prstGeom>
+        </p:spPr>
+        <p:txBody>
+          <a:bodyPr wrap="square">
+            <a:spAutoFit/>
+          </a:bodyPr>
+          <a:lstStyle/>
+          <a:p>
+            <a:pPr marL="342900" indent="-342900">
+              <a:buFont typeface="Arial" panose="020B0604020202020204" pitchFamily="34" charset="0"/>
+              <a:buChar char="•"/>
+            </a:pPr>
+            <a:r>
+              <a:rPr lang="en-US" sz="2400" dirty="0"/>
+              <a:t>Containers rely on a mount path to access a volume</a:t>
+            </a:r>
+          </a:p>
+        </p:txBody>
+      </p:sp>
+      <p:sp>
+        <p:nvSpPr>
+          <p:cNvPr id="10" name="Rectangle 9">
+            <a:extLst>
+              <a:ext uri="{FF2B5EF4-FFF2-40B4-BE49-F238E27FC236}">
+                <a16:creationId xmlns:a16="http://schemas.microsoft.com/office/drawing/2014/main" id="{3C9F0DB2-7743-4E68-ADE2-800A7A2EA926}"/>
+              </a:ext>
+            </a:extLst>
+          </p:cNvPr>
+          <p:cNvSpPr/>
+          <p:nvPr/>
+        </p:nvSpPr>
+        <p:spPr>
+          <a:xfrm>
+            <a:off x="687525" y="4598956"/>
+            <a:ext cx="6019223" cy="1938992"/>
+          </a:xfrm>
+          <a:prstGeom prst="rect">
+            <a:avLst/>
+          </a:prstGeom>
+        </p:spPr>
+        <p:txBody>
+          <a:bodyPr wrap="square">
+            <a:spAutoFit/>
+          </a:bodyPr>
+          <a:lstStyle/>
+          <a:p>
+            <a:pPr marL="342900" indent="-342900">
+              <a:buFont typeface="Arial" panose="020B0604020202020204" pitchFamily="34" charset="0"/>
+              <a:buChar char="•"/>
+            </a:pPr>
+            <a:r>
+              <a:rPr lang="en-US" sz="2400" dirty="0"/>
+              <a:t>Kubernetes supports :</a:t>
+            </a:r>
+          </a:p>
+          <a:p>
+            <a:pPr marL="800100" lvl="1" indent="-342900">
+              <a:buFont typeface="Arial" panose="020B0604020202020204" pitchFamily="34" charset="0"/>
+              <a:buChar char="•"/>
+            </a:pPr>
+            <a:r>
+              <a:rPr lang="en-US" sz="2400" dirty="0"/>
+              <a:t>Volumes</a:t>
+            </a:r>
+          </a:p>
+          <a:p>
+            <a:pPr marL="800100" lvl="1" indent="-342900">
+              <a:buFont typeface="Arial" panose="020B0604020202020204" pitchFamily="34" charset="0"/>
+              <a:buChar char="•"/>
+            </a:pPr>
+            <a:r>
+              <a:rPr lang="en-US" sz="2400" dirty="0" err="1"/>
+              <a:t>PersistentVolumes</a:t>
+            </a:r>
+            <a:endParaRPr lang="en-US" sz="2400" dirty="0"/>
+          </a:p>
+          <a:p>
+            <a:pPr marL="800100" lvl="1" indent="-342900">
+              <a:buFont typeface="Arial" panose="020B0604020202020204" pitchFamily="34" charset="0"/>
+              <a:buChar char="•"/>
+            </a:pPr>
+            <a:r>
+              <a:rPr lang="en-US" sz="2400" dirty="0" err="1"/>
+              <a:t>PersistentVolumesClaims</a:t>
+            </a:r>
+            <a:endParaRPr lang="en-US" sz="2400" dirty="0"/>
+          </a:p>
+          <a:p>
+            <a:pPr marL="800100" lvl="1" indent="-342900">
+              <a:buFont typeface="Arial" panose="020B0604020202020204" pitchFamily="34" charset="0"/>
+              <a:buChar char="•"/>
+            </a:pPr>
+            <a:r>
+              <a:rPr lang="en-US" sz="2400" dirty="0" err="1"/>
+              <a:t>StorageClasses</a:t>
+            </a:r>
+            <a:endParaRPr lang="en-US" sz="2400" dirty="0"/>
+          </a:p>
+        </p:txBody>
+      </p:sp>
+      <p:pic>
+        <p:nvPicPr>
+          <p:cNvPr id="4" name="Picture 3">
+            <a:extLst>
+              <a:ext uri="{FF2B5EF4-FFF2-40B4-BE49-F238E27FC236}">
+                <a16:creationId xmlns:a16="http://schemas.microsoft.com/office/drawing/2014/main" id="{426C38E0-CEED-4BA2-8917-C8363D4D9EFC}"/>
+              </a:ext>
+            </a:extLst>
+          </p:cNvPr>
+          <p:cNvPicPr>
+            <a:picLocks noChangeAspect="1"/>
+          </p:cNvPicPr>
+          <p:nvPr/>
+        </p:nvPicPr>
+        <p:blipFill>
+          <a:blip r:embed="rId2">
+            <a:extLst>
+              <a:ext uri="{28A0092B-C50C-407E-A947-70E740481C1C}">
+                <a14:useLocalDpi xmlns:a14="http://schemas.microsoft.com/office/drawing/2010/main" val="0"/>
+              </a:ext>
+            </a:extLst>
+          </a:blip>
+          <a:stretch>
+            <a:fillRect/>
+          </a:stretch>
+        </p:blipFill>
+        <p:spPr>
+          <a:xfrm>
+            <a:off x="7500670" y="2503407"/>
+            <a:ext cx="3276190" cy="1314286"/>
+          </a:xfrm>
+          <a:prstGeom prst="rect">
+            <a:avLst/>
+          </a:prstGeom>
+        </p:spPr>
+      </p:pic>
     </p:spTree>
     <p:extLst>
       <p:ext uri="{BB962C8B-B14F-4D97-AF65-F5344CB8AC3E}">
-        <p14:creationId xmlns:p14="http://schemas.microsoft.com/office/powerpoint/2010/main" val="1661859103"/>
+        <p14:creationId xmlns:p14="http://schemas.microsoft.com/office/powerpoint/2010/main" val="329489887"/>
       </p:ext>
     </p:extLst>
-  </p:cSld>
-  <p:clrMapOvr>
-    <a:masterClrMapping/>
-  </p:clrMapOvr>
-</p:sld>
-</file>
-
-<file path=ppt/slides/slide9.xml><?xml version="1.0" encoding="utf-8"?>
-<p:sld xmlns:a="http://schemas.openxmlformats.org/drawingml/2006/main" xmlns:r="http://schemas.openxmlformats.org/officeDocument/2006/relationships" xmlns:p="http://schemas.openxmlformats.org/presentationml/2006/main">
-  <p:cSld>
-    <p:spTree>
-      <p:nvGrpSpPr>
-        <p:cNvPr id="1" name="Shape 985"/>
-        <p:cNvGrpSpPr/>
-        <p:nvPr/>
-      </p:nvGrpSpPr>
-      <p:grpSpPr>
-        <a:xfrm>
-          <a:off x="0" y="0"/>
-          <a:ext cx="0" cy="0"/>
-          <a:chOff x="0" y="0"/>
-          <a:chExt cx="0" cy="0"/>
-        </a:xfrm>
-      </p:grpSpPr>
-      <p:sp>
-        <p:nvSpPr>
-          <p:cNvPr id="987" name="Google Shape;987;p136"/>
-          <p:cNvSpPr txBox="1">
-            <a:spLocks noGrp="1"/>
-          </p:cNvSpPr>
-          <p:nvPr>
-            <p:ph type="ctrTitle" idx="4294967295"/>
-          </p:nvPr>
-        </p:nvSpPr>
-        <p:spPr>
-          <a:xfrm>
-            <a:off x="3084843" y="1925481"/>
-            <a:ext cx="5776913" cy="2057400"/>
-          </a:xfrm>
-          <a:prstGeom prst="rect">
-            <a:avLst/>
-          </a:prstGeom>
-        </p:spPr>
-        <p:txBody>
-          <a:bodyPr spcFirstLastPara="1" vert="horz" wrap="square" lIns="121900" tIns="121900" rIns="121900" bIns="121900" rtlCol="0" anchor="ctr" anchorCtr="0">
-            <a:noAutofit/>
-          </a:bodyPr>
-          <a:lstStyle/>
-          <a:p>
-            <a:pPr algn="ctr"/>
-            <a:r>
-              <a:rPr lang="en-US" dirty="0"/>
-              <a:t>Understanding Persistent </a:t>
-            </a:r>
-            <a:r>
-              <a:rPr lang="en" dirty="0"/>
-              <a:t>Storage</a:t>
-            </a:r>
-            <a:br>
-              <a:rPr lang="en" dirty="0"/>
-            </a:br>
-            <a:r>
-              <a:rPr lang="en-US" dirty="0"/>
-              <a:t>in Kubernetes</a:t>
-            </a:r>
-            <a:endParaRPr dirty="0"/>
-          </a:p>
-        </p:txBody>
-      </p:sp>
-    </p:spTree>
   </p:cSld>
   <p:clrMapOvr>
     <a:masterClrMapping/>
